--- a/Predection CTRL.pptx
+++ b/Predection CTRL.pptx
@@ -1,6 +1,6 @@
 
 <file path=ppt/presentation.xml><?xml version="1.0" encoding="utf-8"?>
-<p:presentation xmlns:a="http://schemas.openxmlformats.org/drawingml/2006/main" xmlns:r="http://schemas.openxmlformats.org/officeDocument/2006/relationships" xmlns:mc="http://schemas.openxmlformats.org/markup-compatibility/2006" xmlns:mv="urn:schemas-microsoft-com:mac:vml" xmlns:p="http://schemas.openxmlformats.org/presentationml/2006/main" xmlns:c="http://schemas.openxmlformats.org/drawingml/2006/chart" xmlns:dgm="http://schemas.openxmlformats.org/drawingml/2006/diagram" xmlns:o="urn:schemas-microsoft-com:office:office" xmlns:v="urn:schemas-microsoft-com:vml" xmlns:pvml="urn:schemas-microsoft-com:office:powerpoint" xmlns:com="http://schemas.openxmlformats.org/drawingml/2006/compatibility" xmlns:p14="http://schemas.microsoft.com/office/powerpoint/2010/main" xmlns:p15="http://schemas.microsoft.com/office/powerpoint/2012/main" autoCompressPictures="0" embedTrueTypeFonts="1" strictFirstAndLastChars="0" saveSubsetFonts="1">
+<p:presentation xmlns:a="http://schemas.openxmlformats.org/drawingml/2006/main" xmlns:r="http://schemas.openxmlformats.org/officeDocument/2006/relationships" xmlns:mc="http://schemas.openxmlformats.org/markup-compatibility/2006" xmlns:mv="urn:schemas-microsoft-com:mac:vml" xmlns:p="http://schemas.openxmlformats.org/presentationml/2006/main" xmlns:c="http://schemas.openxmlformats.org/drawingml/2006/chart" xmlns:dgm="http://schemas.openxmlformats.org/drawingml/2006/diagram" xmlns:o="urn:schemas-microsoft-com:office:office" xmlns:v="urn:schemas-microsoft-com:vml" xmlns:pvml="urn:schemas-microsoft-com:office:powerpoint" xmlns:com="http://schemas.openxmlformats.org/drawingml/2006/compatibility" xmlns:p14="http://schemas.microsoft.com/office/powerpoint/2010/main" xmlns:p15="http://schemas.microsoft.com/office/powerpoint/2012/main" xmlns:ahyp="http://schemas.microsoft.com/office/drawing/2018/hyperlinkcolor" autoCompressPictures="0" embedTrueTypeFonts="1" strictFirstAndLastChars="0" saveSubsetFonts="1">
   <p:sldMasterIdLst>
     <p:sldMasterId id="2147483659" r:id="rId4"/>
   </p:sldMasterIdLst>
@@ -312,7 +312,7 @@
 </file>
 
 <file path=ppt/notesMasters/notesMaster1.xml><?xml version="1.0" encoding="utf-8"?>
-<p:notesMaster xmlns:a="http://schemas.openxmlformats.org/drawingml/2006/main" xmlns:r="http://schemas.openxmlformats.org/officeDocument/2006/relationships" xmlns:mc="http://schemas.openxmlformats.org/markup-compatibility/2006" xmlns:mv="urn:schemas-microsoft-com:mac:vml" xmlns:p="http://schemas.openxmlformats.org/presentationml/2006/main" xmlns:c="http://schemas.openxmlformats.org/drawingml/2006/chart" xmlns:dgm="http://schemas.openxmlformats.org/drawingml/2006/diagram" xmlns:o="urn:schemas-microsoft-com:office:office" xmlns:v="urn:schemas-microsoft-com:vml" xmlns:pvml="urn:schemas-microsoft-com:office:powerpoint" xmlns:com="http://schemas.openxmlformats.org/drawingml/2006/compatibility" xmlns:p14="http://schemas.microsoft.com/office/powerpoint/2010/main" xmlns:p15="http://schemas.microsoft.com/office/powerpoint/2012/main">
+<p:notesMaster xmlns:a="http://schemas.openxmlformats.org/drawingml/2006/main" xmlns:r="http://schemas.openxmlformats.org/officeDocument/2006/relationships" xmlns:mc="http://schemas.openxmlformats.org/markup-compatibility/2006" xmlns:mv="urn:schemas-microsoft-com:mac:vml" xmlns:p="http://schemas.openxmlformats.org/presentationml/2006/main" xmlns:c="http://schemas.openxmlformats.org/drawingml/2006/chart" xmlns:dgm="http://schemas.openxmlformats.org/drawingml/2006/diagram" xmlns:o="urn:schemas-microsoft-com:office:office" xmlns:v="urn:schemas-microsoft-com:vml" xmlns:pvml="urn:schemas-microsoft-com:office:powerpoint" xmlns:com="http://schemas.openxmlformats.org/drawingml/2006/compatibility" xmlns:p14="http://schemas.microsoft.com/office/powerpoint/2010/main" xmlns:p15="http://schemas.microsoft.com/office/powerpoint/2012/main" xmlns:ahyp="http://schemas.microsoft.com/office/drawing/2018/hyperlinkcolor">
   <p:cSld>
     <p:spTree>
       <p:nvGrpSpPr>
@@ -738,7 +738,7 @@
 </file>
 
 <file path=ppt/notesSlides/notesSlide1.xml><?xml version="1.0" encoding="utf-8"?>
-<p:notes xmlns:a="http://schemas.openxmlformats.org/drawingml/2006/main" xmlns:r="http://schemas.openxmlformats.org/officeDocument/2006/relationships" xmlns:mc="http://schemas.openxmlformats.org/markup-compatibility/2006" xmlns:mv="urn:schemas-microsoft-com:mac:vml" xmlns:p="http://schemas.openxmlformats.org/presentationml/2006/main" xmlns:c="http://schemas.openxmlformats.org/drawingml/2006/chart" xmlns:dgm="http://schemas.openxmlformats.org/drawingml/2006/diagram" xmlns:o="urn:schemas-microsoft-com:office:office" xmlns:v="urn:schemas-microsoft-com:vml" xmlns:pvml="urn:schemas-microsoft-com:office:powerpoint" xmlns:com="http://schemas.openxmlformats.org/drawingml/2006/compatibility" xmlns:p14="http://schemas.microsoft.com/office/powerpoint/2010/main" xmlns:p15="http://schemas.microsoft.com/office/powerpoint/2012/main" showMasterPhAnim="0" showMasterSp="0">
+<p:notes xmlns:a="http://schemas.openxmlformats.org/drawingml/2006/main" xmlns:r="http://schemas.openxmlformats.org/officeDocument/2006/relationships" xmlns:mc="http://schemas.openxmlformats.org/markup-compatibility/2006" xmlns:mv="urn:schemas-microsoft-com:mac:vml" xmlns:p="http://schemas.openxmlformats.org/presentationml/2006/main" xmlns:c="http://schemas.openxmlformats.org/drawingml/2006/chart" xmlns:dgm="http://schemas.openxmlformats.org/drawingml/2006/diagram" xmlns:o="urn:schemas-microsoft-com:office:office" xmlns:v="urn:schemas-microsoft-com:vml" xmlns:pvml="urn:schemas-microsoft-com:office:powerpoint" xmlns:com="http://schemas.openxmlformats.org/drawingml/2006/compatibility" xmlns:p14="http://schemas.microsoft.com/office/powerpoint/2010/main" xmlns:p15="http://schemas.microsoft.com/office/powerpoint/2012/main" xmlns:ahyp="http://schemas.microsoft.com/office/drawing/2018/hyperlinkcolor" showMasterPhAnim="0" showMasterSp="0">
   <p:cSld>
     <p:spTree>
       <p:nvGrpSpPr>
@@ -837,11 +837,11 @@
 </file>
 
 <file path=ppt/notesSlides/notesSlide10.xml><?xml version="1.0" encoding="utf-8"?>
-<p:notes xmlns:a="http://schemas.openxmlformats.org/drawingml/2006/main" xmlns:r="http://schemas.openxmlformats.org/officeDocument/2006/relationships" xmlns:mc="http://schemas.openxmlformats.org/markup-compatibility/2006" xmlns:mv="urn:schemas-microsoft-com:mac:vml" xmlns:p="http://schemas.openxmlformats.org/presentationml/2006/main" xmlns:c="http://schemas.openxmlformats.org/drawingml/2006/chart" xmlns:dgm="http://schemas.openxmlformats.org/drawingml/2006/diagram" xmlns:o="urn:schemas-microsoft-com:office:office" xmlns:v="urn:schemas-microsoft-com:vml" xmlns:pvml="urn:schemas-microsoft-com:office:powerpoint" xmlns:com="http://schemas.openxmlformats.org/drawingml/2006/compatibility" xmlns:p14="http://schemas.microsoft.com/office/powerpoint/2010/main" xmlns:p15="http://schemas.microsoft.com/office/powerpoint/2012/main" showMasterPhAnim="0" showMasterSp="0">
+<p:notes xmlns:a="http://schemas.openxmlformats.org/drawingml/2006/main" xmlns:r="http://schemas.openxmlformats.org/officeDocument/2006/relationships" xmlns:mc="http://schemas.openxmlformats.org/markup-compatibility/2006" xmlns:mv="urn:schemas-microsoft-com:mac:vml" xmlns:p="http://schemas.openxmlformats.org/presentationml/2006/main" xmlns:c="http://schemas.openxmlformats.org/drawingml/2006/chart" xmlns:dgm="http://schemas.openxmlformats.org/drawingml/2006/diagram" xmlns:o="urn:schemas-microsoft-com:office:office" xmlns:v="urn:schemas-microsoft-com:vml" xmlns:pvml="urn:schemas-microsoft-com:office:powerpoint" xmlns:com="http://schemas.openxmlformats.org/drawingml/2006/compatibility" xmlns:p14="http://schemas.microsoft.com/office/powerpoint/2010/main" xmlns:p15="http://schemas.microsoft.com/office/powerpoint/2012/main" xmlns:ahyp="http://schemas.microsoft.com/office/drawing/2018/hyperlinkcolor" showMasterPhAnim="0" showMasterSp="0">
   <p:cSld>
     <p:spTree>
       <p:nvGrpSpPr>
-        <p:cNvPr id="216" name="Shape 216"/>
+        <p:cNvPr id="220" name="Shape 220"/>
         <p:cNvGrpSpPr/>
         <p:nvPr/>
       </p:nvGrpSpPr>
@@ -855,7 +855,7 @@
       </p:grpSpPr>
       <p:sp>
         <p:nvSpPr>
-          <p:cNvPr id="217" name="Google Shape;217;g8cec7bd702_4_242:notes"/>
+          <p:cNvPr id="221" name="Google Shape;221;g8cec7bd702_4_242:notes"/>
           <p:cNvSpPr txBox="1"/>
           <p:nvPr>
             <p:ph idx="1" type="body"/>
@@ -894,7 +894,7 @@
       </p:sp>
       <p:sp>
         <p:nvSpPr>
-          <p:cNvPr id="218" name="Google Shape;218;g8cec7bd702_4_242:notes"/>
+          <p:cNvPr id="222" name="Google Shape;222;g8cec7bd702_4_242:notes"/>
           <p:cNvSpPr/>
           <p:nvPr>
             <p:ph idx="2" type="sldImg"/>
@@ -936,11 +936,11 @@
 </file>
 
 <file path=ppt/notesSlides/notesSlide11.xml><?xml version="1.0" encoding="utf-8"?>
-<p:notes xmlns:a="http://schemas.openxmlformats.org/drawingml/2006/main" xmlns:r="http://schemas.openxmlformats.org/officeDocument/2006/relationships" xmlns:mc="http://schemas.openxmlformats.org/markup-compatibility/2006" xmlns:mv="urn:schemas-microsoft-com:mac:vml" xmlns:p="http://schemas.openxmlformats.org/presentationml/2006/main" xmlns:c="http://schemas.openxmlformats.org/drawingml/2006/chart" xmlns:dgm="http://schemas.openxmlformats.org/drawingml/2006/diagram" xmlns:o="urn:schemas-microsoft-com:office:office" xmlns:v="urn:schemas-microsoft-com:vml" xmlns:pvml="urn:schemas-microsoft-com:office:powerpoint" xmlns:com="http://schemas.openxmlformats.org/drawingml/2006/compatibility" xmlns:p14="http://schemas.microsoft.com/office/powerpoint/2010/main" xmlns:p15="http://schemas.microsoft.com/office/powerpoint/2012/main" showMasterPhAnim="0" showMasterSp="0">
+<p:notes xmlns:a="http://schemas.openxmlformats.org/drawingml/2006/main" xmlns:r="http://schemas.openxmlformats.org/officeDocument/2006/relationships" xmlns:mc="http://schemas.openxmlformats.org/markup-compatibility/2006" xmlns:mv="urn:schemas-microsoft-com:mac:vml" xmlns:p="http://schemas.openxmlformats.org/presentationml/2006/main" xmlns:c="http://schemas.openxmlformats.org/drawingml/2006/chart" xmlns:dgm="http://schemas.openxmlformats.org/drawingml/2006/diagram" xmlns:o="urn:schemas-microsoft-com:office:office" xmlns:v="urn:schemas-microsoft-com:vml" xmlns:pvml="urn:schemas-microsoft-com:office:powerpoint" xmlns:com="http://schemas.openxmlformats.org/drawingml/2006/compatibility" xmlns:p14="http://schemas.microsoft.com/office/powerpoint/2010/main" xmlns:p15="http://schemas.microsoft.com/office/powerpoint/2012/main" xmlns:ahyp="http://schemas.microsoft.com/office/drawing/2018/hyperlinkcolor" showMasterPhAnim="0" showMasterSp="0">
   <p:cSld>
     <p:spTree>
       <p:nvGrpSpPr>
-        <p:cNvPr id="235" name="Shape 235"/>
+        <p:cNvPr id="239" name="Shape 239"/>
         <p:cNvGrpSpPr/>
         <p:nvPr/>
       </p:nvGrpSpPr>
@@ -954,7 +954,7 @@
       </p:grpSpPr>
       <p:sp>
         <p:nvSpPr>
-          <p:cNvPr id="236" name="Google Shape;236;p11:notes"/>
+          <p:cNvPr id="240" name="Google Shape;240;p11:notes"/>
           <p:cNvSpPr txBox="1"/>
           <p:nvPr>
             <p:ph idx="1" type="body"/>
@@ -993,7 +993,7 @@
       </p:sp>
       <p:sp>
         <p:nvSpPr>
-          <p:cNvPr id="237" name="Google Shape;237;p11:notes"/>
+          <p:cNvPr id="241" name="Google Shape;241;p11:notes"/>
           <p:cNvSpPr/>
           <p:nvPr>
             <p:ph idx="2" type="sldImg"/>
@@ -1035,11 +1035,11 @@
 </file>
 
 <file path=ppt/notesSlides/notesSlide12.xml><?xml version="1.0" encoding="utf-8"?>
-<p:notes xmlns:a="http://schemas.openxmlformats.org/drawingml/2006/main" xmlns:r="http://schemas.openxmlformats.org/officeDocument/2006/relationships" xmlns:mc="http://schemas.openxmlformats.org/markup-compatibility/2006" xmlns:mv="urn:schemas-microsoft-com:mac:vml" xmlns:p="http://schemas.openxmlformats.org/presentationml/2006/main" xmlns:c="http://schemas.openxmlformats.org/drawingml/2006/chart" xmlns:dgm="http://schemas.openxmlformats.org/drawingml/2006/diagram" xmlns:o="urn:schemas-microsoft-com:office:office" xmlns:v="urn:schemas-microsoft-com:vml" xmlns:pvml="urn:schemas-microsoft-com:office:powerpoint" xmlns:com="http://schemas.openxmlformats.org/drawingml/2006/compatibility" xmlns:p14="http://schemas.microsoft.com/office/powerpoint/2010/main" xmlns:p15="http://schemas.microsoft.com/office/powerpoint/2012/main" showMasterPhAnim="0" showMasterSp="0">
+<p:notes xmlns:a="http://schemas.openxmlformats.org/drawingml/2006/main" xmlns:r="http://schemas.openxmlformats.org/officeDocument/2006/relationships" xmlns:mc="http://schemas.openxmlformats.org/markup-compatibility/2006" xmlns:mv="urn:schemas-microsoft-com:mac:vml" xmlns:p="http://schemas.openxmlformats.org/presentationml/2006/main" xmlns:c="http://schemas.openxmlformats.org/drawingml/2006/chart" xmlns:dgm="http://schemas.openxmlformats.org/drawingml/2006/diagram" xmlns:o="urn:schemas-microsoft-com:office:office" xmlns:v="urn:schemas-microsoft-com:vml" xmlns:pvml="urn:schemas-microsoft-com:office:powerpoint" xmlns:com="http://schemas.openxmlformats.org/drawingml/2006/compatibility" xmlns:p14="http://schemas.microsoft.com/office/powerpoint/2010/main" xmlns:p15="http://schemas.microsoft.com/office/powerpoint/2012/main" xmlns:ahyp="http://schemas.microsoft.com/office/drawing/2018/hyperlinkcolor" showMasterPhAnim="0" showMasterSp="0">
   <p:cSld>
     <p:spTree>
       <p:nvGrpSpPr>
-        <p:cNvPr id="252" name="Shape 252"/>
+        <p:cNvPr id="256" name="Shape 256"/>
         <p:cNvGrpSpPr/>
         <p:nvPr/>
       </p:nvGrpSpPr>
@@ -1053,7 +1053,7 @@
       </p:grpSpPr>
       <p:sp>
         <p:nvSpPr>
-          <p:cNvPr id="253" name="Google Shape;253;g8cec7bd702_4_254:notes"/>
+          <p:cNvPr id="257" name="Google Shape;257;g8cec7bd702_4_254:notes"/>
           <p:cNvSpPr txBox="1"/>
           <p:nvPr>
             <p:ph idx="1" type="body"/>
@@ -1092,7 +1092,7 @@
       </p:sp>
       <p:sp>
         <p:nvSpPr>
-          <p:cNvPr id="254" name="Google Shape;254;g8cec7bd702_4_254:notes"/>
+          <p:cNvPr id="258" name="Google Shape;258;g8cec7bd702_4_254:notes"/>
           <p:cNvSpPr/>
           <p:nvPr>
             <p:ph idx="2" type="sldImg"/>
@@ -1134,11 +1134,11 @@
 </file>
 
 <file path=ppt/notesSlides/notesSlide13.xml><?xml version="1.0" encoding="utf-8"?>
-<p:notes xmlns:a="http://schemas.openxmlformats.org/drawingml/2006/main" xmlns:r="http://schemas.openxmlformats.org/officeDocument/2006/relationships" xmlns:mc="http://schemas.openxmlformats.org/markup-compatibility/2006" xmlns:mv="urn:schemas-microsoft-com:mac:vml" xmlns:p="http://schemas.openxmlformats.org/presentationml/2006/main" xmlns:c="http://schemas.openxmlformats.org/drawingml/2006/chart" xmlns:dgm="http://schemas.openxmlformats.org/drawingml/2006/diagram" xmlns:o="urn:schemas-microsoft-com:office:office" xmlns:v="urn:schemas-microsoft-com:vml" xmlns:pvml="urn:schemas-microsoft-com:office:powerpoint" xmlns:com="http://schemas.openxmlformats.org/drawingml/2006/compatibility" xmlns:p14="http://schemas.microsoft.com/office/powerpoint/2010/main" xmlns:p15="http://schemas.microsoft.com/office/powerpoint/2012/main" showMasterPhAnim="0" showMasterSp="0">
+<p:notes xmlns:a="http://schemas.openxmlformats.org/drawingml/2006/main" xmlns:r="http://schemas.openxmlformats.org/officeDocument/2006/relationships" xmlns:mc="http://schemas.openxmlformats.org/markup-compatibility/2006" xmlns:mv="urn:schemas-microsoft-com:mac:vml" xmlns:p="http://schemas.openxmlformats.org/presentationml/2006/main" xmlns:c="http://schemas.openxmlformats.org/drawingml/2006/chart" xmlns:dgm="http://schemas.openxmlformats.org/drawingml/2006/diagram" xmlns:o="urn:schemas-microsoft-com:office:office" xmlns:v="urn:schemas-microsoft-com:vml" xmlns:pvml="urn:schemas-microsoft-com:office:powerpoint" xmlns:com="http://schemas.openxmlformats.org/drawingml/2006/compatibility" xmlns:p14="http://schemas.microsoft.com/office/powerpoint/2010/main" xmlns:p15="http://schemas.microsoft.com/office/powerpoint/2012/main" xmlns:ahyp="http://schemas.microsoft.com/office/drawing/2018/hyperlinkcolor" showMasterPhAnim="0" showMasterSp="0">
   <p:cSld>
     <p:spTree>
       <p:nvGrpSpPr>
-        <p:cNvPr id="288" name="Shape 288"/>
+        <p:cNvPr id="292" name="Shape 292"/>
         <p:cNvGrpSpPr/>
         <p:nvPr/>
       </p:nvGrpSpPr>
@@ -1152,7 +1152,7 @@
       </p:grpSpPr>
       <p:sp>
         <p:nvSpPr>
-          <p:cNvPr id="289" name="Google Shape;289;g8cec7bd702_17_20:notes"/>
+          <p:cNvPr id="293" name="Google Shape;293;g8cec7bd702_17_20:notes"/>
           <p:cNvSpPr txBox="1"/>
           <p:nvPr>
             <p:ph idx="1" type="body"/>
@@ -1191,7 +1191,7 @@
       </p:sp>
       <p:sp>
         <p:nvSpPr>
-          <p:cNvPr id="290" name="Google Shape;290;g8cec7bd702_17_20:notes"/>
+          <p:cNvPr id="294" name="Google Shape;294;g8cec7bd702_17_20:notes"/>
           <p:cNvSpPr/>
           <p:nvPr>
             <p:ph idx="2" type="sldImg"/>
@@ -1233,11 +1233,11 @@
 </file>
 
 <file path=ppt/notesSlides/notesSlide14.xml><?xml version="1.0" encoding="utf-8"?>
-<p:notes xmlns:a="http://schemas.openxmlformats.org/drawingml/2006/main" xmlns:r="http://schemas.openxmlformats.org/officeDocument/2006/relationships" xmlns:mc="http://schemas.openxmlformats.org/markup-compatibility/2006" xmlns:mv="urn:schemas-microsoft-com:mac:vml" xmlns:p="http://schemas.openxmlformats.org/presentationml/2006/main" xmlns:c="http://schemas.openxmlformats.org/drawingml/2006/chart" xmlns:dgm="http://schemas.openxmlformats.org/drawingml/2006/diagram" xmlns:o="urn:schemas-microsoft-com:office:office" xmlns:v="urn:schemas-microsoft-com:vml" xmlns:pvml="urn:schemas-microsoft-com:office:powerpoint" xmlns:com="http://schemas.openxmlformats.org/drawingml/2006/compatibility" xmlns:p14="http://schemas.microsoft.com/office/powerpoint/2010/main" xmlns:p15="http://schemas.microsoft.com/office/powerpoint/2012/main" showMasterPhAnim="0" showMasterSp="0">
+<p:notes xmlns:a="http://schemas.openxmlformats.org/drawingml/2006/main" xmlns:r="http://schemas.openxmlformats.org/officeDocument/2006/relationships" xmlns:mc="http://schemas.openxmlformats.org/markup-compatibility/2006" xmlns:mv="urn:schemas-microsoft-com:mac:vml" xmlns:p="http://schemas.openxmlformats.org/presentationml/2006/main" xmlns:c="http://schemas.openxmlformats.org/drawingml/2006/chart" xmlns:dgm="http://schemas.openxmlformats.org/drawingml/2006/diagram" xmlns:o="urn:schemas-microsoft-com:office:office" xmlns:v="urn:schemas-microsoft-com:vml" xmlns:pvml="urn:schemas-microsoft-com:office:powerpoint" xmlns:com="http://schemas.openxmlformats.org/drawingml/2006/compatibility" xmlns:p14="http://schemas.microsoft.com/office/powerpoint/2010/main" xmlns:p15="http://schemas.microsoft.com/office/powerpoint/2012/main" xmlns:ahyp="http://schemas.microsoft.com/office/drawing/2018/hyperlinkcolor" showMasterPhAnim="0" showMasterSp="0">
   <p:cSld>
     <p:spTree>
       <p:nvGrpSpPr>
-        <p:cNvPr id="312" name="Shape 312"/>
+        <p:cNvPr id="316" name="Shape 316"/>
         <p:cNvGrpSpPr/>
         <p:nvPr/>
       </p:nvGrpSpPr>
@@ -1251,7 +1251,7 @@
       </p:grpSpPr>
       <p:sp>
         <p:nvSpPr>
-          <p:cNvPr id="313" name="Google Shape;313;p17:notes"/>
+          <p:cNvPr id="317" name="Google Shape;317;p17:notes"/>
           <p:cNvSpPr txBox="1"/>
           <p:nvPr>
             <p:ph idx="1" type="body"/>
@@ -1290,7 +1290,7 @@
       </p:sp>
       <p:sp>
         <p:nvSpPr>
-          <p:cNvPr id="314" name="Google Shape;314;p17:notes"/>
+          <p:cNvPr id="318" name="Google Shape;318;p17:notes"/>
           <p:cNvSpPr/>
           <p:nvPr>
             <p:ph idx="2" type="sldImg"/>
@@ -1332,11 +1332,11 @@
 </file>
 
 <file path=ppt/notesSlides/notesSlide15.xml><?xml version="1.0" encoding="utf-8"?>
-<p:notes xmlns:a="http://schemas.openxmlformats.org/drawingml/2006/main" xmlns:r="http://schemas.openxmlformats.org/officeDocument/2006/relationships" xmlns:mc="http://schemas.openxmlformats.org/markup-compatibility/2006" xmlns:mv="urn:schemas-microsoft-com:mac:vml" xmlns:p="http://schemas.openxmlformats.org/presentationml/2006/main" xmlns:c="http://schemas.openxmlformats.org/drawingml/2006/chart" xmlns:dgm="http://schemas.openxmlformats.org/drawingml/2006/diagram" xmlns:o="urn:schemas-microsoft-com:office:office" xmlns:v="urn:schemas-microsoft-com:vml" xmlns:pvml="urn:schemas-microsoft-com:office:powerpoint" xmlns:com="http://schemas.openxmlformats.org/drawingml/2006/compatibility" xmlns:p14="http://schemas.microsoft.com/office/powerpoint/2010/main" xmlns:p15="http://schemas.microsoft.com/office/powerpoint/2012/main" showMasterPhAnim="0" showMasterSp="0">
+<p:notes xmlns:a="http://schemas.openxmlformats.org/drawingml/2006/main" xmlns:r="http://schemas.openxmlformats.org/officeDocument/2006/relationships" xmlns:mc="http://schemas.openxmlformats.org/markup-compatibility/2006" xmlns:mv="urn:schemas-microsoft-com:mac:vml" xmlns:p="http://schemas.openxmlformats.org/presentationml/2006/main" xmlns:c="http://schemas.openxmlformats.org/drawingml/2006/chart" xmlns:dgm="http://schemas.openxmlformats.org/drawingml/2006/diagram" xmlns:o="urn:schemas-microsoft-com:office:office" xmlns:v="urn:schemas-microsoft-com:vml" xmlns:pvml="urn:schemas-microsoft-com:office:powerpoint" xmlns:com="http://schemas.openxmlformats.org/drawingml/2006/compatibility" xmlns:p14="http://schemas.microsoft.com/office/powerpoint/2010/main" xmlns:p15="http://schemas.microsoft.com/office/powerpoint/2012/main" xmlns:ahyp="http://schemas.microsoft.com/office/drawing/2018/hyperlinkcolor" showMasterPhAnim="0" showMasterSp="0">
   <p:cSld>
     <p:spTree>
       <p:nvGrpSpPr>
-        <p:cNvPr id="410" name="Shape 410"/>
+        <p:cNvPr id="414" name="Shape 414"/>
         <p:cNvGrpSpPr/>
         <p:nvPr/>
       </p:nvGrpSpPr>
@@ -1350,7 +1350,7 @@
       </p:grpSpPr>
       <p:sp>
         <p:nvSpPr>
-          <p:cNvPr id="411" name="Google Shape;411;g8cec7bd702_15_121:notes"/>
+          <p:cNvPr id="415" name="Google Shape;415;g8cf725b04f_1_36:notes"/>
           <p:cNvSpPr txBox="1"/>
           <p:nvPr>
             <p:ph idx="1" type="body"/>
@@ -1389,7 +1389,7 @@
       </p:sp>
       <p:sp>
         <p:nvSpPr>
-          <p:cNvPr id="412" name="Google Shape;412;g8cec7bd702_15_121:notes"/>
+          <p:cNvPr id="416" name="Google Shape;416;g8cf725b04f_1_36:notes"/>
           <p:cNvSpPr/>
           <p:nvPr>
             <p:ph idx="2" type="sldImg"/>
@@ -1431,11 +1431,11 @@
 </file>
 
 <file path=ppt/notesSlides/notesSlide16.xml><?xml version="1.0" encoding="utf-8"?>
-<p:notes xmlns:a="http://schemas.openxmlformats.org/drawingml/2006/main" xmlns:r="http://schemas.openxmlformats.org/officeDocument/2006/relationships" xmlns:mc="http://schemas.openxmlformats.org/markup-compatibility/2006" xmlns:mv="urn:schemas-microsoft-com:mac:vml" xmlns:p="http://schemas.openxmlformats.org/presentationml/2006/main" xmlns:c="http://schemas.openxmlformats.org/drawingml/2006/chart" xmlns:dgm="http://schemas.openxmlformats.org/drawingml/2006/diagram" xmlns:o="urn:schemas-microsoft-com:office:office" xmlns:v="urn:schemas-microsoft-com:vml" xmlns:pvml="urn:schemas-microsoft-com:office:powerpoint" xmlns:com="http://schemas.openxmlformats.org/drawingml/2006/compatibility" xmlns:p14="http://schemas.microsoft.com/office/powerpoint/2010/main" xmlns:p15="http://schemas.microsoft.com/office/powerpoint/2012/main" showMasterPhAnim="0" showMasterSp="0">
+<p:notes xmlns:a="http://schemas.openxmlformats.org/drawingml/2006/main" xmlns:r="http://schemas.openxmlformats.org/officeDocument/2006/relationships" xmlns:mc="http://schemas.openxmlformats.org/markup-compatibility/2006" xmlns:mv="urn:schemas-microsoft-com:mac:vml" xmlns:p="http://schemas.openxmlformats.org/presentationml/2006/main" xmlns:c="http://schemas.openxmlformats.org/drawingml/2006/chart" xmlns:dgm="http://schemas.openxmlformats.org/drawingml/2006/diagram" xmlns:o="urn:schemas-microsoft-com:office:office" xmlns:v="urn:schemas-microsoft-com:vml" xmlns:pvml="urn:schemas-microsoft-com:office:powerpoint" xmlns:com="http://schemas.openxmlformats.org/drawingml/2006/compatibility" xmlns:p14="http://schemas.microsoft.com/office/powerpoint/2010/main" xmlns:p15="http://schemas.microsoft.com/office/powerpoint/2012/main" xmlns:ahyp="http://schemas.microsoft.com/office/drawing/2018/hyperlinkcolor" showMasterPhAnim="0" showMasterSp="0">
   <p:cSld>
     <p:spTree>
       <p:nvGrpSpPr>
-        <p:cNvPr id="425" name="Shape 425"/>
+        <p:cNvPr id="429" name="Shape 429"/>
         <p:cNvGrpSpPr/>
         <p:nvPr/>
       </p:nvGrpSpPr>
@@ -1449,7 +1449,7 @@
       </p:grpSpPr>
       <p:sp>
         <p:nvSpPr>
-          <p:cNvPr id="426" name="Google Shape;426;g8cec7bd702_15_154:notes"/>
+          <p:cNvPr id="430" name="Google Shape;430;g8cec7bd702_15_154:notes"/>
           <p:cNvSpPr txBox="1"/>
           <p:nvPr>
             <p:ph idx="1" type="body"/>
@@ -1488,7 +1488,7 @@
       </p:sp>
       <p:sp>
         <p:nvSpPr>
-          <p:cNvPr id="427" name="Google Shape;427;g8cec7bd702_15_154:notes"/>
+          <p:cNvPr id="431" name="Google Shape;431;g8cec7bd702_15_154:notes"/>
           <p:cNvSpPr/>
           <p:nvPr>
             <p:ph idx="2" type="sldImg"/>
@@ -1530,7 +1530,7 @@
 </file>
 
 <file path=ppt/notesSlides/notesSlide2.xml><?xml version="1.0" encoding="utf-8"?>
-<p:notes xmlns:a="http://schemas.openxmlformats.org/drawingml/2006/main" xmlns:r="http://schemas.openxmlformats.org/officeDocument/2006/relationships" xmlns:mc="http://schemas.openxmlformats.org/markup-compatibility/2006" xmlns:mv="urn:schemas-microsoft-com:mac:vml" xmlns:p="http://schemas.openxmlformats.org/presentationml/2006/main" xmlns:c="http://schemas.openxmlformats.org/drawingml/2006/chart" xmlns:dgm="http://schemas.openxmlformats.org/drawingml/2006/diagram" xmlns:o="urn:schemas-microsoft-com:office:office" xmlns:v="urn:schemas-microsoft-com:vml" xmlns:pvml="urn:schemas-microsoft-com:office:powerpoint" xmlns:com="http://schemas.openxmlformats.org/drawingml/2006/compatibility" xmlns:p14="http://schemas.microsoft.com/office/powerpoint/2010/main" xmlns:p15="http://schemas.microsoft.com/office/powerpoint/2012/main" showMasterPhAnim="0" showMasterSp="0">
+<p:notes xmlns:a="http://schemas.openxmlformats.org/drawingml/2006/main" xmlns:r="http://schemas.openxmlformats.org/officeDocument/2006/relationships" xmlns:mc="http://schemas.openxmlformats.org/markup-compatibility/2006" xmlns:mv="urn:schemas-microsoft-com:mac:vml" xmlns:p="http://schemas.openxmlformats.org/presentationml/2006/main" xmlns:c="http://schemas.openxmlformats.org/drawingml/2006/chart" xmlns:dgm="http://schemas.openxmlformats.org/drawingml/2006/diagram" xmlns:o="urn:schemas-microsoft-com:office:office" xmlns:v="urn:schemas-microsoft-com:vml" xmlns:pvml="urn:schemas-microsoft-com:office:powerpoint" xmlns:com="http://schemas.openxmlformats.org/drawingml/2006/compatibility" xmlns:p14="http://schemas.microsoft.com/office/powerpoint/2010/main" xmlns:p15="http://schemas.microsoft.com/office/powerpoint/2012/main" xmlns:ahyp="http://schemas.microsoft.com/office/drawing/2018/hyperlinkcolor" showMasterPhAnim="0" showMasterSp="0">
   <p:cSld>
     <p:spTree>
       <p:nvGrpSpPr>
@@ -1629,7 +1629,7 @@
 </file>
 
 <file path=ppt/notesSlides/notesSlide3.xml><?xml version="1.0" encoding="utf-8"?>
-<p:notes xmlns:a="http://schemas.openxmlformats.org/drawingml/2006/main" xmlns:r="http://schemas.openxmlformats.org/officeDocument/2006/relationships" xmlns:mc="http://schemas.openxmlformats.org/markup-compatibility/2006" xmlns:mv="urn:schemas-microsoft-com:mac:vml" xmlns:p="http://schemas.openxmlformats.org/presentationml/2006/main" xmlns:c="http://schemas.openxmlformats.org/drawingml/2006/chart" xmlns:dgm="http://schemas.openxmlformats.org/drawingml/2006/diagram" xmlns:o="urn:schemas-microsoft-com:office:office" xmlns:v="urn:schemas-microsoft-com:vml" xmlns:pvml="urn:schemas-microsoft-com:office:powerpoint" xmlns:com="http://schemas.openxmlformats.org/drawingml/2006/compatibility" xmlns:p14="http://schemas.microsoft.com/office/powerpoint/2010/main" xmlns:p15="http://schemas.microsoft.com/office/powerpoint/2012/main" showMasterPhAnim="0" showMasterSp="0">
+<p:notes xmlns:a="http://schemas.openxmlformats.org/drawingml/2006/main" xmlns:r="http://schemas.openxmlformats.org/officeDocument/2006/relationships" xmlns:mc="http://schemas.openxmlformats.org/markup-compatibility/2006" xmlns:mv="urn:schemas-microsoft-com:mac:vml" xmlns:p="http://schemas.openxmlformats.org/presentationml/2006/main" xmlns:c="http://schemas.openxmlformats.org/drawingml/2006/chart" xmlns:dgm="http://schemas.openxmlformats.org/drawingml/2006/diagram" xmlns:o="urn:schemas-microsoft-com:office:office" xmlns:v="urn:schemas-microsoft-com:vml" xmlns:pvml="urn:schemas-microsoft-com:office:powerpoint" xmlns:com="http://schemas.openxmlformats.org/drawingml/2006/compatibility" xmlns:p14="http://schemas.microsoft.com/office/powerpoint/2010/main" xmlns:p15="http://schemas.microsoft.com/office/powerpoint/2012/main" xmlns:ahyp="http://schemas.microsoft.com/office/drawing/2018/hyperlinkcolor" showMasterPhAnim="0" showMasterSp="0">
   <p:cSld>
     <p:spTree>
       <p:nvGrpSpPr>
@@ -1728,7 +1728,7 @@
 </file>
 
 <file path=ppt/notesSlides/notesSlide4.xml><?xml version="1.0" encoding="utf-8"?>
-<p:notes xmlns:a="http://schemas.openxmlformats.org/drawingml/2006/main" xmlns:r="http://schemas.openxmlformats.org/officeDocument/2006/relationships" xmlns:mc="http://schemas.openxmlformats.org/markup-compatibility/2006" xmlns:mv="urn:schemas-microsoft-com:mac:vml" xmlns:p="http://schemas.openxmlformats.org/presentationml/2006/main" xmlns:c="http://schemas.openxmlformats.org/drawingml/2006/chart" xmlns:dgm="http://schemas.openxmlformats.org/drawingml/2006/diagram" xmlns:o="urn:schemas-microsoft-com:office:office" xmlns:v="urn:schemas-microsoft-com:vml" xmlns:pvml="urn:schemas-microsoft-com:office:powerpoint" xmlns:com="http://schemas.openxmlformats.org/drawingml/2006/compatibility" xmlns:p14="http://schemas.microsoft.com/office/powerpoint/2010/main" xmlns:p15="http://schemas.microsoft.com/office/powerpoint/2012/main" showMasterPhAnim="0" showMasterSp="0">
+<p:notes xmlns:a="http://schemas.openxmlformats.org/drawingml/2006/main" xmlns:r="http://schemas.openxmlformats.org/officeDocument/2006/relationships" xmlns:mc="http://schemas.openxmlformats.org/markup-compatibility/2006" xmlns:mv="urn:schemas-microsoft-com:mac:vml" xmlns:p="http://schemas.openxmlformats.org/presentationml/2006/main" xmlns:c="http://schemas.openxmlformats.org/drawingml/2006/chart" xmlns:dgm="http://schemas.openxmlformats.org/drawingml/2006/diagram" xmlns:o="urn:schemas-microsoft-com:office:office" xmlns:v="urn:schemas-microsoft-com:vml" xmlns:pvml="urn:schemas-microsoft-com:office:powerpoint" xmlns:com="http://schemas.openxmlformats.org/drawingml/2006/compatibility" xmlns:p14="http://schemas.microsoft.com/office/powerpoint/2010/main" xmlns:p15="http://schemas.microsoft.com/office/powerpoint/2012/main" xmlns:ahyp="http://schemas.microsoft.com/office/drawing/2018/hyperlinkcolor" showMasterPhAnim="0" showMasterSp="0">
   <p:cSld>
     <p:spTree>
       <p:nvGrpSpPr>
@@ -1827,7 +1827,7 @@
 </file>
 
 <file path=ppt/notesSlides/notesSlide5.xml><?xml version="1.0" encoding="utf-8"?>
-<p:notes xmlns:a="http://schemas.openxmlformats.org/drawingml/2006/main" xmlns:r="http://schemas.openxmlformats.org/officeDocument/2006/relationships" xmlns:mc="http://schemas.openxmlformats.org/markup-compatibility/2006" xmlns:mv="urn:schemas-microsoft-com:mac:vml" xmlns:p="http://schemas.openxmlformats.org/presentationml/2006/main" xmlns:c="http://schemas.openxmlformats.org/drawingml/2006/chart" xmlns:dgm="http://schemas.openxmlformats.org/drawingml/2006/diagram" xmlns:o="urn:schemas-microsoft-com:office:office" xmlns:v="urn:schemas-microsoft-com:vml" xmlns:pvml="urn:schemas-microsoft-com:office:powerpoint" xmlns:com="http://schemas.openxmlformats.org/drawingml/2006/compatibility" xmlns:p14="http://schemas.microsoft.com/office/powerpoint/2010/main" xmlns:p15="http://schemas.microsoft.com/office/powerpoint/2012/main" showMasterPhAnim="0" showMasterSp="0">
+<p:notes xmlns:a="http://schemas.openxmlformats.org/drawingml/2006/main" xmlns:r="http://schemas.openxmlformats.org/officeDocument/2006/relationships" xmlns:mc="http://schemas.openxmlformats.org/markup-compatibility/2006" xmlns:mv="urn:schemas-microsoft-com:mac:vml" xmlns:p="http://schemas.openxmlformats.org/presentationml/2006/main" xmlns:c="http://schemas.openxmlformats.org/drawingml/2006/chart" xmlns:dgm="http://schemas.openxmlformats.org/drawingml/2006/diagram" xmlns:o="urn:schemas-microsoft-com:office:office" xmlns:v="urn:schemas-microsoft-com:vml" xmlns:pvml="urn:schemas-microsoft-com:office:powerpoint" xmlns:com="http://schemas.openxmlformats.org/drawingml/2006/compatibility" xmlns:p14="http://schemas.microsoft.com/office/powerpoint/2010/main" xmlns:p15="http://schemas.microsoft.com/office/powerpoint/2012/main" xmlns:ahyp="http://schemas.microsoft.com/office/drawing/2018/hyperlinkcolor" showMasterPhAnim="0" showMasterSp="0">
   <p:cSld>
     <p:spTree>
       <p:nvGrpSpPr>
@@ -1926,7 +1926,7 @@
 </file>
 
 <file path=ppt/notesSlides/notesSlide6.xml><?xml version="1.0" encoding="utf-8"?>
-<p:notes xmlns:a="http://schemas.openxmlformats.org/drawingml/2006/main" xmlns:r="http://schemas.openxmlformats.org/officeDocument/2006/relationships" xmlns:mc="http://schemas.openxmlformats.org/markup-compatibility/2006" xmlns:mv="urn:schemas-microsoft-com:mac:vml" xmlns:p="http://schemas.openxmlformats.org/presentationml/2006/main" xmlns:c="http://schemas.openxmlformats.org/drawingml/2006/chart" xmlns:dgm="http://schemas.openxmlformats.org/drawingml/2006/diagram" xmlns:o="urn:schemas-microsoft-com:office:office" xmlns:v="urn:schemas-microsoft-com:vml" xmlns:pvml="urn:schemas-microsoft-com:office:powerpoint" xmlns:com="http://schemas.openxmlformats.org/drawingml/2006/compatibility" xmlns:p14="http://schemas.microsoft.com/office/powerpoint/2010/main" xmlns:p15="http://schemas.microsoft.com/office/powerpoint/2012/main" showMasterPhAnim="0" showMasterSp="0">
+<p:notes xmlns:a="http://schemas.openxmlformats.org/drawingml/2006/main" xmlns:r="http://schemas.openxmlformats.org/officeDocument/2006/relationships" xmlns:mc="http://schemas.openxmlformats.org/markup-compatibility/2006" xmlns:mv="urn:schemas-microsoft-com:mac:vml" xmlns:p="http://schemas.openxmlformats.org/presentationml/2006/main" xmlns:c="http://schemas.openxmlformats.org/drawingml/2006/chart" xmlns:dgm="http://schemas.openxmlformats.org/drawingml/2006/diagram" xmlns:o="urn:schemas-microsoft-com:office:office" xmlns:v="urn:schemas-microsoft-com:vml" xmlns:pvml="urn:schemas-microsoft-com:office:powerpoint" xmlns:com="http://schemas.openxmlformats.org/drawingml/2006/compatibility" xmlns:p14="http://schemas.microsoft.com/office/powerpoint/2010/main" xmlns:p15="http://schemas.microsoft.com/office/powerpoint/2012/main" xmlns:ahyp="http://schemas.microsoft.com/office/drawing/2018/hyperlinkcolor" showMasterPhAnim="0" showMasterSp="0">
   <p:cSld>
     <p:spTree>
       <p:nvGrpSpPr>
@@ -2025,11 +2025,11 @@
 </file>
 
 <file path=ppt/notesSlides/notesSlide7.xml><?xml version="1.0" encoding="utf-8"?>
-<p:notes xmlns:a="http://schemas.openxmlformats.org/drawingml/2006/main" xmlns:r="http://schemas.openxmlformats.org/officeDocument/2006/relationships" xmlns:mc="http://schemas.openxmlformats.org/markup-compatibility/2006" xmlns:mv="urn:schemas-microsoft-com:mac:vml" xmlns:p="http://schemas.openxmlformats.org/presentationml/2006/main" xmlns:c="http://schemas.openxmlformats.org/drawingml/2006/chart" xmlns:dgm="http://schemas.openxmlformats.org/drawingml/2006/diagram" xmlns:o="urn:schemas-microsoft-com:office:office" xmlns:v="urn:schemas-microsoft-com:vml" xmlns:pvml="urn:schemas-microsoft-com:office:powerpoint" xmlns:com="http://schemas.openxmlformats.org/drawingml/2006/compatibility" xmlns:p14="http://schemas.microsoft.com/office/powerpoint/2010/main" xmlns:p15="http://schemas.microsoft.com/office/powerpoint/2012/main" showMasterPhAnim="0" showMasterSp="0">
+<p:notes xmlns:a="http://schemas.openxmlformats.org/drawingml/2006/main" xmlns:r="http://schemas.openxmlformats.org/officeDocument/2006/relationships" xmlns:mc="http://schemas.openxmlformats.org/markup-compatibility/2006" xmlns:mv="urn:schemas-microsoft-com:mac:vml" xmlns:p="http://schemas.openxmlformats.org/presentationml/2006/main" xmlns:c="http://schemas.openxmlformats.org/drawingml/2006/chart" xmlns:dgm="http://schemas.openxmlformats.org/drawingml/2006/diagram" xmlns:o="urn:schemas-microsoft-com:office:office" xmlns:v="urn:schemas-microsoft-com:vml" xmlns:pvml="urn:schemas-microsoft-com:office:powerpoint" xmlns:com="http://schemas.openxmlformats.org/drawingml/2006/compatibility" xmlns:p14="http://schemas.microsoft.com/office/powerpoint/2010/main" xmlns:p15="http://schemas.microsoft.com/office/powerpoint/2012/main" xmlns:ahyp="http://schemas.microsoft.com/office/drawing/2018/hyperlinkcolor" showMasterPhAnim="0" showMasterSp="0">
   <p:cSld>
     <p:spTree>
       <p:nvGrpSpPr>
-        <p:cNvPr id="159" name="Shape 159"/>
+        <p:cNvPr id="160" name="Shape 160"/>
         <p:cNvGrpSpPr/>
         <p:nvPr/>
       </p:nvGrpSpPr>
@@ -2043,7 +2043,7 @@
       </p:grpSpPr>
       <p:sp>
         <p:nvSpPr>
-          <p:cNvPr id="160" name="Google Shape;160;g8cec7bd702_15_0:notes"/>
+          <p:cNvPr id="161" name="Google Shape;161;g8cf725b04f_1_8:notes"/>
           <p:cNvSpPr txBox="1"/>
           <p:nvPr>
             <p:ph idx="1" type="body"/>
@@ -2082,7 +2082,7 @@
       </p:sp>
       <p:sp>
         <p:nvSpPr>
-          <p:cNvPr id="161" name="Google Shape;161;g8cec7bd702_15_0:notes"/>
+          <p:cNvPr id="162" name="Google Shape;162;g8cf725b04f_1_8:notes"/>
           <p:cNvSpPr/>
           <p:nvPr>
             <p:ph idx="2" type="sldImg"/>
@@ -2124,11 +2124,11 @@
 </file>
 
 <file path=ppt/notesSlides/notesSlide8.xml><?xml version="1.0" encoding="utf-8"?>
-<p:notes xmlns:a="http://schemas.openxmlformats.org/drawingml/2006/main" xmlns:r="http://schemas.openxmlformats.org/officeDocument/2006/relationships" xmlns:mc="http://schemas.openxmlformats.org/markup-compatibility/2006" xmlns:mv="urn:schemas-microsoft-com:mac:vml" xmlns:p="http://schemas.openxmlformats.org/presentationml/2006/main" xmlns:c="http://schemas.openxmlformats.org/drawingml/2006/chart" xmlns:dgm="http://schemas.openxmlformats.org/drawingml/2006/diagram" xmlns:o="urn:schemas-microsoft-com:office:office" xmlns:v="urn:schemas-microsoft-com:vml" xmlns:pvml="urn:schemas-microsoft-com:office:powerpoint" xmlns:com="http://schemas.openxmlformats.org/drawingml/2006/compatibility" xmlns:p14="http://schemas.microsoft.com/office/powerpoint/2010/main" xmlns:p15="http://schemas.microsoft.com/office/powerpoint/2012/main" showMasterPhAnim="0" showMasterSp="0">
+<p:notes xmlns:a="http://schemas.openxmlformats.org/drawingml/2006/main" xmlns:r="http://schemas.openxmlformats.org/officeDocument/2006/relationships" xmlns:mc="http://schemas.openxmlformats.org/markup-compatibility/2006" xmlns:mv="urn:schemas-microsoft-com:mac:vml" xmlns:p="http://schemas.openxmlformats.org/presentationml/2006/main" xmlns:c="http://schemas.openxmlformats.org/drawingml/2006/chart" xmlns:dgm="http://schemas.openxmlformats.org/drawingml/2006/diagram" xmlns:o="urn:schemas-microsoft-com:office:office" xmlns:v="urn:schemas-microsoft-com:vml" xmlns:pvml="urn:schemas-microsoft-com:office:powerpoint" xmlns:com="http://schemas.openxmlformats.org/drawingml/2006/compatibility" xmlns:p14="http://schemas.microsoft.com/office/powerpoint/2010/main" xmlns:p15="http://schemas.microsoft.com/office/powerpoint/2012/main" xmlns:ahyp="http://schemas.microsoft.com/office/drawing/2018/hyperlinkcolor" showMasterPhAnim="0" showMasterSp="0">
   <p:cSld>
     <p:spTree>
       <p:nvGrpSpPr>
-        <p:cNvPr id="165" name="Shape 165"/>
+        <p:cNvPr id="169" name="Shape 169"/>
         <p:cNvGrpSpPr/>
         <p:nvPr/>
       </p:nvGrpSpPr>
@@ -2142,7 +2142,7 @@
       </p:grpSpPr>
       <p:sp>
         <p:nvSpPr>
-          <p:cNvPr id="166" name="Google Shape;166;g8cec7bd702_15_37:notes"/>
+          <p:cNvPr id="170" name="Google Shape;170;g8cec7bd702_15_37:notes"/>
           <p:cNvSpPr txBox="1"/>
           <p:nvPr>
             <p:ph idx="1" type="body"/>
@@ -2181,7 +2181,7 @@
       </p:sp>
       <p:sp>
         <p:nvSpPr>
-          <p:cNvPr id="167" name="Google Shape;167;g8cec7bd702_15_37:notes"/>
+          <p:cNvPr id="171" name="Google Shape;171;g8cec7bd702_15_37:notes"/>
           <p:cNvSpPr/>
           <p:nvPr>
             <p:ph idx="2" type="sldImg"/>
@@ -2223,11 +2223,11 @@
 </file>
 
 <file path=ppt/notesSlides/notesSlide9.xml><?xml version="1.0" encoding="utf-8"?>
-<p:notes xmlns:a="http://schemas.openxmlformats.org/drawingml/2006/main" xmlns:r="http://schemas.openxmlformats.org/officeDocument/2006/relationships" xmlns:mc="http://schemas.openxmlformats.org/markup-compatibility/2006" xmlns:mv="urn:schemas-microsoft-com:mac:vml" xmlns:p="http://schemas.openxmlformats.org/presentationml/2006/main" xmlns:c="http://schemas.openxmlformats.org/drawingml/2006/chart" xmlns:dgm="http://schemas.openxmlformats.org/drawingml/2006/diagram" xmlns:o="urn:schemas-microsoft-com:office:office" xmlns:v="urn:schemas-microsoft-com:vml" xmlns:pvml="urn:schemas-microsoft-com:office:powerpoint" xmlns:com="http://schemas.openxmlformats.org/drawingml/2006/compatibility" xmlns:p14="http://schemas.microsoft.com/office/powerpoint/2010/main" xmlns:p15="http://schemas.microsoft.com/office/powerpoint/2012/main" showMasterPhAnim="0" showMasterSp="0">
+<p:notes xmlns:a="http://schemas.openxmlformats.org/drawingml/2006/main" xmlns:r="http://schemas.openxmlformats.org/officeDocument/2006/relationships" xmlns:mc="http://schemas.openxmlformats.org/markup-compatibility/2006" xmlns:mv="urn:schemas-microsoft-com:mac:vml" xmlns:p="http://schemas.openxmlformats.org/presentationml/2006/main" xmlns:c="http://schemas.openxmlformats.org/drawingml/2006/chart" xmlns:dgm="http://schemas.openxmlformats.org/drawingml/2006/diagram" xmlns:o="urn:schemas-microsoft-com:office:office" xmlns:v="urn:schemas-microsoft-com:vml" xmlns:pvml="urn:schemas-microsoft-com:office:powerpoint" xmlns:com="http://schemas.openxmlformats.org/drawingml/2006/compatibility" xmlns:p14="http://schemas.microsoft.com/office/powerpoint/2010/main" xmlns:p15="http://schemas.microsoft.com/office/powerpoint/2012/main" xmlns:ahyp="http://schemas.microsoft.com/office/drawing/2018/hyperlinkcolor" showMasterPhAnim="0" showMasterSp="0">
   <p:cSld>
     <p:spTree>
       <p:nvGrpSpPr>
-        <p:cNvPr id="187" name="Shape 187"/>
+        <p:cNvPr id="191" name="Shape 191"/>
         <p:cNvGrpSpPr/>
         <p:nvPr/>
       </p:nvGrpSpPr>
@@ -2241,7 +2241,7 @@
       </p:grpSpPr>
       <p:sp>
         <p:nvSpPr>
-          <p:cNvPr id="188" name="Google Shape;188;g8cec7bd702_4_214:notes"/>
+          <p:cNvPr id="192" name="Google Shape;192;g8cec7bd702_4_214:notes"/>
           <p:cNvSpPr txBox="1"/>
           <p:nvPr>
             <p:ph idx="1" type="body"/>
@@ -2280,7 +2280,7 @@
       </p:sp>
       <p:sp>
         <p:nvSpPr>
-          <p:cNvPr id="189" name="Google Shape;189;g8cec7bd702_4_214:notes"/>
+          <p:cNvPr id="193" name="Google Shape;193;g8cec7bd702_4_214:notes"/>
           <p:cNvSpPr/>
           <p:nvPr>
             <p:ph idx="2" type="sldImg"/>
@@ -2322,7 +2322,7 @@
 </file>
 
 <file path=ppt/slideLayouts/slideLayout1.xml><?xml version="1.0" encoding="utf-8"?>
-<p:sldLayout xmlns:a="http://schemas.openxmlformats.org/drawingml/2006/main" xmlns:r="http://schemas.openxmlformats.org/officeDocument/2006/relationships" xmlns:mc="http://schemas.openxmlformats.org/markup-compatibility/2006" xmlns:mv="urn:schemas-microsoft-com:mac:vml" xmlns:p="http://schemas.openxmlformats.org/presentationml/2006/main" xmlns:c="http://schemas.openxmlformats.org/drawingml/2006/chart" xmlns:dgm="http://schemas.openxmlformats.org/drawingml/2006/diagram" xmlns:o="urn:schemas-microsoft-com:office:office" xmlns:v="urn:schemas-microsoft-com:vml" xmlns:pvml="urn:schemas-microsoft-com:office:powerpoint" xmlns:com="http://schemas.openxmlformats.org/drawingml/2006/compatibility" xmlns:p14="http://schemas.microsoft.com/office/powerpoint/2010/main" xmlns:p15="http://schemas.microsoft.com/office/powerpoint/2012/main" matchingName="Blank" type="blank">
+<p:sldLayout xmlns:a="http://schemas.openxmlformats.org/drawingml/2006/main" xmlns:r="http://schemas.openxmlformats.org/officeDocument/2006/relationships" xmlns:mc="http://schemas.openxmlformats.org/markup-compatibility/2006" xmlns:mv="urn:schemas-microsoft-com:mac:vml" xmlns:p="http://schemas.openxmlformats.org/presentationml/2006/main" xmlns:c="http://schemas.openxmlformats.org/drawingml/2006/chart" xmlns:dgm="http://schemas.openxmlformats.org/drawingml/2006/diagram" xmlns:o="urn:schemas-microsoft-com:office:office" xmlns:v="urn:schemas-microsoft-com:vml" xmlns:pvml="urn:schemas-microsoft-com:office:powerpoint" xmlns:com="http://schemas.openxmlformats.org/drawingml/2006/compatibility" xmlns:p14="http://schemas.microsoft.com/office/powerpoint/2010/main" xmlns:p15="http://schemas.microsoft.com/office/powerpoint/2012/main" xmlns:ahyp="http://schemas.microsoft.com/office/drawing/2018/hyperlinkcolor" matchingName="Blank" type="blank">
   <p:cSld name="BLANK">
     <p:spTree>
       <p:nvGrpSpPr>
@@ -2713,7 +2713,7 @@
 </file>
 
 <file path=ppt/slideLayouts/slideLayout10.xml><?xml version="1.0" encoding="utf-8"?>
-<p:sldLayout xmlns:a="http://schemas.openxmlformats.org/drawingml/2006/main" xmlns:r="http://schemas.openxmlformats.org/officeDocument/2006/relationships" xmlns:mc="http://schemas.openxmlformats.org/markup-compatibility/2006" xmlns:mv="urn:schemas-microsoft-com:mac:vml" xmlns:p="http://schemas.openxmlformats.org/presentationml/2006/main" xmlns:c="http://schemas.openxmlformats.org/drawingml/2006/chart" xmlns:dgm="http://schemas.openxmlformats.org/drawingml/2006/diagram" xmlns:o="urn:schemas-microsoft-com:office:office" xmlns:v="urn:schemas-microsoft-com:vml" xmlns:pvml="urn:schemas-microsoft-com:office:powerpoint" xmlns:com="http://schemas.openxmlformats.org/drawingml/2006/compatibility" xmlns:p14="http://schemas.microsoft.com/office/powerpoint/2010/main" xmlns:p15="http://schemas.microsoft.com/office/powerpoint/2012/main" matchingName="Title and Vertical Text" type="vertTx">
+<p:sldLayout xmlns:a="http://schemas.openxmlformats.org/drawingml/2006/main" xmlns:r="http://schemas.openxmlformats.org/officeDocument/2006/relationships" xmlns:mc="http://schemas.openxmlformats.org/markup-compatibility/2006" xmlns:mv="urn:schemas-microsoft-com:mac:vml" xmlns:p="http://schemas.openxmlformats.org/presentationml/2006/main" xmlns:c="http://schemas.openxmlformats.org/drawingml/2006/chart" xmlns:dgm="http://schemas.openxmlformats.org/drawingml/2006/diagram" xmlns:o="urn:schemas-microsoft-com:office:office" xmlns:v="urn:schemas-microsoft-com:vml" xmlns:pvml="urn:schemas-microsoft-com:office:powerpoint" xmlns:com="http://schemas.openxmlformats.org/drawingml/2006/compatibility" xmlns:p14="http://schemas.microsoft.com/office/powerpoint/2010/main" xmlns:p15="http://schemas.microsoft.com/office/powerpoint/2012/main" xmlns:ahyp="http://schemas.microsoft.com/office/drawing/2018/hyperlinkcolor" matchingName="Title and Vertical Text" type="vertTx">
   <p:cSld name="VERTICAL_TEXT">
     <p:spTree>
       <p:nvGrpSpPr>
@@ -3392,7 +3392,7 @@
 </file>
 
 <file path=ppt/slideLayouts/slideLayout11.xml><?xml version="1.0" encoding="utf-8"?>
-<p:sldLayout xmlns:a="http://schemas.openxmlformats.org/drawingml/2006/main" xmlns:r="http://schemas.openxmlformats.org/officeDocument/2006/relationships" xmlns:mc="http://schemas.openxmlformats.org/markup-compatibility/2006" xmlns:mv="urn:schemas-microsoft-com:mac:vml" xmlns:p="http://schemas.openxmlformats.org/presentationml/2006/main" xmlns:c="http://schemas.openxmlformats.org/drawingml/2006/chart" xmlns:dgm="http://schemas.openxmlformats.org/drawingml/2006/diagram" xmlns:o="urn:schemas-microsoft-com:office:office" xmlns:v="urn:schemas-microsoft-com:vml" xmlns:pvml="urn:schemas-microsoft-com:office:powerpoint" xmlns:com="http://schemas.openxmlformats.org/drawingml/2006/compatibility" xmlns:p14="http://schemas.microsoft.com/office/powerpoint/2010/main" xmlns:p15="http://schemas.microsoft.com/office/powerpoint/2012/main" matchingName="Vertical Title and Text" type="vertTitleAndTx">
+<p:sldLayout xmlns:a="http://schemas.openxmlformats.org/drawingml/2006/main" xmlns:r="http://schemas.openxmlformats.org/officeDocument/2006/relationships" xmlns:mc="http://schemas.openxmlformats.org/markup-compatibility/2006" xmlns:mv="urn:schemas-microsoft-com:mac:vml" xmlns:p="http://schemas.openxmlformats.org/presentationml/2006/main" xmlns:c="http://schemas.openxmlformats.org/drawingml/2006/chart" xmlns:dgm="http://schemas.openxmlformats.org/drawingml/2006/diagram" xmlns:o="urn:schemas-microsoft-com:office:office" xmlns:v="urn:schemas-microsoft-com:vml" xmlns:pvml="urn:schemas-microsoft-com:office:powerpoint" xmlns:com="http://schemas.openxmlformats.org/drawingml/2006/compatibility" xmlns:p14="http://schemas.microsoft.com/office/powerpoint/2010/main" xmlns:p15="http://schemas.microsoft.com/office/powerpoint/2012/main" xmlns:ahyp="http://schemas.microsoft.com/office/drawing/2018/hyperlinkcolor" matchingName="Vertical Title and Text" type="vertTitleAndTx">
   <p:cSld name="VERTICAL_TITLE_AND_VERTICAL_TEXT">
     <p:spTree>
       <p:nvGrpSpPr>
@@ -4071,7 +4071,7 @@
 </file>
 
 <file path=ppt/slideLayouts/slideLayout2.xml><?xml version="1.0" encoding="utf-8"?>
-<p:sldLayout xmlns:a="http://schemas.openxmlformats.org/drawingml/2006/main" xmlns:r="http://schemas.openxmlformats.org/officeDocument/2006/relationships" xmlns:mc="http://schemas.openxmlformats.org/markup-compatibility/2006" xmlns:mv="urn:schemas-microsoft-com:mac:vml" xmlns:p="http://schemas.openxmlformats.org/presentationml/2006/main" xmlns:c="http://schemas.openxmlformats.org/drawingml/2006/chart" xmlns:dgm="http://schemas.openxmlformats.org/drawingml/2006/diagram" xmlns:o="urn:schemas-microsoft-com:office:office" xmlns:v="urn:schemas-microsoft-com:vml" xmlns:pvml="urn:schemas-microsoft-com:office:powerpoint" xmlns:com="http://schemas.openxmlformats.org/drawingml/2006/compatibility" xmlns:p14="http://schemas.microsoft.com/office/powerpoint/2010/main" xmlns:p15="http://schemas.microsoft.com/office/powerpoint/2012/main" matchingName="Title Slide" type="title">
+<p:sldLayout xmlns:a="http://schemas.openxmlformats.org/drawingml/2006/main" xmlns:r="http://schemas.openxmlformats.org/officeDocument/2006/relationships" xmlns:mc="http://schemas.openxmlformats.org/markup-compatibility/2006" xmlns:mv="urn:schemas-microsoft-com:mac:vml" xmlns:p="http://schemas.openxmlformats.org/presentationml/2006/main" xmlns:c="http://schemas.openxmlformats.org/drawingml/2006/chart" xmlns:dgm="http://schemas.openxmlformats.org/drawingml/2006/diagram" xmlns:o="urn:schemas-microsoft-com:office:office" xmlns:v="urn:schemas-microsoft-com:vml" xmlns:pvml="urn:schemas-microsoft-com:office:powerpoint" xmlns:com="http://schemas.openxmlformats.org/drawingml/2006/compatibility" xmlns:p14="http://schemas.microsoft.com/office/powerpoint/2010/main" xmlns:p15="http://schemas.microsoft.com/office/powerpoint/2012/main" xmlns:ahyp="http://schemas.microsoft.com/office/drawing/2018/hyperlinkcolor" matchingName="Title Slide" type="title">
   <p:cSld name="TITLE">
     <p:spTree>
       <p:nvGrpSpPr>
@@ -4786,7 +4786,7 @@
 </file>
 
 <file path=ppt/slideLayouts/slideLayout3.xml><?xml version="1.0" encoding="utf-8"?>
-<p:sldLayout xmlns:a="http://schemas.openxmlformats.org/drawingml/2006/main" xmlns:r="http://schemas.openxmlformats.org/officeDocument/2006/relationships" xmlns:mc="http://schemas.openxmlformats.org/markup-compatibility/2006" xmlns:mv="urn:schemas-microsoft-com:mac:vml" xmlns:p="http://schemas.openxmlformats.org/presentationml/2006/main" xmlns:c="http://schemas.openxmlformats.org/drawingml/2006/chart" xmlns:dgm="http://schemas.openxmlformats.org/drawingml/2006/diagram" xmlns:o="urn:schemas-microsoft-com:office:office" xmlns:v="urn:schemas-microsoft-com:vml" xmlns:pvml="urn:schemas-microsoft-com:office:powerpoint" xmlns:com="http://schemas.openxmlformats.org/drawingml/2006/compatibility" xmlns:p14="http://schemas.microsoft.com/office/powerpoint/2010/main" xmlns:p15="http://schemas.microsoft.com/office/powerpoint/2012/main" matchingName="Title and Content" type="obj">
+<p:sldLayout xmlns:a="http://schemas.openxmlformats.org/drawingml/2006/main" xmlns:r="http://schemas.openxmlformats.org/officeDocument/2006/relationships" xmlns:mc="http://schemas.openxmlformats.org/markup-compatibility/2006" xmlns:mv="urn:schemas-microsoft-com:mac:vml" xmlns:p="http://schemas.openxmlformats.org/presentationml/2006/main" xmlns:c="http://schemas.openxmlformats.org/drawingml/2006/chart" xmlns:dgm="http://schemas.openxmlformats.org/drawingml/2006/diagram" xmlns:o="urn:schemas-microsoft-com:office:office" xmlns:v="urn:schemas-microsoft-com:vml" xmlns:pvml="urn:schemas-microsoft-com:office:powerpoint" xmlns:com="http://schemas.openxmlformats.org/drawingml/2006/compatibility" xmlns:p14="http://schemas.microsoft.com/office/powerpoint/2010/main" xmlns:p15="http://schemas.microsoft.com/office/powerpoint/2012/main" xmlns:ahyp="http://schemas.microsoft.com/office/drawing/2018/hyperlinkcolor" matchingName="Title and Content" type="obj">
   <p:cSld name="OBJECT">
     <p:spTree>
       <p:nvGrpSpPr>
@@ -5465,7 +5465,7 @@
 </file>
 
 <file path=ppt/slideLayouts/slideLayout4.xml><?xml version="1.0" encoding="utf-8"?>
-<p:sldLayout xmlns:a="http://schemas.openxmlformats.org/drawingml/2006/main" xmlns:r="http://schemas.openxmlformats.org/officeDocument/2006/relationships" xmlns:mc="http://schemas.openxmlformats.org/markup-compatibility/2006" xmlns:mv="urn:schemas-microsoft-com:mac:vml" xmlns:p="http://schemas.openxmlformats.org/presentationml/2006/main" xmlns:c="http://schemas.openxmlformats.org/drawingml/2006/chart" xmlns:dgm="http://schemas.openxmlformats.org/drawingml/2006/diagram" xmlns:o="urn:schemas-microsoft-com:office:office" xmlns:v="urn:schemas-microsoft-com:vml" xmlns:pvml="urn:schemas-microsoft-com:office:powerpoint" xmlns:com="http://schemas.openxmlformats.org/drawingml/2006/compatibility" xmlns:p14="http://schemas.microsoft.com/office/powerpoint/2010/main" xmlns:p15="http://schemas.microsoft.com/office/powerpoint/2012/main" matchingName="Section Header" type="secHead">
+<p:sldLayout xmlns:a="http://schemas.openxmlformats.org/drawingml/2006/main" xmlns:r="http://schemas.openxmlformats.org/officeDocument/2006/relationships" xmlns:mc="http://schemas.openxmlformats.org/markup-compatibility/2006" xmlns:mv="urn:schemas-microsoft-com:mac:vml" xmlns:p="http://schemas.openxmlformats.org/presentationml/2006/main" xmlns:c="http://schemas.openxmlformats.org/drawingml/2006/chart" xmlns:dgm="http://schemas.openxmlformats.org/drawingml/2006/diagram" xmlns:o="urn:schemas-microsoft-com:office:office" xmlns:v="urn:schemas-microsoft-com:vml" xmlns:pvml="urn:schemas-microsoft-com:office:powerpoint" xmlns:com="http://schemas.openxmlformats.org/drawingml/2006/compatibility" xmlns:p14="http://schemas.microsoft.com/office/powerpoint/2010/main" xmlns:p15="http://schemas.microsoft.com/office/powerpoint/2012/main" xmlns:ahyp="http://schemas.microsoft.com/office/drawing/2018/hyperlinkcolor" matchingName="Section Header" type="secHead">
   <p:cSld name="SECTION_HEADER">
     <p:spTree>
       <p:nvGrpSpPr>
@@ -6181,7 +6181,7 @@
 </file>
 
 <file path=ppt/slideLayouts/slideLayout5.xml><?xml version="1.0" encoding="utf-8"?>
-<p:sldLayout xmlns:a="http://schemas.openxmlformats.org/drawingml/2006/main" xmlns:r="http://schemas.openxmlformats.org/officeDocument/2006/relationships" xmlns:mc="http://schemas.openxmlformats.org/markup-compatibility/2006" xmlns:mv="urn:schemas-microsoft-com:mac:vml" xmlns:p="http://schemas.openxmlformats.org/presentationml/2006/main" xmlns:c="http://schemas.openxmlformats.org/drawingml/2006/chart" xmlns:dgm="http://schemas.openxmlformats.org/drawingml/2006/diagram" xmlns:o="urn:schemas-microsoft-com:office:office" xmlns:v="urn:schemas-microsoft-com:vml" xmlns:pvml="urn:schemas-microsoft-com:office:powerpoint" xmlns:com="http://schemas.openxmlformats.org/drawingml/2006/compatibility" xmlns:p14="http://schemas.microsoft.com/office/powerpoint/2010/main" xmlns:p15="http://schemas.microsoft.com/office/powerpoint/2012/main" matchingName="Two Content" type="twoObj">
+<p:sldLayout xmlns:a="http://schemas.openxmlformats.org/drawingml/2006/main" xmlns:r="http://schemas.openxmlformats.org/officeDocument/2006/relationships" xmlns:mc="http://schemas.openxmlformats.org/markup-compatibility/2006" xmlns:mv="urn:schemas-microsoft-com:mac:vml" xmlns:p="http://schemas.openxmlformats.org/presentationml/2006/main" xmlns:c="http://schemas.openxmlformats.org/drawingml/2006/chart" xmlns:dgm="http://schemas.openxmlformats.org/drawingml/2006/diagram" xmlns:o="urn:schemas-microsoft-com:office:office" xmlns:v="urn:schemas-microsoft-com:vml" xmlns:pvml="urn:schemas-microsoft-com:office:powerpoint" xmlns:com="http://schemas.openxmlformats.org/drawingml/2006/compatibility" xmlns:p14="http://schemas.microsoft.com/office/powerpoint/2010/main" xmlns:p15="http://schemas.microsoft.com/office/powerpoint/2012/main" xmlns:ahyp="http://schemas.microsoft.com/office/drawing/2018/hyperlinkcolor" matchingName="Two Content" type="twoObj">
   <p:cSld name="TWO_OBJECTS">
     <p:spTree>
       <p:nvGrpSpPr>
@@ -7016,7 +7016,7 @@
 </file>
 
 <file path=ppt/slideLayouts/slideLayout6.xml><?xml version="1.0" encoding="utf-8"?>
-<p:sldLayout xmlns:a="http://schemas.openxmlformats.org/drawingml/2006/main" xmlns:r="http://schemas.openxmlformats.org/officeDocument/2006/relationships" xmlns:mc="http://schemas.openxmlformats.org/markup-compatibility/2006" xmlns:mv="urn:schemas-microsoft-com:mac:vml" xmlns:p="http://schemas.openxmlformats.org/presentationml/2006/main" xmlns:c="http://schemas.openxmlformats.org/drawingml/2006/chart" xmlns:dgm="http://schemas.openxmlformats.org/drawingml/2006/diagram" xmlns:o="urn:schemas-microsoft-com:office:office" xmlns:v="urn:schemas-microsoft-com:vml" xmlns:pvml="urn:schemas-microsoft-com:office:powerpoint" xmlns:com="http://schemas.openxmlformats.org/drawingml/2006/compatibility" xmlns:p14="http://schemas.microsoft.com/office/powerpoint/2010/main" xmlns:p15="http://schemas.microsoft.com/office/powerpoint/2012/main" matchingName="Comparison" type="twoTxTwoObj">
+<p:sldLayout xmlns:a="http://schemas.openxmlformats.org/drawingml/2006/main" xmlns:r="http://schemas.openxmlformats.org/officeDocument/2006/relationships" xmlns:mc="http://schemas.openxmlformats.org/markup-compatibility/2006" xmlns:mv="urn:schemas-microsoft-com:mac:vml" xmlns:p="http://schemas.openxmlformats.org/presentationml/2006/main" xmlns:c="http://schemas.openxmlformats.org/drawingml/2006/chart" xmlns:dgm="http://schemas.openxmlformats.org/drawingml/2006/diagram" xmlns:o="urn:schemas-microsoft-com:office:office" xmlns:v="urn:schemas-microsoft-com:vml" xmlns:pvml="urn:schemas-microsoft-com:office:powerpoint" xmlns:com="http://schemas.openxmlformats.org/drawingml/2006/compatibility" xmlns:p14="http://schemas.microsoft.com/office/powerpoint/2010/main" xmlns:p15="http://schemas.microsoft.com/office/powerpoint/2012/main" xmlns:ahyp="http://schemas.microsoft.com/office/drawing/2018/hyperlinkcolor" matchingName="Comparison" type="twoTxTwoObj">
   <p:cSld name="TWO_OBJECTS_WITH_TEXT">
     <p:spTree>
       <p:nvGrpSpPr>
@@ -8164,7 +8164,7 @@
 </file>
 
 <file path=ppt/slideLayouts/slideLayout7.xml><?xml version="1.0" encoding="utf-8"?>
-<p:sldLayout xmlns:a="http://schemas.openxmlformats.org/drawingml/2006/main" xmlns:r="http://schemas.openxmlformats.org/officeDocument/2006/relationships" xmlns:mc="http://schemas.openxmlformats.org/markup-compatibility/2006" xmlns:mv="urn:schemas-microsoft-com:mac:vml" xmlns:p="http://schemas.openxmlformats.org/presentationml/2006/main" xmlns:c="http://schemas.openxmlformats.org/drawingml/2006/chart" xmlns:dgm="http://schemas.openxmlformats.org/drawingml/2006/diagram" xmlns:o="urn:schemas-microsoft-com:office:office" xmlns:v="urn:schemas-microsoft-com:vml" xmlns:pvml="urn:schemas-microsoft-com:office:powerpoint" xmlns:com="http://schemas.openxmlformats.org/drawingml/2006/compatibility" xmlns:p14="http://schemas.microsoft.com/office/powerpoint/2010/main" xmlns:p15="http://schemas.microsoft.com/office/powerpoint/2012/main" matchingName="Title Only" type="titleOnly">
+<p:sldLayout xmlns:a="http://schemas.openxmlformats.org/drawingml/2006/main" xmlns:r="http://schemas.openxmlformats.org/officeDocument/2006/relationships" xmlns:mc="http://schemas.openxmlformats.org/markup-compatibility/2006" xmlns:mv="urn:schemas-microsoft-com:mac:vml" xmlns:p="http://schemas.openxmlformats.org/presentationml/2006/main" xmlns:c="http://schemas.openxmlformats.org/drawingml/2006/chart" xmlns:dgm="http://schemas.openxmlformats.org/drawingml/2006/diagram" xmlns:o="urn:schemas-microsoft-com:office:office" xmlns:v="urn:schemas-microsoft-com:vml" xmlns:pvml="urn:schemas-microsoft-com:office:powerpoint" xmlns:com="http://schemas.openxmlformats.org/drawingml/2006/compatibility" xmlns:p14="http://schemas.microsoft.com/office/powerpoint/2010/main" xmlns:p15="http://schemas.microsoft.com/office/powerpoint/2012/main" xmlns:ahyp="http://schemas.microsoft.com/office/drawing/2018/hyperlinkcolor" matchingName="Title Only" type="titleOnly">
   <p:cSld name="TITLE_ONLY">
     <p:spTree>
       <p:nvGrpSpPr>
@@ -8687,7 +8687,7 @@
 </file>
 
 <file path=ppt/slideLayouts/slideLayout8.xml><?xml version="1.0" encoding="utf-8"?>
-<p:sldLayout xmlns:a="http://schemas.openxmlformats.org/drawingml/2006/main" xmlns:r="http://schemas.openxmlformats.org/officeDocument/2006/relationships" xmlns:mc="http://schemas.openxmlformats.org/markup-compatibility/2006" xmlns:mv="urn:schemas-microsoft-com:mac:vml" xmlns:p="http://schemas.openxmlformats.org/presentationml/2006/main" xmlns:c="http://schemas.openxmlformats.org/drawingml/2006/chart" xmlns:dgm="http://schemas.openxmlformats.org/drawingml/2006/diagram" xmlns:o="urn:schemas-microsoft-com:office:office" xmlns:v="urn:schemas-microsoft-com:vml" xmlns:pvml="urn:schemas-microsoft-com:office:powerpoint" xmlns:com="http://schemas.openxmlformats.org/drawingml/2006/compatibility" xmlns:p14="http://schemas.microsoft.com/office/powerpoint/2010/main" xmlns:p15="http://schemas.microsoft.com/office/powerpoint/2012/main" matchingName="Content with Caption" type="objTx">
+<p:sldLayout xmlns:a="http://schemas.openxmlformats.org/drawingml/2006/main" xmlns:r="http://schemas.openxmlformats.org/officeDocument/2006/relationships" xmlns:mc="http://schemas.openxmlformats.org/markup-compatibility/2006" xmlns:mv="urn:schemas-microsoft-com:mac:vml" xmlns:p="http://schemas.openxmlformats.org/presentationml/2006/main" xmlns:c="http://schemas.openxmlformats.org/drawingml/2006/chart" xmlns:dgm="http://schemas.openxmlformats.org/drawingml/2006/diagram" xmlns:o="urn:schemas-microsoft-com:office:office" xmlns:v="urn:schemas-microsoft-com:vml" xmlns:pvml="urn:schemas-microsoft-com:office:powerpoint" xmlns:com="http://schemas.openxmlformats.org/drawingml/2006/compatibility" xmlns:p14="http://schemas.microsoft.com/office/powerpoint/2010/main" xmlns:p15="http://schemas.microsoft.com/office/powerpoint/2012/main" xmlns:ahyp="http://schemas.microsoft.com/office/drawing/2018/hyperlinkcolor" matchingName="Content with Caption" type="objTx">
   <p:cSld name="OBJECT_WITH_CAPTION_TEXT">
     <p:spTree>
       <p:nvGrpSpPr>
@@ -9523,7 +9523,7 @@
 </file>
 
 <file path=ppt/slideLayouts/slideLayout9.xml><?xml version="1.0" encoding="utf-8"?>
-<p:sldLayout xmlns:a="http://schemas.openxmlformats.org/drawingml/2006/main" xmlns:r="http://schemas.openxmlformats.org/officeDocument/2006/relationships" xmlns:mc="http://schemas.openxmlformats.org/markup-compatibility/2006" xmlns:mv="urn:schemas-microsoft-com:mac:vml" xmlns:p="http://schemas.openxmlformats.org/presentationml/2006/main" xmlns:c="http://schemas.openxmlformats.org/drawingml/2006/chart" xmlns:dgm="http://schemas.openxmlformats.org/drawingml/2006/diagram" xmlns:o="urn:schemas-microsoft-com:office:office" xmlns:v="urn:schemas-microsoft-com:vml" xmlns:pvml="urn:schemas-microsoft-com:office:powerpoint" xmlns:com="http://schemas.openxmlformats.org/drawingml/2006/compatibility" xmlns:p14="http://schemas.microsoft.com/office/powerpoint/2010/main" xmlns:p15="http://schemas.microsoft.com/office/powerpoint/2012/main" matchingName="Picture with Caption" type="picTx">
+<p:sldLayout xmlns:a="http://schemas.openxmlformats.org/drawingml/2006/main" xmlns:r="http://schemas.openxmlformats.org/officeDocument/2006/relationships" xmlns:mc="http://schemas.openxmlformats.org/markup-compatibility/2006" xmlns:mv="urn:schemas-microsoft-com:mac:vml" xmlns:p="http://schemas.openxmlformats.org/presentationml/2006/main" xmlns:c="http://schemas.openxmlformats.org/drawingml/2006/chart" xmlns:dgm="http://schemas.openxmlformats.org/drawingml/2006/diagram" xmlns:o="urn:schemas-microsoft-com:office:office" xmlns:v="urn:schemas-microsoft-com:vml" xmlns:pvml="urn:schemas-microsoft-com:office:powerpoint" xmlns:com="http://schemas.openxmlformats.org/drawingml/2006/compatibility" xmlns:p14="http://schemas.microsoft.com/office/powerpoint/2010/main" xmlns:p15="http://schemas.microsoft.com/office/powerpoint/2012/main" xmlns:ahyp="http://schemas.microsoft.com/office/drawing/2018/hyperlinkcolor" matchingName="Picture with Caption" type="picTx">
   <p:cSld name="PICTURE_WITH_CAPTION_TEXT">
     <p:spTree>
       <p:nvGrpSpPr>
@@ -10440,7 +10440,7 @@
 </file>
 
 <file path=ppt/slideMasters/slideMaster1.xml><?xml version="1.0" encoding="utf-8"?>
-<p:sldMaster xmlns:a="http://schemas.openxmlformats.org/drawingml/2006/main" xmlns:r="http://schemas.openxmlformats.org/officeDocument/2006/relationships" xmlns:mc="http://schemas.openxmlformats.org/markup-compatibility/2006" xmlns:mv="urn:schemas-microsoft-com:mac:vml" xmlns:p="http://schemas.openxmlformats.org/presentationml/2006/main" xmlns:c="http://schemas.openxmlformats.org/drawingml/2006/chart" xmlns:dgm="http://schemas.openxmlformats.org/drawingml/2006/diagram" xmlns:o="urn:schemas-microsoft-com:office:office" xmlns:v="urn:schemas-microsoft-com:vml" xmlns:pvml="urn:schemas-microsoft-com:office:powerpoint" xmlns:com="http://schemas.openxmlformats.org/drawingml/2006/compatibility" xmlns:p14="http://schemas.microsoft.com/office/powerpoint/2010/main" xmlns:p15="http://schemas.microsoft.com/office/powerpoint/2012/main">
+<p:sldMaster xmlns:a="http://schemas.openxmlformats.org/drawingml/2006/main" xmlns:r="http://schemas.openxmlformats.org/officeDocument/2006/relationships" xmlns:mc="http://schemas.openxmlformats.org/markup-compatibility/2006" xmlns:mv="urn:schemas-microsoft-com:mac:vml" xmlns:p="http://schemas.openxmlformats.org/presentationml/2006/main" xmlns:c="http://schemas.openxmlformats.org/drawingml/2006/chart" xmlns:dgm="http://schemas.openxmlformats.org/drawingml/2006/diagram" xmlns:o="urn:schemas-microsoft-com:office:office" xmlns:v="urn:schemas-microsoft-com:vml" xmlns:pvml="urn:schemas-microsoft-com:office:powerpoint" xmlns:com="http://schemas.openxmlformats.org/drawingml/2006/compatibility" xmlns:p14="http://schemas.microsoft.com/office/powerpoint/2010/main" xmlns:p15="http://schemas.microsoft.com/office/powerpoint/2012/main" xmlns:ahyp="http://schemas.microsoft.com/office/drawing/2018/hyperlinkcolor">
   <p:cSld>
     <p:bg>
       <p:bgPr>
@@ -12133,7 +12133,7 @@
 </file>
 
 <file path=ppt/slides/slide1.xml><?xml version="1.0" encoding="utf-8"?>
-<p:sld xmlns:a="http://schemas.openxmlformats.org/drawingml/2006/main" xmlns:r="http://schemas.openxmlformats.org/officeDocument/2006/relationships" xmlns:mc="http://schemas.openxmlformats.org/markup-compatibility/2006" xmlns:mv="urn:schemas-microsoft-com:mac:vml" xmlns:p="http://schemas.openxmlformats.org/presentationml/2006/main" xmlns:c="http://schemas.openxmlformats.org/drawingml/2006/chart" xmlns:dgm="http://schemas.openxmlformats.org/drawingml/2006/diagram" xmlns:o="urn:schemas-microsoft-com:office:office" xmlns:v="urn:schemas-microsoft-com:vml" xmlns:pvml="urn:schemas-microsoft-com:office:powerpoint" xmlns:com="http://schemas.openxmlformats.org/drawingml/2006/compatibility" xmlns:p14="http://schemas.microsoft.com/office/powerpoint/2010/main" xmlns:p15="http://schemas.microsoft.com/office/powerpoint/2012/main">
+<p:sld xmlns:a="http://schemas.openxmlformats.org/drawingml/2006/main" xmlns:r="http://schemas.openxmlformats.org/officeDocument/2006/relationships" xmlns:mc="http://schemas.openxmlformats.org/markup-compatibility/2006" xmlns:mv="urn:schemas-microsoft-com:mac:vml" xmlns:p="http://schemas.openxmlformats.org/presentationml/2006/main" xmlns:c="http://schemas.openxmlformats.org/drawingml/2006/chart" xmlns:dgm="http://schemas.openxmlformats.org/drawingml/2006/diagram" xmlns:o="urn:schemas-microsoft-com:office:office" xmlns:v="urn:schemas-microsoft-com:vml" xmlns:pvml="urn:schemas-microsoft-com:office:powerpoint" xmlns:com="http://schemas.openxmlformats.org/drawingml/2006/compatibility" xmlns:p14="http://schemas.microsoft.com/office/powerpoint/2010/main" xmlns:p15="http://schemas.microsoft.com/office/powerpoint/2012/main" xmlns:ahyp="http://schemas.microsoft.com/office/drawing/2018/hyperlinkcolor">
   <p:cSld>
     <p:bg>
       <p:bgPr>
@@ -12864,7 +12864,7 @@
 </file>
 
 <file path=ppt/slides/slide10.xml><?xml version="1.0" encoding="utf-8"?>
-<p:sld xmlns:a="http://schemas.openxmlformats.org/drawingml/2006/main" xmlns:r="http://schemas.openxmlformats.org/officeDocument/2006/relationships" xmlns:mc="http://schemas.openxmlformats.org/markup-compatibility/2006" xmlns:mv="urn:schemas-microsoft-com:mac:vml" xmlns:p="http://schemas.openxmlformats.org/presentationml/2006/main" xmlns:c="http://schemas.openxmlformats.org/drawingml/2006/chart" xmlns:dgm="http://schemas.openxmlformats.org/drawingml/2006/diagram" xmlns:o="urn:schemas-microsoft-com:office:office" xmlns:v="urn:schemas-microsoft-com:vml" xmlns:pvml="urn:schemas-microsoft-com:office:powerpoint" xmlns:com="http://schemas.openxmlformats.org/drawingml/2006/compatibility" xmlns:p14="http://schemas.microsoft.com/office/powerpoint/2010/main" xmlns:p15="http://schemas.microsoft.com/office/powerpoint/2012/main">
+<p:sld xmlns:a="http://schemas.openxmlformats.org/drawingml/2006/main" xmlns:r="http://schemas.openxmlformats.org/officeDocument/2006/relationships" xmlns:mc="http://schemas.openxmlformats.org/markup-compatibility/2006" xmlns:mv="urn:schemas-microsoft-com:mac:vml" xmlns:p="http://schemas.openxmlformats.org/presentationml/2006/main" xmlns:c="http://schemas.openxmlformats.org/drawingml/2006/chart" xmlns:dgm="http://schemas.openxmlformats.org/drawingml/2006/diagram" xmlns:o="urn:schemas-microsoft-com:office:office" xmlns:v="urn:schemas-microsoft-com:vml" xmlns:pvml="urn:schemas-microsoft-com:office:powerpoint" xmlns:com="http://schemas.openxmlformats.org/drawingml/2006/compatibility" xmlns:p14="http://schemas.microsoft.com/office/powerpoint/2010/main" xmlns:p15="http://schemas.microsoft.com/office/powerpoint/2012/main" xmlns:ahyp="http://schemas.microsoft.com/office/drawing/2018/hyperlinkcolor">
   <p:cSld>
     <p:bg>
       <p:bgPr>
@@ -12875,7 +12875,7 @@
     </p:bg>
     <p:spTree>
       <p:nvGrpSpPr>
-        <p:cNvPr id="219" name="Shape 219"/>
+        <p:cNvPr id="223" name="Shape 223"/>
         <p:cNvGrpSpPr/>
         <p:nvPr/>
       </p:nvGrpSpPr>
@@ -12889,7 +12889,7 @@
       </p:grpSpPr>
       <p:sp>
         <p:nvSpPr>
-          <p:cNvPr id="220" name="Google Shape;220;p22"/>
+          <p:cNvPr id="224" name="Google Shape;224;p22"/>
           <p:cNvSpPr/>
           <p:nvPr/>
         </p:nvSpPr>
@@ -12974,7 +12974,7 @@
       </p:sp>
       <p:pic>
         <p:nvPicPr>
-          <p:cNvPr id="221" name="Google Shape;221;p22"/>
+          <p:cNvPr id="225" name="Google Shape;225;p22"/>
           <p:cNvPicPr preferRelativeResize="0"/>
           <p:nvPr/>
         </p:nvPicPr>
@@ -13001,7 +13001,7 @@
       </p:pic>
       <p:sp>
         <p:nvSpPr>
-          <p:cNvPr id="222" name="Google Shape;222;p22"/>
+          <p:cNvPr id="226" name="Google Shape;226;p22"/>
           <p:cNvSpPr txBox="1"/>
           <p:nvPr/>
         </p:nvSpPr>
@@ -13050,7 +13050,7 @@
       </p:sp>
       <p:sp>
         <p:nvSpPr>
-          <p:cNvPr id="223" name="Google Shape;223;p22"/>
+          <p:cNvPr id="227" name="Google Shape;227;p22"/>
           <p:cNvSpPr txBox="1"/>
           <p:nvPr/>
         </p:nvSpPr>
@@ -13103,7 +13103,7 @@
       </p:sp>
       <p:sp>
         <p:nvSpPr>
-          <p:cNvPr id="224" name="Google Shape;224;p22"/>
+          <p:cNvPr id="228" name="Google Shape;228;p22"/>
           <p:cNvSpPr txBox="1"/>
           <p:nvPr/>
         </p:nvSpPr>
@@ -13156,7 +13156,7 @@
       </p:sp>
       <p:sp>
         <p:nvSpPr>
-          <p:cNvPr id="225" name="Google Shape;225;p22"/>
+          <p:cNvPr id="229" name="Google Shape;229;p22"/>
           <p:cNvSpPr txBox="1"/>
           <p:nvPr/>
         </p:nvSpPr>
@@ -13257,7 +13257,7 @@
       </p:sp>
       <p:sp>
         <p:nvSpPr>
-          <p:cNvPr id="226" name="Google Shape;226;p22"/>
+          <p:cNvPr id="230" name="Google Shape;230;p22"/>
           <p:cNvSpPr txBox="1"/>
           <p:nvPr/>
         </p:nvSpPr>
@@ -13334,7 +13334,7 @@
       </p:sp>
       <p:sp>
         <p:nvSpPr>
-          <p:cNvPr id="227" name="Google Shape;227;p22"/>
+          <p:cNvPr id="231" name="Google Shape;231;p22"/>
           <p:cNvSpPr txBox="1"/>
           <p:nvPr/>
         </p:nvSpPr>
@@ -13387,7 +13387,7 @@
       </p:sp>
       <p:sp>
         <p:nvSpPr>
-          <p:cNvPr id="228" name="Google Shape;228;p22"/>
+          <p:cNvPr id="232" name="Google Shape;232;p22"/>
           <p:cNvSpPr txBox="1"/>
           <p:nvPr/>
         </p:nvSpPr>
@@ -13464,7 +13464,7 @@
       </p:sp>
       <p:pic>
         <p:nvPicPr>
-          <p:cNvPr id="229" name="Google Shape;229;p22"/>
+          <p:cNvPr id="233" name="Google Shape;233;p22"/>
           <p:cNvPicPr preferRelativeResize="0"/>
           <p:nvPr/>
         </p:nvPicPr>
@@ -13492,7 +13492,7 @@
       </p:pic>
       <p:pic>
         <p:nvPicPr>
-          <p:cNvPr id="230" name="Google Shape;230;p22"/>
+          <p:cNvPr id="234" name="Google Shape;234;p22"/>
           <p:cNvPicPr preferRelativeResize="0"/>
           <p:nvPr/>
         </p:nvPicPr>
@@ -13520,7 +13520,7 @@
       </p:pic>
       <p:pic>
         <p:nvPicPr>
-          <p:cNvPr id="231" name="Google Shape;231;p22"/>
+          <p:cNvPr id="235" name="Google Shape;235;p22"/>
           <p:cNvPicPr preferRelativeResize="0"/>
           <p:nvPr/>
         </p:nvPicPr>
@@ -13548,7 +13548,7 @@
       </p:pic>
       <p:pic>
         <p:nvPicPr>
-          <p:cNvPr id="232" name="Google Shape;232;p22"/>
+          <p:cNvPr id="236" name="Google Shape;236;p22"/>
           <p:cNvPicPr preferRelativeResize="0"/>
           <p:nvPr/>
         </p:nvPicPr>
@@ -13576,7 +13576,7 @@
       </p:pic>
       <p:pic>
         <p:nvPicPr>
-          <p:cNvPr id="233" name="Google Shape;233;p22"/>
+          <p:cNvPr id="237" name="Google Shape;237;p22"/>
           <p:cNvPicPr preferRelativeResize="0"/>
           <p:nvPr/>
         </p:nvPicPr>
@@ -13604,7 +13604,7 @@
       </p:pic>
       <p:pic>
         <p:nvPicPr>
-          <p:cNvPr id="234" name="Google Shape;234;p22"/>
+          <p:cNvPr id="238" name="Google Shape;238;p22"/>
           <p:cNvPicPr preferRelativeResize="0"/>
           <p:nvPr/>
         </p:nvPicPr>
@@ -13639,7 +13639,7 @@
 </file>
 
 <file path=ppt/slides/slide11.xml><?xml version="1.0" encoding="utf-8"?>
-<p:sld xmlns:a="http://schemas.openxmlformats.org/drawingml/2006/main" xmlns:r="http://schemas.openxmlformats.org/officeDocument/2006/relationships" xmlns:mc="http://schemas.openxmlformats.org/markup-compatibility/2006" xmlns:mv="urn:schemas-microsoft-com:mac:vml" xmlns:p="http://schemas.openxmlformats.org/presentationml/2006/main" xmlns:c="http://schemas.openxmlformats.org/drawingml/2006/chart" xmlns:dgm="http://schemas.openxmlformats.org/drawingml/2006/diagram" xmlns:o="urn:schemas-microsoft-com:office:office" xmlns:v="urn:schemas-microsoft-com:vml" xmlns:pvml="urn:schemas-microsoft-com:office:powerpoint" xmlns:com="http://schemas.openxmlformats.org/drawingml/2006/compatibility" xmlns:p14="http://schemas.microsoft.com/office/powerpoint/2010/main" xmlns:p15="http://schemas.microsoft.com/office/powerpoint/2012/main">
+<p:sld xmlns:a="http://schemas.openxmlformats.org/drawingml/2006/main" xmlns:r="http://schemas.openxmlformats.org/officeDocument/2006/relationships" xmlns:mc="http://schemas.openxmlformats.org/markup-compatibility/2006" xmlns:mv="urn:schemas-microsoft-com:mac:vml" xmlns:p="http://schemas.openxmlformats.org/presentationml/2006/main" xmlns:c="http://schemas.openxmlformats.org/drawingml/2006/chart" xmlns:dgm="http://schemas.openxmlformats.org/drawingml/2006/diagram" xmlns:o="urn:schemas-microsoft-com:office:office" xmlns:v="urn:schemas-microsoft-com:vml" xmlns:pvml="urn:schemas-microsoft-com:office:powerpoint" xmlns:com="http://schemas.openxmlformats.org/drawingml/2006/compatibility" xmlns:p14="http://schemas.microsoft.com/office/powerpoint/2010/main" xmlns:p15="http://schemas.microsoft.com/office/powerpoint/2012/main" xmlns:ahyp="http://schemas.microsoft.com/office/drawing/2018/hyperlinkcolor">
   <p:cSld>
     <p:bg>
       <p:bgPr>
@@ -13650,7 +13650,7 @@
     </p:bg>
     <p:spTree>
       <p:nvGrpSpPr>
-        <p:cNvPr id="238" name="Shape 238"/>
+        <p:cNvPr id="242" name="Shape 242"/>
         <p:cNvGrpSpPr/>
         <p:nvPr/>
       </p:nvGrpSpPr>
@@ -13664,7 +13664,7 @@
       </p:grpSpPr>
       <p:sp>
         <p:nvSpPr>
-          <p:cNvPr id="239" name="Google Shape;239;p23"/>
+          <p:cNvPr id="243" name="Google Shape;243;p23"/>
           <p:cNvSpPr/>
           <p:nvPr/>
         </p:nvSpPr>
@@ -13749,7 +13749,7 @@
       </p:sp>
       <p:pic>
         <p:nvPicPr>
-          <p:cNvPr id="240" name="Google Shape;240;p23"/>
+          <p:cNvPr id="244" name="Google Shape;244;p23"/>
           <p:cNvPicPr preferRelativeResize="0"/>
           <p:nvPr/>
         </p:nvPicPr>
@@ -13776,7 +13776,7 @@
       </p:pic>
       <p:sp>
         <p:nvSpPr>
-          <p:cNvPr id="241" name="Google Shape;241;p23"/>
+          <p:cNvPr id="245" name="Google Shape;245;p23"/>
           <p:cNvSpPr/>
           <p:nvPr/>
         </p:nvSpPr>
@@ -13857,7 +13857,7 @@
       </p:sp>
       <p:sp>
         <p:nvSpPr>
-          <p:cNvPr id="242" name="Google Shape;242;p23"/>
+          <p:cNvPr id="246" name="Google Shape;246;p23"/>
           <p:cNvSpPr/>
           <p:nvPr/>
         </p:nvSpPr>
@@ -13938,7 +13938,7 @@
       </p:sp>
       <p:pic>
         <p:nvPicPr>
-          <p:cNvPr id="243" name="Google Shape;243;p23"/>
+          <p:cNvPr id="247" name="Google Shape;247;p23"/>
           <p:cNvPicPr preferRelativeResize="0"/>
           <p:nvPr/>
         </p:nvPicPr>
@@ -13965,7 +13965,7 @@
       </p:pic>
       <p:pic>
         <p:nvPicPr>
-          <p:cNvPr id="244" name="Google Shape;244;p23"/>
+          <p:cNvPr id="248" name="Google Shape;248;p23"/>
           <p:cNvPicPr preferRelativeResize="0"/>
           <p:nvPr/>
         </p:nvPicPr>
@@ -13992,7 +13992,7 @@
       </p:pic>
       <p:pic>
         <p:nvPicPr>
-          <p:cNvPr id="245" name="Google Shape;245;p23"/>
+          <p:cNvPr id="249" name="Google Shape;249;p23"/>
           <p:cNvPicPr preferRelativeResize="0"/>
           <p:nvPr/>
         </p:nvPicPr>
@@ -14019,7 +14019,7 @@
       </p:pic>
       <p:pic>
         <p:nvPicPr>
-          <p:cNvPr id="246" name="Google Shape;246;p23"/>
+          <p:cNvPr id="250" name="Google Shape;250;p23"/>
           <p:cNvPicPr preferRelativeResize="0"/>
           <p:nvPr/>
         </p:nvPicPr>
@@ -14046,7 +14046,7 @@
       </p:pic>
       <p:pic>
         <p:nvPicPr>
-          <p:cNvPr id="247" name="Google Shape;247;p23"/>
+          <p:cNvPr id="251" name="Google Shape;251;p23"/>
           <p:cNvPicPr preferRelativeResize="0"/>
           <p:nvPr/>
         </p:nvPicPr>
@@ -14073,7 +14073,7 @@
       </p:pic>
       <p:sp>
         <p:nvSpPr>
-          <p:cNvPr id="248" name="Google Shape;248;p23"/>
+          <p:cNvPr id="252" name="Google Shape;252;p23"/>
           <p:cNvSpPr txBox="1"/>
           <p:nvPr/>
         </p:nvSpPr>
@@ -14122,7 +14122,7 @@
       </p:sp>
       <p:cxnSp>
         <p:nvCxnSpPr>
-          <p:cNvPr id="249" name="Google Shape;249;p23"/>
+          <p:cNvPr id="253" name="Google Shape;253;p23"/>
           <p:cNvCxnSpPr/>
           <p:nvPr/>
         </p:nvCxnSpPr>
@@ -14148,7 +14148,7 @@
       </p:cxnSp>
       <p:sp>
         <p:nvSpPr>
-          <p:cNvPr id="250" name="Google Shape;250;p23"/>
+          <p:cNvPr id="254" name="Google Shape;254;p23"/>
           <p:cNvSpPr txBox="1"/>
           <p:nvPr/>
         </p:nvSpPr>
@@ -14201,7 +14201,7 @@
       </p:sp>
       <p:sp>
         <p:nvSpPr>
-          <p:cNvPr id="251" name="Google Shape;251;p23"/>
+          <p:cNvPr id="255" name="Google Shape;255;p23"/>
           <p:cNvSpPr txBox="1"/>
           <p:nvPr/>
         </p:nvSpPr>
@@ -14349,7 +14349,7 @@
 </file>
 
 <file path=ppt/slides/slide12.xml><?xml version="1.0" encoding="utf-8"?>
-<p:sld xmlns:a="http://schemas.openxmlformats.org/drawingml/2006/main" xmlns:r="http://schemas.openxmlformats.org/officeDocument/2006/relationships" xmlns:mc="http://schemas.openxmlformats.org/markup-compatibility/2006" xmlns:mv="urn:schemas-microsoft-com:mac:vml" xmlns:p="http://schemas.openxmlformats.org/presentationml/2006/main" xmlns:c="http://schemas.openxmlformats.org/drawingml/2006/chart" xmlns:dgm="http://schemas.openxmlformats.org/drawingml/2006/diagram" xmlns:o="urn:schemas-microsoft-com:office:office" xmlns:v="urn:schemas-microsoft-com:vml" xmlns:pvml="urn:schemas-microsoft-com:office:powerpoint" xmlns:com="http://schemas.openxmlformats.org/drawingml/2006/compatibility" xmlns:p14="http://schemas.microsoft.com/office/powerpoint/2010/main" xmlns:p15="http://schemas.microsoft.com/office/powerpoint/2012/main">
+<p:sld xmlns:a="http://schemas.openxmlformats.org/drawingml/2006/main" xmlns:r="http://schemas.openxmlformats.org/officeDocument/2006/relationships" xmlns:mc="http://schemas.openxmlformats.org/markup-compatibility/2006" xmlns:mv="urn:schemas-microsoft-com:mac:vml" xmlns:p="http://schemas.openxmlformats.org/presentationml/2006/main" xmlns:c="http://schemas.openxmlformats.org/drawingml/2006/chart" xmlns:dgm="http://schemas.openxmlformats.org/drawingml/2006/diagram" xmlns:o="urn:schemas-microsoft-com:office:office" xmlns:v="urn:schemas-microsoft-com:vml" xmlns:pvml="urn:schemas-microsoft-com:office:powerpoint" xmlns:com="http://schemas.openxmlformats.org/drawingml/2006/compatibility" xmlns:p14="http://schemas.microsoft.com/office/powerpoint/2010/main" xmlns:p15="http://schemas.microsoft.com/office/powerpoint/2012/main" xmlns:ahyp="http://schemas.microsoft.com/office/drawing/2018/hyperlinkcolor">
   <p:cSld>
     <p:bg>
       <p:bgPr>
@@ -14360,7 +14360,7 @@
     </p:bg>
     <p:spTree>
       <p:nvGrpSpPr>
-        <p:cNvPr id="255" name="Shape 255"/>
+        <p:cNvPr id="259" name="Shape 259"/>
         <p:cNvGrpSpPr/>
         <p:nvPr/>
       </p:nvGrpSpPr>
@@ -14374,7 +14374,7 @@
       </p:grpSpPr>
       <p:sp>
         <p:nvSpPr>
-          <p:cNvPr id="256" name="Google Shape;256;p24"/>
+          <p:cNvPr id="260" name="Google Shape;260;p24"/>
           <p:cNvSpPr/>
           <p:nvPr/>
         </p:nvSpPr>
@@ -14459,7 +14459,7 @@
       </p:sp>
       <p:sp>
         <p:nvSpPr>
-          <p:cNvPr id="257" name="Google Shape;257;p24"/>
+          <p:cNvPr id="261" name="Google Shape;261;p24"/>
           <p:cNvSpPr/>
           <p:nvPr/>
         </p:nvSpPr>
@@ -14540,7 +14540,7 @@
       </p:sp>
       <p:sp>
         <p:nvSpPr>
-          <p:cNvPr id="258" name="Google Shape;258;p24"/>
+          <p:cNvPr id="262" name="Google Shape;262;p24"/>
           <p:cNvSpPr/>
           <p:nvPr/>
         </p:nvSpPr>
@@ -14621,7 +14621,7 @@
       </p:sp>
       <p:pic>
         <p:nvPicPr>
-          <p:cNvPr id="259" name="Google Shape;259;p24"/>
+          <p:cNvPr id="263" name="Google Shape;263;p24"/>
           <p:cNvPicPr preferRelativeResize="0"/>
           <p:nvPr/>
         </p:nvPicPr>
@@ -14648,7 +14648,7 @@
       </p:pic>
       <p:sp>
         <p:nvSpPr>
-          <p:cNvPr id="260" name="Google Shape;260;p24"/>
+          <p:cNvPr id="264" name="Google Shape;264;p24"/>
           <p:cNvSpPr txBox="1"/>
           <p:nvPr/>
         </p:nvSpPr>
@@ -14697,7 +14697,7 @@
       </p:sp>
       <p:grpSp>
         <p:nvGrpSpPr>
-          <p:cNvPr id="261" name="Google Shape;261;p24"/>
+          <p:cNvPr id="265" name="Google Shape;265;p24"/>
           <p:cNvGrpSpPr/>
           <p:nvPr/>
         </p:nvGrpSpPr>
@@ -14711,7 +14711,7 @@
         </p:grpSpPr>
         <p:sp>
           <p:nvSpPr>
-            <p:cNvPr id="262" name="Google Shape;262;p24"/>
+            <p:cNvPr id="266" name="Google Shape;266;p24"/>
             <p:cNvSpPr txBox="1"/>
             <p:nvPr/>
           </p:nvSpPr>
@@ -14763,7 +14763,7 @@
         </p:sp>
         <p:sp>
           <p:nvSpPr>
-            <p:cNvPr id="263" name="Google Shape;263;p24"/>
+            <p:cNvPr id="267" name="Google Shape;267;p24"/>
             <p:cNvSpPr txBox="1"/>
             <p:nvPr/>
           </p:nvSpPr>
@@ -14852,7 +14852,7 @@
       </p:grpSp>
       <p:sp>
         <p:nvSpPr>
-          <p:cNvPr id="264" name="Google Shape;264;p24"/>
+          <p:cNvPr id="268" name="Google Shape;268;p24"/>
           <p:cNvSpPr/>
           <p:nvPr/>
         </p:nvSpPr>
@@ -14933,7 +14933,7 @@
       </p:sp>
       <p:grpSp>
         <p:nvGrpSpPr>
-          <p:cNvPr id="265" name="Google Shape;265;p24"/>
+          <p:cNvPr id="269" name="Google Shape;269;p24"/>
           <p:cNvGrpSpPr/>
           <p:nvPr/>
         </p:nvGrpSpPr>
@@ -14947,7 +14947,7 @@
         </p:grpSpPr>
         <p:sp>
           <p:nvSpPr>
-            <p:cNvPr id="266" name="Google Shape;266;p24"/>
+            <p:cNvPr id="270" name="Google Shape;270;p24"/>
             <p:cNvSpPr txBox="1"/>
             <p:nvPr/>
           </p:nvSpPr>
@@ -14999,7 +14999,7 @@
         </p:sp>
         <p:sp>
           <p:nvSpPr>
-            <p:cNvPr id="267" name="Google Shape;267;p24"/>
+            <p:cNvPr id="271" name="Google Shape;271;p24"/>
             <p:cNvSpPr txBox="1"/>
             <p:nvPr/>
           </p:nvSpPr>
@@ -15061,7 +15061,7 @@
       </p:grpSp>
       <p:sp>
         <p:nvSpPr>
-          <p:cNvPr id="268" name="Google Shape;268;p24"/>
+          <p:cNvPr id="272" name="Google Shape;272;p24"/>
           <p:cNvSpPr/>
           <p:nvPr/>
         </p:nvSpPr>
@@ -15142,7 +15142,7 @@
       </p:sp>
       <p:sp>
         <p:nvSpPr>
-          <p:cNvPr id="269" name="Google Shape;269;p24"/>
+          <p:cNvPr id="273" name="Google Shape;273;p24"/>
           <p:cNvSpPr/>
           <p:nvPr/>
         </p:nvSpPr>
@@ -15223,7 +15223,7 @@
       </p:sp>
       <p:grpSp>
         <p:nvGrpSpPr>
-          <p:cNvPr id="270" name="Google Shape;270;p24"/>
+          <p:cNvPr id="274" name="Google Shape;274;p24"/>
           <p:cNvGrpSpPr/>
           <p:nvPr/>
         </p:nvGrpSpPr>
@@ -15237,7 +15237,7 @@
         </p:grpSpPr>
         <p:sp>
           <p:nvSpPr>
-            <p:cNvPr id="271" name="Google Shape;271;p24"/>
+            <p:cNvPr id="275" name="Google Shape;275;p24"/>
             <p:cNvSpPr txBox="1"/>
             <p:nvPr/>
           </p:nvSpPr>
@@ -15289,7 +15289,7 @@
         </p:sp>
         <p:sp>
           <p:nvSpPr>
-            <p:cNvPr id="272" name="Google Shape;272;p24"/>
+            <p:cNvPr id="276" name="Google Shape;276;p24"/>
             <p:cNvSpPr txBox="1"/>
             <p:nvPr/>
           </p:nvSpPr>
@@ -15343,7 +15343,7 @@
       </p:grpSp>
       <p:grpSp>
         <p:nvGrpSpPr>
-          <p:cNvPr id="273" name="Google Shape;273;p24"/>
+          <p:cNvPr id="277" name="Google Shape;277;p24"/>
           <p:cNvGrpSpPr/>
           <p:nvPr/>
         </p:nvGrpSpPr>
@@ -15357,7 +15357,7 @@
         </p:grpSpPr>
         <p:sp>
           <p:nvSpPr>
-            <p:cNvPr id="274" name="Google Shape;274;p24"/>
+            <p:cNvPr id="278" name="Google Shape;278;p24"/>
             <p:cNvSpPr txBox="1"/>
             <p:nvPr/>
           </p:nvSpPr>
@@ -15409,7 +15409,7 @@
         </p:sp>
         <p:sp>
           <p:nvSpPr>
-            <p:cNvPr id="275" name="Google Shape;275;p24"/>
+            <p:cNvPr id="279" name="Google Shape;279;p24"/>
             <p:cNvSpPr txBox="1"/>
             <p:nvPr/>
           </p:nvSpPr>
@@ -15463,7 +15463,7 @@
       </p:grpSp>
       <p:grpSp>
         <p:nvGrpSpPr>
-          <p:cNvPr id="276" name="Google Shape;276;p24"/>
+          <p:cNvPr id="280" name="Google Shape;280;p24"/>
           <p:cNvGrpSpPr/>
           <p:nvPr/>
         </p:nvGrpSpPr>
@@ -15477,7 +15477,7 @@
         </p:grpSpPr>
         <p:sp>
           <p:nvSpPr>
-            <p:cNvPr id="277" name="Google Shape;277;p24"/>
+            <p:cNvPr id="281" name="Google Shape;281;p24"/>
             <p:cNvSpPr txBox="1"/>
             <p:nvPr/>
           </p:nvSpPr>
@@ -15529,7 +15529,7 @@
         </p:sp>
         <p:sp>
           <p:nvSpPr>
-            <p:cNvPr id="278" name="Google Shape;278;p24"/>
+            <p:cNvPr id="282" name="Google Shape;282;p24"/>
             <p:cNvSpPr txBox="1"/>
             <p:nvPr/>
           </p:nvSpPr>
@@ -15583,7 +15583,7 @@
       </p:grpSp>
       <p:sp>
         <p:nvSpPr>
-          <p:cNvPr id="279" name="Google Shape;279;p24"/>
+          <p:cNvPr id="283" name="Google Shape;283;p24"/>
           <p:cNvSpPr txBox="1"/>
           <p:nvPr/>
         </p:nvSpPr>
@@ -15657,7 +15657,7 @@
       </p:sp>
       <p:sp>
         <p:nvSpPr>
-          <p:cNvPr id="280" name="Google Shape;280;p24"/>
+          <p:cNvPr id="284" name="Google Shape;284;p24"/>
           <p:cNvSpPr txBox="1"/>
           <p:nvPr/>
         </p:nvSpPr>
@@ -15719,7 +15719,7 @@
       </p:sp>
       <p:pic>
         <p:nvPicPr>
-          <p:cNvPr id="281" name="Google Shape;281;p24"/>
+          <p:cNvPr id="285" name="Google Shape;285;p24"/>
           <p:cNvPicPr preferRelativeResize="0"/>
           <p:nvPr/>
         </p:nvPicPr>
@@ -15747,7 +15747,7 @@
       </p:pic>
       <p:pic>
         <p:nvPicPr>
-          <p:cNvPr id="282" name="Google Shape;282;p24"/>
+          <p:cNvPr id="286" name="Google Shape;286;p24"/>
           <p:cNvPicPr preferRelativeResize="0"/>
           <p:nvPr/>
         </p:nvPicPr>
@@ -15775,7 +15775,7 @@
       </p:pic>
       <p:pic>
         <p:nvPicPr>
-          <p:cNvPr id="283" name="Google Shape;283;p24"/>
+          <p:cNvPr id="287" name="Google Shape;287;p24"/>
           <p:cNvPicPr preferRelativeResize="0"/>
           <p:nvPr/>
         </p:nvPicPr>
@@ -15803,7 +15803,7 @@
       </p:pic>
       <p:pic>
         <p:nvPicPr>
-          <p:cNvPr id="284" name="Google Shape;284;p24"/>
+          <p:cNvPr id="288" name="Google Shape;288;p24"/>
           <p:cNvPicPr preferRelativeResize="0"/>
           <p:nvPr/>
         </p:nvPicPr>
@@ -15831,7 +15831,7 @@
       </p:pic>
       <p:pic>
         <p:nvPicPr>
-          <p:cNvPr id="285" name="Google Shape;285;p24"/>
+          <p:cNvPr id="289" name="Google Shape;289;p24"/>
           <p:cNvPicPr preferRelativeResize="0"/>
           <p:nvPr/>
         </p:nvPicPr>
@@ -15859,7 +15859,7 @@
       </p:pic>
       <p:pic>
         <p:nvPicPr>
-          <p:cNvPr id="286" name="Google Shape;286;p24"/>
+          <p:cNvPr id="290" name="Google Shape;290;p24"/>
           <p:cNvPicPr preferRelativeResize="0"/>
           <p:nvPr/>
         </p:nvPicPr>
@@ -15887,7 +15887,7 @@
       </p:pic>
       <p:pic>
         <p:nvPicPr>
-          <p:cNvPr id="287" name="Google Shape;287;p24"/>
+          <p:cNvPr id="291" name="Google Shape;291;p24"/>
           <p:cNvPicPr preferRelativeResize="0"/>
           <p:nvPr/>
         </p:nvPicPr>
@@ -15922,7 +15922,7 @@
 </file>
 
 <file path=ppt/slides/slide13.xml><?xml version="1.0" encoding="utf-8"?>
-<p:sld xmlns:a="http://schemas.openxmlformats.org/drawingml/2006/main" xmlns:r="http://schemas.openxmlformats.org/officeDocument/2006/relationships" xmlns:mc="http://schemas.openxmlformats.org/markup-compatibility/2006" xmlns:mv="urn:schemas-microsoft-com:mac:vml" xmlns:p="http://schemas.openxmlformats.org/presentationml/2006/main" xmlns:c="http://schemas.openxmlformats.org/drawingml/2006/chart" xmlns:dgm="http://schemas.openxmlformats.org/drawingml/2006/diagram" xmlns:o="urn:schemas-microsoft-com:office:office" xmlns:v="urn:schemas-microsoft-com:vml" xmlns:pvml="urn:schemas-microsoft-com:office:powerpoint" xmlns:com="http://schemas.openxmlformats.org/drawingml/2006/compatibility" xmlns:p14="http://schemas.microsoft.com/office/powerpoint/2010/main" xmlns:p15="http://schemas.microsoft.com/office/powerpoint/2012/main">
+<p:sld xmlns:a="http://schemas.openxmlformats.org/drawingml/2006/main" xmlns:r="http://schemas.openxmlformats.org/officeDocument/2006/relationships" xmlns:mc="http://schemas.openxmlformats.org/markup-compatibility/2006" xmlns:mv="urn:schemas-microsoft-com:mac:vml" xmlns:p="http://schemas.openxmlformats.org/presentationml/2006/main" xmlns:c="http://schemas.openxmlformats.org/drawingml/2006/chart" xmlns:dgm="http://schemas.openxmlformats.org/drawingml/2006/diagram" xmlns:o="urn:schemas-microsoft-com:office:office" xmlns:v="urn:schemas-microsoft-com:vml" xmlns:pvml="urn:schemas-microsoft-com:office:powerpoint" xmlns:com="http://schemas.openxmlformats.org/drawingml/2006/compatibility" xmlns:p14="http://schemas.microsoft.com/office/powerpoint/2010/main" xmlns:p15="http://schemas.microsoft.com/office/powerpoint/2012/main" xmlns:ahyp="http://schemas.microsoft.com/office/drawing/2018/hyperlinkcolor">
   <p:cSld>
     <p:bg>
       <p:bgPr>
@@ -15933,7 +15933,7 @@
     </p:bg>
     <p:spTree>
       <p:nvGrpSpPr>
-        <p:cNvPr id="291" name="Shape 291"/>
+        <p:cNvPr id="295" name="Shape 295"/>
         <p:cNvGrpSpPr/>
         <p:nvPr/>
       </p:nvGrpSpPr>
@@ -15947,7 +15947,7 @@
       </p:grpSpPr>
       <p:sp>
         <p:nvSpPr>
-          <p:cNvPr id="292" name="Google Shape;292;p25"/>
+          <p:cNvPr id="296" name="Google Shape;296;p25"/>
           <p:cNvSpPr/>
           <p:nvPr/>
         </p:nvSpPr>
@@ -16032,7 +16032,7 @@
       </p:sp>
       <p:pic>
         <p:nvPicPr>
-          <p:cNvPr id="293" name="Google Shape;293;p25"/>
+          <p:cNvPr id="297" name="Google Shape;297;p25"/>
           <p:cNvPicPr preferRelativeResize="0"/>
           <p:nvPr/>
         </p:nvPicPr>
@@ -16059,7 +16059,7 @@
       </p:pic>
       <p:grpSp>
         <p:nvGrpSpPr>
-          <p:cNvPr id="294" name="Google Shape;294;p25"/>
+          <p:cNvPr id="298" name="Google Shape;298;p25"/>
           <p:cNvGrpSpPr/>
           <p:nvPr/>
         </p:nvGrpSpPr>
@@ -16073,7 +16073,7 @@
         </p:grpSpPr>
         <p:sp>
           <p:nvSpPr>
-            <p:cNvPr id="295" name="Google Shape;295;p25"/>
+            <p:cNvPr id="299" name="Google Shape;299;p25"/>
             <p:cNvSpPr txBox="1"/>
             <p:nvPr/>
           </p:nvSpPr>
@@ -16122,7 +16122,7 @@
         </p:sp>
         <p:sp>
           <p:nvSpPr>
-            <p:cNvPr id="296" name="Google Shape;296;p25"/>
+            <p:cNvPr id="300" name="Google Shape;300;p25"/>
             <p:cNvSpPr txBox="1"/>
             <p:nvPr/>
           </p:nvSpPr>
@@ -16167,7 +16167,7 @@
                   <a:cs typeface="Arial"/>
                   <a:sym typeface="Arial"/>
                 </a:rPr>
-                <a:t>Next steps to enhance the model and achieve better accuracy</a:t>
+                <a:t>Next steps is to enhance the model and achieve better accuracy</a:t>
               </a:r>
               <a:endParaRPr/>
             </a:p>
@@ -16176,214 +16176,13 @@
       </p:grpSp>
       <p:grpSp>
         <p:nvGrpSpPr>
-          <p:cNvPr id="297" name="Google Shape;297;p25"/>
+          <p:cNvPr id="301" name="Google Shape;301;p25"/>
           <p:cNvGrpSpPr/>
           <p:nvPr/>
         </p:nvGrpSpPr>
         <p:grpSpPr>
           <a:xfrm>
             <a:off x="1327155" y="6465560"/>
-            <a:ext cx="4506375" cy="1426631"/>
-            <a:chOff x="0" y="-47625"/>
-            <a:chExt cx="6008500" cy="1902175"/>
-          </a:xfrm>
-        </p:grpSpPr>
-        <p:sp>
-          <p:nvSpPr>
-            <p:cNvPr id="298" name="Google Shape;298;p25"/>
-            <p:cNvSpPr txBox="1"/>
-            <p:nvPr/>
-          </p:nvSpPr>
-          <p:spPr>
-            <a:xfrm>
-              <a:off x="0" y="-47625"/>
-              <a:ext cx="6001200" cy="1063500"/>
-            </a:xfrm>
-            <a:prstGeom prst="rect">
-              <a:avLst/>
-            </a:prstGeom>
-            <a:noFill/>
-            <a:ln>
-              <a:noFill/>
-            </a:ln>
-          </p:spPr>
-          <p:txBody>
-            <a:bodyPr anchorCtr="0" anchor="t" bIns="0" lIns="0" spcFirstLastPara="1" rIns="0" wrap="square" tIns="0">
-              <a:noAutofit/>
-            </a:bodyPr>
-            <a:lstStyle/>
-            <a:p>
-              <a:pPr indent="0" lvl="0" marL="0" marR="0" rtl="0" algn="ctr">
-                <a:lnSpc>
-                  <a:spcPct val="361055"/>
-                </a:lnSpc>
-                <a:spcBef>
-                  <a:spcPts val="0"/>
-                </a:spcBef>
-                <a:spcAft>
-                  <a:spcPts val="0"/>
-                </a:spcAft>
-                <a:buNone/>
-              </a:pPr>
-              <a:r>
-                <a:t/>
-              </a:r>
-              <a:endParaRPr b="0" i="0" sz="1800" u="none" cap="none" strike="noStrike">
-                <a:solidFill>
-                  <a:schemeClr val="dk1"/>
-                </a:solidFill>
-                <a:latin typeface="Calibri"/>
-                <a:ea typeface="Calibri"/>
-                <a:cs typeface="Calibri"/>
-                <a:sym typeface="Calibri"/>
-              </a:endParaRPr>
-            </a:p>
-          </p:txBody>
-        </p:sp>
-        <p:sp>
-          <p:nvSpPr>
-            <p:cNvPr id="299" name="Google Shape;299;p25"/>
-            <p:cNvSpPr txBox="1"/>
-            <p:nvPr/>
-          </p:nvSpPr>
-          <p:spPr>
-            <a:xfrm>
-              <a:off x="7300" y="644050"/>
-              <a:ext cx="6001200" cy="1210500"/>
-            </a:xfrm>
-            <a:prstGeom prst="rect">
-              <a:avLst/>
-            </a:prstGeom>
-            <a:noFill/>
-            <a:ln>
-              <a:noFill/>
-            </a:ln>
-          </p:spPr>
-          <p:txBody>
-            <a:bodyPr anchorCtr="0" anchor="t" bIns="0" lIns="0" spcFirstLastPara="1" rIns="0" wrap="square" tIns="0">
-              <a:noAutofit/>
-            </a:bodyPr>
-            <a:lstStyle/>
-            <a:p>
-              <a:pPr indent="0" lvl="0" marL="0" marR="0" rtl="0" algn="ctr">
-                <a:lnSpc>
-                  <a:spcPct val="115000"/>
-                </a:lnSpc>
-                <a:spcBef>
-                  <a:spcPts val="0"/>
-                </a:spcBef>
-                <a:spcAft>
-                  <a:spcPts val="0"/>
-                </a:spcAft>
-                <a:buNone/>
-              </a:pPr>
-              <a:r>
-                <a:rPr lang="en-US" sz="2599">
-                  <a:solidFill>
-                    <a:srgbClr val="F3F3F3"/>
-                  </a:solidFill>
-                </a:rPr>
-                <a:t>Deploy to market</a:t>
-              </a:r>
-              <a:endParaRPr>
-                <a:solidFill>
-                  <a:srgbClr val="F3F3F3"/>
-                </a:solidFill>
-              </a:endParaRPr>
-            </a:p>
-          </p:txBody>
-        </p:sp>
-      </p:grpSp>
-      <p:sp>
-        <p:nvSpPr>
-          <p:cNvPr id="300" name="Google Shape;300;p25"/>
-          <p:cNvSpPr/>
-          <p:nvPr/>
-        </p:nvSpPr>
-        <p:spPr>
-          <a:xfrm>
-            <a:off x="2525251" y="4626721"/>
-            <a:ext cx="2115649" cy="2216588"/>
-          </a:xfrm>
-          <a:custGeom>
-            <a:rect b="b" l="l" r="r" t="t"/>
-            <a:pathLst>
-              <a:path extrusionOk="0" h="11514742" w="10990384">
-                <a:moveTo>
-                  <a:pt x="8792" y="5757371"/>
-                </a:moveTo>
-                <a:cubicBezTo>
-                  <a:pt x="0" y="7723318"/>
-                  <a:pt x="1043775" y="9543701"/>
-                  <a:pt x="2744885" y="10529222"/>
-                </a:cubicBezTo>
-                <a:cubicBezTo>
-                  <a:pt x="4445994" y="11514742"/>
-                  <a:pt x="6544389" y="11514742"/>
-                  <a:pt x="8245499" y="10529222"/>
-                </a:cubicBezTo>
-                <a:cubicBezTo>
-                  <a:pt x="9946609" y="9543701"/>
-                  <a:pt x="10990384" y="7723318"/>
-                  <a:pt x="10981592" y="5757371"/>
-                </a:cubicBezTo>
-                <a:cubicBezTo>
-                  <a:pt x="10990384" y="3791424"/>
-                  <a:pt x="9946609" y="1971041"/>
-                  <a:pt x="8245499" y="985520"/>
-                </a:cubicBezTo>
-                <a:cubicBezTo>
-                  <a:pt x="6544389" y="0"/>
-                  <a:pt x="4445994" y="0"/>
-                  <a:pt x="2744885" y="985520"/>
-                </a:cubicBezTo>
-                <a:cubicBezTo>
-                  <a:pt x="1043775" y="1971041"/>
-                  <a:pt x="0" y="3791424"/>
-                  <a:pt x="8792" y="5757371"/>
-                </a:cubicBezTo>
-                <a:close/>
-              </a:path>
-            </a:pathLst>
-          </a:custGeom>
-          <a:solidFill>
-            <a:srgbClr val="ECF2FE"/>
-          </a:solidFill>
-          <a:ln>
-            <a:noFill/>
-          </a:ln>
-        </p:spPr>
-        <p:txBody>
-          <a:bodyPr anchorCtr="0" anchor="ctr" bIns="91425" lIns="91425" spcFirstLastPara="1" rIns="91425" wrap="square" tIns="91425">
-            <a:noAutofit/>
-          </a:bodyPr>
-          <a:lstStyle/>
-          <a:p>
-            <a:pPr indent="0" lvl="0" marL="0" rtl="0" algn="l">
-              <a:spcBef>
-                <a:spcPts val="0"/>
-              </a:spcBef>
-              <a:spcAft>
-                <a:spcPts val="0"/>
-              </a:spcAft>
-              <a:buNone/>
-            </a:pPr>
-            <a:r>
-              <a:t/>
-            </a:r>
-            <a:endParaRPr/>
-          </a:p>
-        </p:txBody>
-      </p:sp>
-      <p:grpSp>
-        <p:nvGrpSpPr>
-          <p:cNvPr id="301" name="Google Shape;301;p25"/>
-          <p:cNvGrpSpPr/>
-          <p:nvPr/>
-        </p:nvGrpSpPr>
-        <p:grpSpPr>
-          <a:xfrm>
-            <a:off x="7041930" y="6465560"/>
             <a:ext cx="4506375" cy="1426631"/>
             <a:chOff x="0" y="-47625"/>
             <a:chExt cx="6008500" cy="1902175"/>
@@ -16484,7 +16283,7 @@
                     <a:srgbClr val="F3F3F3"/>
                   </a:solidFill>
                 </a:rPr>
-                <a:t>Product Customization</a:t>
+                <a:t>Market deployment</a:t>
               </a:r>
               <a:endParaRPr>
                 <a:solidFill>
@@ -16503,7 +16302,7 @@
         </p:nvSpPr>
         <p:spPr>
           <a:xfrm>
-            <a:off x="8240026" y="4626721"/>
+            <a:off x="2525251" y="4626721"/>
             <a:ext cx="2115649" cy="2216588"/>
           </a:xfrm>
           <a:custGeom>
@@ -16584,7 +16383,7 @@
         </p:nvGrpSpPr>
         <p:grpSpPr>
           <a:xfrm>
-            <a:off x="12454455" y="6465560"/>
+            <a:off x="7041930" y="6465560"/>
             <a:ext cx="4506375" cy="1426631"/>
             <a:chOff x="0" y="-47625"/>
             <a:chExt cx="6008500" cy="1902175"/>
@@ -16685,7 +16484,7 @@
                     <a:srgbClr val="F3F3F3"/>
                   </a:solidFill>
                 </a:rPr>
-                <a:t>Expand Market</a:t>
+                <a:t>Product Customization</a:t>
               </a:r>
               <a:endParaRPr>
                 <a:solidFill>
@@ -16704,7 +16503,7 @@
         </p:nvSpPr>
         <p:spPr>
           <a:xfrm>
-            <a:off x="13652551" y="4626721"/>
+            <a:off x="8240026" y="4626721"/>
             <a:ext cx="2115649" cy="2216588"/>
           </a:xfrm>
           <a:custGeom>
@@ -16777,9 +16576,210 @@
           </a:p>
         </p:txBody>
       </p:sp>
+      <p:grpSp>
+        <p:nvGrpSpPr>
+          <p:cNvPr id="309" name="Google Shape;309;p25"/>
+          <p:cNvGrpSpPr/>
+          <p:nvPr/>
+        </p:nvGrpSpPr>
+        <p:grpSpPr>
+          <a:xfrm>
+            <a:off x="12454455" y="6465560"/>
+            <a:ext cx="4506375" cy="1426631"/>
+            <a:chOff x="0" y="-47625"/>
+            <a:chExt cx="6008500" cy="1902175"/>
+          </a:xfrm>
+        </p:grpSpPr>
+        <p:sp>
+          <p:nvSpPr>
+            <p:cNvPr id="310" name="Google Shape;310;p25"/>
+            <p:cNvSpPr txBox="1"/>
+            <p:nvPr/>
+          </p:nvSpPr>
+          <p:spPr>
+            <a:xfrm>
+              <a:off x="0" y="-47625"/>
+              <a:ext cx="6001200" cy="1063500"/>
+            </a:xfrm>
+            <a:prstGeom prst="rect">
+              <a:avLst/>
+            </a:prstGeom>
+            <a:noFill/>
+            <a:ln>
+              <a:noFill/>
+            </a:ln>
+          </p:spPr>
+          <p:txBody>
+            <a:bodyPr anchorCtr="0" anchor="t" bIns="0" lIns="0" spcFirstLastPara="1" rIns="0" wrap="square" tIns="0">
+              <a:noAutofit/>
+            </a:bodyPr>
+            <a:lstStyle/>
+            <a:p>
+              <a:pPr indent="0" lvl="0" marL="0" marR="0" rtl="0" algn="ctr">
+                <a:lnSpc>
+                  <a:spcPct val="361055"/>
+                </a:lnSpc>
+                <a:spcBef>
+                  <a:spcPts val="0"/>
+                </a:spcBef>
+                <a:spcAft>
+                  <a:spcPts val="0"/>
+                </a:spcAft>
+                <a:buNone/>
+              </a:pPr>
+              <a:r>
+                <a:t/>
+              </a:r>
+              <a:endParaRPr b="0" i="0" sz="1800" u="none" cap="none" strike="noStrike">
+                <a:solidFill>
+                  <a:schemeClr val="dk1"/>
+                </a:solidFill>
+                <a:latin typeface="Calibri"/>
+                <a:ea typeface="Calibri"/>
+                <a:cs typeface="Calibri"/>
+                <a:sym typeface="Calibri"/>
+              </a:endParaRPr>
+            </a:p>
+          </p:txBody>
+        </p:sp>
+        <p:sp>
+          <p:nvSpPr>
+            <p:cNvPr id="311" name="Google Shape;311;p25"/>
+            <p:cNvSpPr txBox="1"/>
+            <p:nvPr/>
+          </p:nvSpPr>
+          <p:spPr>
+            <a:xfrm>
+              <a:off x="7300" y="644050"/>
+              <a:ext cx="6001200" cy="1210500"/>
+            </a:xfrm>
+            <a:prstGeom prst="rect">
+              <a:avLst/>
+            </a:prstGeom>
+            <a:noFill/>
+            <a:ln>
+              <a:noFill/>
+            </a:ln>
+          </p:spPr>
+          <p:txBody>
+            <a:bodyPr anchorCtr="0" anchor="t" bIns="0" lIns="0" spcFirstLastPara="1" rIns="0" wrap="square" tIns="0">
+              <a:noAutofit/>
+            </a:bodyPr>
+            <a:lstStyle/>
+            <a:p>
+              <a:pPr indent="0" lvl="0" marL="0" marR="0" rtl="0" algn="ctr">
+                <a:lnSpc>
+                  <a:spcPct val="115000"/>
+                </a:lnSpc>
+                <a:spcBef>
+                  <a:spcPts val="0"/>
+                </a:spcBef>
+                <a:spcAft>
+                  <a:spcPts val="0"/>
+                </a:spcAft>
+                <a:buNone/>
+              </a:pPr>
+              <a:r>
+                <a:rPr lang="en-US" sz="2599">
+                  <a:solidFill>
+                    <a:srgbClr val="F3F3F3"/>
+                  </a:solidFill>
+                </a:rPr>
+                <a:t>Expand Market size</a:t>
+              </a:r>
+              <a:endParaRPr>
+                <a:solidFill>
+                  <a:srgbClr val="F3F3F3"/>
+                </a:solidFill>
+              </a:endParaRPr>
+            </a:p>
+          </p:txBody>
+        </p:sp>
+      </p:grpSp>
+      <p:sp>
+        <p:nvSpPr>
+          <p:cNvPr id="312" name="Google Shape;312;p25"/>
+          <p:cNvSpPr/>
+          <p:nvPr/>
+        </p:nvSpPr>
+        <p:spPr>
+          <a:xfrm>
+            <a:off x="13652551" y="4626721"/>
+            <a:ext cx="2115649" cy="2216588"/>
+          </a:xfrm>
+          <a:custGeom>
+            <a:rect b="b" l="l" r="r" t="t"/>
+            <a:pathLst>
+              <a:path extrusionOk="0" h="11514742" w="10990384">
+                <a:moveTo>
+                  <a:pt x="8792" y="5757371"/>
+                </a:moveTo>
+                <a:cubicBezTo>
+                  <a:pt x="0" y="7723318"/>
+                  <a:pt x="1043775" y="9543701"/>
+                  <a:pt x="2744885" y="10529222"/>
+                </a:cubicBezTo>
+                <a:cubicBezTo>
+                  <a:pt x="4445994" y="11514742"/>
+                  <a:pt x="6544389" y="11514742"/>
+                  <a:pt x="8245499" y="10529222"/>
+                </a:cubicBezTo>
+                <a:cubicBezTo>
+                  <a:pt x="9946609" y="9543701"/>
+                  <a:pt x="10990384" y="7723318"/>
+                  <a:pt x="10981592" y="5757371"/>
+                </a:cubicBezTo>
+                <a:cubicBezTo>
+                  <a:pt x="10990384" y="3791424"/>
+                  <a:pt x="9946609" y="1971041"/>
+                  <a:pt x="8245499" y="985520"/>
+                </a:cubicBezTo>
+                <a:cubicBezTo>
+                  <a:pt x="6544389" y="0"/>
+                  <a:pt x="4445994" y="0"/>
+                  <a:pt x="2744885" y="985520"/>
+                </a:cubicBezTo>
+                <a:cubicBezTo>
+                  <a:pt x="1043775" y="1971041"/>
+                  <a:pt x="0" y="3791424"/>
+                  <a:pt x="8792" y="5757371"/>
+                </a:cubicBezTo>
+                <a:close/>
+              </a:path>
+            </a:pathLst>
+          </a:custGeom>
+          <a:solidFill>
+            <a:srgbClr val="ECF2FE"/>
+          </a:solidFill>
+          <a:ln>
+            <a:noFill/>
+          </a:ln>
+        </p:spPr>
+        <p:txBody>
+          <a:bodyPr anchorCtr="0" anchor="ctr" bIns="91425" lIns="91425" spcFirstLastPara="1" rIns="91425" wrap="square" tIns="91425">
+            <a:noAutofit/>
+          </a:bodyPr>
+          <a:lstStyle/>
+          <a:p>
+            <a:pPr indent="0" lvl="0" marL="0" rtl="0" algn="l">
+              <a:spcBef>
+                <a:spcPts val="0"/>
+              </a:spcBef>
+              <a:spcAft>
+                <a:spcPts val="0"/>
+              </a:spcAft>
+              <a:buNone/>
+            </a:pPr>
+            <a:r>
+              <a:t/>
+            </a:r>
+            <a:endParaRPr/>
+          </a:p>
+        </p:txBody>
+      </p:sp>
       <p:pic>
         <p:nvPicPr>
-          <p:cNvPr id="309" name="Google Shape;309;p25"/>
+          <p:cNvPr id="313" name="Google Shape;313;p25"/>
           <p:cNvPicPr preferRelativeResize="0"/>
           <p:nvPr/>
         </p:nvPicPr>
@@ -16807,7 +16807,7 @@
       </p:pic>
       <p:pic>
         <p:nvPicPr>
-          <p:cNvPr id="310" name="Google Shape;310;p25"/>
+          <p:cNvPr id="314" name="Google Shape;314;p25"/>
           <p:cNvPicPr preferRelativeResize="0"/>
           <p:nvPr/>
         </p:nvPicPr>
@@ -16835,7 +16835,7 @@
       </p:pic>
       <p:pic>
         <p:nvPicPr>
-          <p:cNvPr id="311" name="Google Shape;311;p25"/>
+          <p:cNvPr id="315" name="Google Shape;315;p25"/>
           <p:cNvPicPr preferRelativeResize="0"/>
           <p:nvPr/>
         </p:nvPicPr>
@@ -16870,7 +16870,7 @@
 </file>
 
 <file path=ppt/slides/slide14.xml><?xml version="1.0" encoding="utf-8"?>
-<p:sld xmlns:a="http://schemas.openxmlformats.org/drawingml/2006/main" xmlns:r="http://schemas.openxmlformats.org/officeDocument/2006/relationships" xmlns:mc="http://schemas.openxmlformats.org/markup-compatibility/2006" xmlns:mv="urn:schemas-microsoft-com:mac:vml" xmlns:p="http://schemas.openxmlformats.org/presentationml/2006/main" xmlns:c="http://schemas.openxmlformats.org/drawingml/2006/chart" xmlns:dgm="http://schemas.openxmlformats.org/drawingml/2006/diagram" xmlns:o="urn:schemas-microsoft-com:office:office" xmlns:v="urn:schemas-microsoft-com:vml" xmlns:pvml="urn:schemas-microsoft-com:office:powerpoint" xmlns:com="http://schemas.openxmlformats.org/drawingml/2006/compatibility" xmlns:p14="http://schemas.microsoft.com/office/powerpoint/2010/main" xmlns:p15="http://schemas.microsoft.com/office/powerpoint/2012/main">
+<p:sld xmlns:a="http://schemas.openxmlformats.org/drawingml/2006/main" xmlns:r="http://schemas.openxmlformats.org/officeDocument/2006/relationships" xmlns:mc="http://schemas.openxmlformats.org/markup-compatibility/2006" xmlns:mv="urn:schemas-microsoft-com:mac:vml" xmlns:p="http://schemas.openxmlformats.org/presentationml/2006/main" xmlns:c="http://schemas.openxmlformats.org/drawingml/2006/chart" xmlns:dgm="http://schemas.openxmlformats.org/drawingml/2006/diagram" xmlns:o="urn:schemas-microsoft-com:office:office" xmlns:v="urn:schemas-microsoft-com:vml" xmlns:pvml="urn:schemas-microsoft-com:office:powerpoint" xmlns:com="http://schemas.openxmlformats.org/drawingml/2006/compatibility" xmlns:p14="http://schemas.microsoft.com/office/powerpoint/2010/main" xmlns:p15="http://schemas.microsoft.com/office/powerpoint/2012/main" xmlns:ahyp="http://schemas.microsoft.com/office/drawing/2018/hyperlinkcolor">
   <p:cSld>
     <p:bg>
       <p:bgPr>
@@ -16881,7 +16881,7 @@
     </p:bg>
     <p:spTree>
       <p:nvGrpSpPr>
-        <p:cNvPr id="315" name="Shape 315"/>
+        <p:cNvPr id="319" name="Shape 319"/>
         <p:cNvGrpSpPr/>
         <p:nvPr/>
       </p:nvGrpSpPr>
@@ -16895,7 +16895,7 @@
       </p:grpSpPr>
       <p:sp>
         <p:nvSpPr>
-          <p:cNvPr id="316" name="Google Shape;316;p26"/>
+          <p:cNvPr id="320" name="Google Shape;320;p26"/>
           <p:cNvSpPr/>
           <p:nvPr/>
         </p:nvSpPr>
@@ -16980,7 +16980,7 @@
       </p:sp>
       <p:pic>
         <p:nvPicPr>
-          <p:cNvPr id="317" name="Google Shape;317;p26"/>
+          <p:cNvPr id="321" name="Google Shape;321;p26"/>
           <p:cNvPicPr preferRelativeResize="0"/>
           <p:nvPr/>
         </p:nvPicPr>
@@ -17007,13 +17007,13 @@
       </p:pic>
       <p:grpSp>
         <p:nvGrpSpPr>
-          <p:cNvPr id="318" name="Google Shape;318;p26"/>
+          <p:cNvPr id="322" name="Google Shape;322;p26"/>
           <p:cNvGrpSpPr/>
           <p:nvPr/>
         </p:nvGrpSpPr>
         <p:grpSpPr>
           <a:xfrm>
-            <a:off x="987253" y="2185910"/>
+            <a:off x="1368253" y="2185910"/>
             <a:ext cx="2830183" cy="2357008"/>
             <a:chOff x="-1311017" y="-1483"/>
             <a:chExt cx="4137090" cy="3142677"/>
@@ -17021,7 +17021,7 @@
         </p:grpSpPr>
         <p:pic>
           <p:nvPicPr>
-            <p:cNvPr id="319" name="Google Shape;319;p26"/>
+            <p:cNvPr id="323" name="Google Shape;323;p26"/>
             <p:cNvPicPr preferRelativeResize="0"/>
             <p:nvPr/>
           </p:nvPicPr>
@@ -17048,7 +17048,7 @@
         </p:pic>
         <p:sp>
           <p:nvSpPr>
-            <p:cNvPr id="320" name="Google Shape;320;p26"/>
+            <p:cNvPr id="324" name="Google Shape;324;p26"/>
             <p:cNvSpPr/>
             <p:nvPr/>
           </p:nvSpPr>
@@ -17143,7 +17143,7 @@
         </p:sp>
         <p:sp>
           <p:nvSpPr>
-            <p:cNvPr id="321" name="Google Shape;321;p26"/>
+            <p:cNvPr id="325" name="Google Shape;325;p26"/>
             <p:cNvSpPr/>
             <p:nvPr/>
           </p:nvSpPr>
@@ -17224,7 +17224,7 @@
         </p:sp>
         <p:pic>
           <p:nvPicPr>
-            <p:cNvPr id="322" name="Google Shape;322;p26"/>
+            <p:cNvPr id="326" name="Google Shape;326;p26"/>
             <p:cNvPicPr preferRelativeResize="0"/>
             <p:nvPr/>
           </p:nvPicPr>
@@ -17252,13 +17252,13 @@
       </p:grpSp>
       <p:grpSp>
         <p:nvGrpSpPr>
-          <p:cNvPr id="323" name="Google Shape;323;p26"/>
+          <p:cNvPr id="327" name="Google Shape;327;p26"/>
           <p:cNvGrpSpPr/>
           <p:nvPr/>
         </p:nvGrpSpPr>
         <p:grpSpPr>
           <a:xfrm>
-            <a:off x="4571992" y="2275142"/>
+            <a:off x="4952992" y="2275142"/>
             <a:ext cx="2120862" cy="2347045"/>
             <a:chOff x="0" y="0"/>
             <a:chExt cx="2925327" cy="3129394"/>
@@ -17266,7 +17266,7 @@
         </p:grpSpPr>
         <p:pic>
           <p:nvPicPr>
-            <p:cNvPr id="324" name="Google Shape;324;p26"/>
+            <p:cNvPr id="328" name="Google Shape;328;p26"/>
             <p:cNvPicPr preferRelativeResize="0"/>
             <p:nvPr/>
           </p:nvPicPr>
@@ -17293,7 +17293,7 @@
         </p:pic>
         <p:sp>
           <p:nvSpPr>
-            <p:cNvPr id="325" name="Google Shape;325;p26"/>
+            <p:cNvPr id="329" name="Google Shape;329;p26"/>
             <p:cNvSpPr/>
             <p:nvPr/>
           </p:nvSpPr>
@@ -17388,7 +17388,7 @@
         </p:sp>
         <p:sp>
           <p:nvSpPr>
-            <p:cNvPr id="326" name="Google Shape;326;p26"/>
+            <p:cNvPr id="330" name="Google Shape;330;p26"/>
             <p:cNvSpPr/>
             <p:nvPr/>
           </p:nvSpPr>
@@ -17469,7 +17469,7 @@
         </p:sp>
         <p:pic>
           <p:nvPicPr>
-            <p:cNvPr id="327" name="Google Shape;327;p26"/>
+            <p:cNvPr id="331" name="Google Shape;331;p26"/>
             <p:cNvPicPr preferRelativeResize="0"/>
             <p:nvPr/>
           </p:nvPicPr>
@@ -17497,13 +17497,13 @@
       </p:grpSp>
       <p:grpSp>
         <p:nvGrpSpPr>
-          <p:cNvPr id="328" name="Google Shape;328;p26"/>
+          <p:cNvPr id="332" name="Google Shape;332;p26"/>
           <p:cNvGrpSpPr/>
           <p:nvPr/>
         </p:nvGrpSpPr>
         <p:grpSpPr>
           <a:xfrm>
-            <a:off x="8091628" y="2186459"/>
+            <a:off x="8472628" y="2186459"/>
             <a:ext cx="2195515" cy="2355895"/>
             <a:chOff x="0" y="0"/>
             <a:chExt cx="2936358" cy="3141194"/>
@@ -17511,7 +17511,7 @@
         </p:grpSpPr>
         <p:pic>
           <p:nvPicPr>
-            <p:cNvPr id="329" name="Google Shape;329;p26"/>
+            <p:cNvPr id="333" name="Google Shape;333;p26"/>
             <p:cNvPicPr preferRelativeResize="0"/>
             <p:nvPr/>
           </p:nvPicPr>
@@ -17538,7 +17538,7 @@
         </p:pic>
         <p:sp>
           <p:nvSpPr>
-            <p:cNvPr id="330" name="Google Shape;330;p26"/>
+            <p:cNvPr id="334" name="Google Shape;334;p26"/>
             <p:cNvSpPr/>
             <p:nvPr/>
           </p:nvSpPr>
@@ -17633,7 +17633,7 @@
         </p:sp>
         <p:sp>
           <p:nvSpPr>
-            <p:cNvPr id="331" name="Google Shape;331;p26"/>
+            <p:cNvPr id="335" name="Google Shape;335;p26"/>
             <p:cNvSpPr/>
             <p:nvPr/>
           </p:nvSpPr>
@@ -17714,7 +17714,7 @@
         </p:sp>
         <p:pic>
           <p:nvPicPr>
-            <p:cNvPr id="332" name="Google Shape;332;p26"/>
+            <p:cNvPr id="336" name="Google Shape;336;p26"/>
             <p:cNvPicPr preferRelativeResize="0"/>
             <p:nvPr/>
           </p:nvPicPr>
@@ -17742,13 +17742,13 @@
       </p:grpSp>
       <p:grpSp>
         <p:nvGrpSpPr>
-          <p:cNvPr id="333" name="Google Shape;333;p26"/>
+          <p:cNvPr id="337" name="Google Shape;337;p26"/>
           <p:cNvGrpSpPr/>
           <p:nvPr/>
         </p:nvGrpSpPr>
         <p:grpSpPr>
           <a:xfrm>
-            <a:off x="11577189" y="2182592"/>
+            <a:off x="11958189" y="2182592"/>
             <a:ext cx="2088098" cy="2347045"/>
             <a:chOff x="0" y="0"/>
             <a:chExt cx="2925327" cy="3129394"/>
@@ -17756,7 +17756,7 @@
         </p:grpSpPr>
         <p:pic>
           <p:nvPicPr>
-            <p:cNvPr id="334" name="Google Shape;334;p26"/>
+            <p:cNvPr id="338" name="Google Shape;338;p26"/>
             <p:cNvPicPr preferRelativeResize="0"/>
             <p:nvPr/>
           </p:nvPicPr>
@@ -17783,7 +17783,7 @@
         </p:pic>
         <p:sp>
           <p:nvSpPr>
-            <p:cNvPr id="335" name="Google Shape;335;p26"/>
+            <p:cNvPr id="339" name="Google Shape;339;p26"/>
             <p:cNvSpPr/>
             <p:nvPr/>
           </p:nvSpPr>
@@ -17878,7 +17878,7 @@
         </p:sp>
         <p:sp>
           <p:nvSpPr>
-            <p:cNvPr id="336" name="Google Shape;336;p26"/>
+            <p:cNvPr id="340" name="Google Shape;340;p26"/>
             <p:cNvSpPr/>
             <p:nvPr/>
           </p:nvSpPr>
@@ -17959,7 +17959,7 @@
         </p:sp>
         <p:pic>
           <p:nvPicPr>
-            <p:cNvPr id="337" name="Google Shape;337;p26"/>
+            <p:cNvPr id="341" name="Google Shape;341;p26"/>
             <p:cNvPicPr preferRelativeResize="0"/>
             <p:nvPr/>
           </p:nvPicPr>
@@ -17987,7 +17987,7 @@
       </p:grpSp>
       <p:pic>
         <p:nvPicPr>
-          <p:cNvPr id="338" name="Google Shape;338;p26"/>
+          <p:cNvPr id="342" name="Google Shape;342;p26"/>
           <p:cNvPicPr preferRelativeResize="0"/>
           <p:nvPr/>
         </p:nvPicPr>
@@ -18000,7 +18000,7 @@
         </p:blipFill>
         <p:spPr>
           <a:xfrm>
-            <a:off x="4892032" y="2529924"/>
+            <a:off x="5273032" y="2529924"/>
             <a:ext cx="1553924" cy="1553924"/>
           </a:xfrm>
           <a:prstGeom prst="rect">
@@ -18014,7 +18014,7 @@
       </p:pic>
       <p:pic>
         <p:nvPicPr>
-          <p:cNvPr id="339" name="Google Shape;339;p26"/>
+          <p:cNvPr id="343" name="Google Shape;343;p26"/>
           <p:cNvPicPr preferRelativeResize="0"/>
           <p:nvPr/>
         </p:nvPicPr>
@@ -18027,7 +18027,7 @@
         </p:blipFill>
         <p:spPr>
           <a:xfrm>
-            <a:off x="8343777" y="2515637"/>
+            <a:off x="8724777" y="2515637"/>
             <a:ext cx="1582499" cy="1582499"/>
           </a:xfrm>
           <a:prstGeom prst="rect">
@@ -18041,21 +18041,21 @@
       </p:pic>
       <p:grpSp>
         <p:nvGrpSpPr>
-          <p:cNvPr id="340" name="Google Shape;340;p26"/>
+          <p:cNvPr id="344" name="Google Shape;344;p26"/>
           <p:cNvGrpSpPr/>
           <p:nvPr/>
         </p:nvGrpSpPr>
         <p:grpSpPr>
           <a:xfrm>
-            <a:off x="5645648" y="6034217"/>
-            <a:ext cx="2202268" cy="2355896"/>
+            <a:off x="6102848" y="6034217"/>
+            <a:ext cx="2202269" cy="2355895"/>
             <a:chOff x="0" y="0"/>
             <a:chExt cx="2936358" cy="3141194"/>
           </a:xfrm>
         </p:grpSpPr>
         <p:pic>
           <p:nvPicPr>
-            <p:cNvPr id="341" name="Google Shape;341;p26"/>
+            <p:cNvPr id="345" name="Google Shape;345;p26"/>
             <p:cNvPicPr preferRelativeResize="0"/>
             <p:nvPr/>
           </p:nvPicPr>
@@ -18082,7 +18082,7 @@
         </p:pic>
         <p:sp>
           <p:nvSpPr>
-            <p:cNvPr id="342" name="Google Shape;342;p26"/>
+            <p:cNvPr id="346" name="Google Shape;346;p26"/>
             <p:cNvSpPr/>
             <p:nvPr/>
           </p:nvSpPr>
@@ -18177,7 +18177,7 @@
         </p:sp>
         <p:sp>
           <p:nvSpPr>
-            <p:cNvPr id="343" name="Google Shape;343;p26"/>
+            <p:cNvPr id="347" name="Google Shape;347;p26"/>
             <p:cNvSpPr/>
             <p:nvPr/>
           </p:nvSpPr>
@@ -18258,7 +18258,7 @@
         </p:sp>
         <p:pic>
           <p:nvPicPr>
-            <p:cNvPr id="344" name="Google Shape;344;p26"/>
+            <p:cNvPr id="348" name="Google Shape;348;p26"/>
             <p:cNvPicPr preferRelativeResize="0"/>
             <p:nvPr/>
           </p:nvPicPr>
@@ -18286,21 +18286,21 @@
       </p:grpSp>
       <p:grpSp>
         <p:nvGrpSpPr>
-          <p:cNvPr id="345" name="Google Shape;345;p26"/>
+          <p:cNvPr id="349" name="Google Shape;349;p26"/>
           <p:cNvGrpSpPr/>
           <p:nvPr/>
         </p:nvGrpSpPr>
         <p:grpSpPr>
           <a:xfrm>
-            <a:off x="9610685" y="6043066"/>
-            <a:ext cx="2193996" cy="2347045"/>
+            <a:off x="10067885" y="6043066"/>
+            <a:ext cx="2193995" cy="2347045"/>
             <a:chOff x="0" y="0"/>
             <a:chExt cx="2925327" cy="3129394"/>
           </a:xfrm>
         </p:grpSpPr>
         <p:pic>
           <p:nvPicPr>
-            <p:cNvPr id="346" name="Google Shape;346;p26"/>
+            <p:cNvPr id="350" name="Google Shape;350;p26"/>
             <p:cNvPicPr preferRelativeResize="0"/>
             <p:nvPr/>
           </p:nvPicPr>
@@ -18327,7 +18327,7 @@
         </p:pic>
         <p:sp>
           <p:nvSpPr>
-            <p:cNvPr id="347" name="Google Shape;347;p26"/>
+            <p:cNvPr id="351" name="Google Shape;351;p26"/>
             <p:cNvSpPr/>
             <p:nvPr/>
           </p:nvSpPr>
@@ -18422,7 +18422,7 @@
         </p:sp>
         <p:sp>
           <p:nvSpPr>
-            <p:cNvPr id="348" name="Google Shape;348;p26"/>
+            <p:cNvPr id="352" name="Google Shape;352;p26"/>
             <p:cNvSpPr/>
             <p:nvPr/>
           </p:nvSpPr>
@@ -18503,7 +18503,7 @@
         </p:sp>
         <p:pic>
           <p:nvPicPr>
-            <p:cNvPr id="349" name="Google Shape;349;p26"/>
+            <p:cNvPr id="353" name="Google Shape;353;p26"/>
             <p:cNvPicPr preferRelativeResize="0"/>
             <p:nvPr/>
           </p:nvPicPr>
@@ -18531,7 +18531,7 @@
       </p:grpSp>
       <p:pic>
         <p:nvPicPr>
-          <p:cNvPr id="350" name="Google Shape;350;p26"/>
+          <p:cNvPr id="354" name="Google Shape;354;p26"/>
           <p:cNvPicPr preferRelativeResize="0"/>
           <p:nvPr/>
         </p:nvPicPr>
@@ -18559,13 +18559,13 @@
       </p:pic>
       <p:grpSp>
         <p:nvGrpSpPr>
-          <p:cNvPr id="351" name="Google Shape;351;p26"/>
+          <p:cNvPr id="355" name="Google Shape;355;p26"/>
           <p:cNvGrpSpPr/>
           <p:nvPr/>
         </p:nvGrpSpPr>
         <p:grpSpPr>
           <a:xfrm>
-            <a:off x="13677477" y="6034217"/>
+            <a:off x="14134677" y="6034217"/>
             <a:ext cx="2202269" cy="2355895"/>
             <a:chOff x="0" y="0"/>
             <a:chExt cx="2936358" cy="3141194"/>
@@ -18573,7 +18573,7 @@
         </p:grpSpPr>
         <p:pic>
           <p:nvPicPr>
-            <p:cNvPr id="352" name="Google Shape;352;p26"/>
+            <p:cNvPr id="356" name="Google Shape;356;p26"/>
             <p:cNvPicPr preferRelativeResize="0"/>
             <p:nvPr/>
           </p:nvPicPr>
@@ -18600,7 +18600,7 @@
         </p:pic>
         <p:sp>
           <p:nvSpPr>
-            <p:cNvPr id="353" name="Google Shape;353;p26"/>
+            <p:cNvPr id="357" name="Google Shape;357;p26"/>
             <p:cNvSpPr/>
             <p:nvPr/>
           </p:nvSpPr>
@@ -18695,7 +18695,7 @@
         </p:sp>
         <p:sp>
           <p:nvSpPr>
-            <p:cNvPr id="354" name="Google Shape;354;p26"/>
+            <p:cNvPr id="358" name="Google Shape;358;p26"/>
             <p:cNvSpPr/>
             <p:nvPr/>
           </p:nvSpPr>
@@ -18776,7 +18776,7 @@
         </p:sp>
         <p:pic>
           <p:nvPicPr>
-            <p:cNvPr id="355" name="Google Shape;355;p26"/>
+            <p:cNvPr id="359" name="Google Shape;359;p26"/>
             <p:cNvPicPr preferRelativeResize="0"/>
             <p:nvPr/>
           </p:nvPicPr>
@@ -18804,13 +18804,13 @@
       </p:grpSp>
       <p:grpSp>
         <p:nvGrpSpPr>
-          <p:cNvPr id="356" name="Google Shape;356;p26"/>
+          <p:cNvPr id="360" name="Google Shape;360;p26"/>
           <p:cNvGrpSpPr/>
           <p:nvPr/>
         </p:nvGrpSpPr>
         <p:grpSpPr>
           <a:xfrm>
-            <a:off x="1407706" y="6043066"/>
+            <a:off x="1864906" y="6043066"/>
             <a:ext cx="2193995" cy="2347045"/>
             <a:chOff x="0" y="0"/>
             <a:chExt cx="2925327" cy="3129394"/>
@@ -18818,7 +18818,7 @@
         </p:grpSpPr>
         <p:pic>
           <p:nvPicPr>
-            <p:cNvPr id="357" name="Google Shape;357;p26"/>
+            <p:cNvPr id="361" name="Google Shape;361;p26"/>
             <p:cNvPicPr preferRelativeResize="0"/>
             <p:nvPr/>
           </p:nvPicPr>
@@ -18845,7 +18845,7 @@
         </p:pic>
         <p:sp>
           <p:nvSpPr>
-            <p:cNvPr id="358" name="Google Shape;358;p26"/>
+            <p:cNvPr id="362" name="Google Shape;362;p26"/>
             <p:cNvSpPr/>
             <p:nvPr/>
           </p:nvSpPr>
@@ -18940,7 +18940,7 @@
         </p:sp>
         <p:sp>
           <p:nvSpPr>
-            <p:cNvPr id="359" name="Google Shape;359;p26"/>
+            <p:cNvPr id="363" name="Google Shape;363;p26"/>
             <p:cNvSpPr/>
             <p:nvPr/>
           </p:nvSpPr>
@@ -19021,7 +19021,7 @@
         </p:sp>
         <p:pic>
           <p:nvPicPr>
-            <p:cNvPr id="360" name="Google Shape;360;p26"/>
+            <p:cNvPr id="364" name="Google Shape;364;p26"/>
             <p:cNvPicPr preferRelativeResize="0"/>
             <p:nvPr/>
           </p:nvPicPr>
@@ -19049,7 +19049,7 @@
       </p:grpSp>
       <p:pic>
         <p:nvPicPr>
-          <p:cNvPr id="361" name="Google Shape;361;p26"/>
+          <p:cNvPr id="365" name="Google Shape;365;p26"/>
           <p:cNvPicPr preferRelativeResize="0"/>
           <p:nvPr/>
         </p:nvPicPr>
@@ -19062,7 +19062,7 @@
         </p:blipFill>
         <p:spPr>
           <a:xfrm>
-            <a:off x="2900198" y="4795425"/>
+            <a:off x="3281198" y="4795425"/>
             <a:ext cx="504058" cy="368350"/>
           </a:xfrm>
           <a:prstGeom prst="rect">
@@ -19076,7 +19076,7 @@
       </p:pic>
       <p:pic>
         <p:nvPicPr>
-          <p:cNvPr id="362" name="Google Shape;362;p26"/>
+          <p:cNvPr id="366" name="Google Shape;366;p26"/>
           <p:cNvPicPr preferRelativeResize="0"/>
           <p:nvPr/>
         </p:nvPicPr>
@@ -19089,8 +19089,8 @@
         </p:blipFill>
         <p:spPr>
           <a:xfrm>
-            <a:off x="6379125" y="4795425"/>
-            <a:ext cx="542000" cy="296725"/>
+            <a:off x="6760125" y="4795425"/>
+            <a:ext cx="402015" cy="296725"/>
           </a:xfrm>
           <a:prstGeom prst="rect">
             <a:avLst/>
@@ -19103,21 +19103,363 @@
       </p:pic>
       <p:grpSp>
         <p:nvGrpSpPr>
-          <p:cNvPr id="363" name="Google Shape;363;p26"/>
+          <p:cNvPr id="367" name="Google Shape;367;p26"/>
           <p:cNvGrpSpPr/>
           <p:nvPr/>
         </p:nvGrpSpPr>
         <p:grpSpPr>
           <a:xfrm>
-            <a:off x="11577201" y="4773975"/>
-            <a:ext cx="5280525" cy="717526"/>
-            <a:chOff x="-1859621" y="-28586"/>
-            <a:chExt cx="7040701" cy="956700"/>
+            <a:off x="1666473" y="8766370"/>
+            <a:ext cx="3885778" cy="717602"/>
+            <a:chOff x="0" y="-28575"/>
+            <a:chExt cx="5181037" cy="956802"/>
           </a:xfrm>
         </p:grpSpPr>
         <p:sp>
           <p:nvSpPr>
-            <p:cNvPr id="364" name="Google Shape;364;p26"/>
+            <p:cNvPr id="368" name="Google Shape;368;p26"/>
+            <p:cNvSpPr txBox="1"/>
+            <p:nvPr/>
+          </p:nvSpPr>
+          <p:spPr>
+            <a:xfrm>
+              <a:off x="0" y="-28575"/>
+              <a:ext cx="5181037" cy="516227"/>
+            </a:xfrm>
+            <a:prstGeom prst="rect">
+              <a:avLst/>
+            </a:prstGeom>
+            <a:noFill/>
+            <a:ln>
+              <a:noFill/>
+            </a:ln>
+          </p:spPr>
+          <p:txBody>
+            <a:bodyPr anchorCtr="0" anchor="t" bIns="0" lIns="0" spcFirstLastPara="1" rIns="0" wrap="square" tIns="0">
+              <a:noAutofit/>
+            </a:bodyPr>
+            <a:lstStyle/>
+            <a:p>
+              <a:pPr indent="0" lvl="0" marL="0" marR="0" rtl="0" algn="l">
+                <a:lnSpc>
+                  <a:spcPct val="130000"/>
+                </a:lnSpc>
+                <a:spcBef>
+                  <a:spcPts val="0"/>
+                </a:spcBef>
+                <a:spcAft>
+                  <a:spcPts val="0"/>
+                </a:spcAft>
+                <a:buNone/>
+              </a:pPr>
+              <a:r>
+                <a:rPr b="0" i="0" lang="en-US" sz="2400" u="none" cap="none" strike="noStrike">
+                  <a:solidFill>
+                    <a:srgbClr val="08104D"/>
+                  </a:solidFill>
+                  <a:latin typeface="Arial"/>
+                  <a:ea typeface="Arial"/>
+                  <a:cs typeface="Arial"/>
+                  <a:sym typeface="Arial"/>
+                </a:rPr>
+                <a:t>Franklyn Ogbonna</a:t>
+              </a:r>
+              <a:endParaRPr/>
+            </a:p>
+          </p:txBody>
+        </p:sp>
+        <p:sp>
+          <p:nvSpPr>
+            <p:cNvPr id="369" name="Google Shape;369;p26"/>
+            <p:cNvSpPr txBox="1"/>
+            <p:nvPr/>
+          </p:nvSpPr>
+          <p:spPr>
+            <a:xfrm>
+              <a:off x="0" y="524322"/>
+              <a:ext cx="5181037" cy="403905"/>
+            </a:xfrm>
+            <a:prstGeom prst="rect">
+              <a:avLst/>
+            </a:prstGeom>
+            <a:noFill/>
+            <a:ln>
+              <a:noFill/>
+            </a:ln>
+          </p:spPr>
+          <p:txBody>
+            <a:bodyPr anchorCtr="0" anchor="t" bIns="0" lIns="0" spcFirstLastPara="1" rIns="0" wrap="square" tIns="0">
+              <a:noAutofit/>
+            </a:bodyPr>
+            <a:lstStyle/>
+            <a:p>
+              <a:pPr indent="0" lvl="0" marL="0" marR="0" rtl="0" algn="l">
+                <a:lnSpc>
+                  <a:spcPct val="142000"/>
+                </a:lnSpc>
+                <a:spcBef>
+                  <a:spcPts val="0"/>
+                </a:spcBef>
+                <a:spcAft>
+                  <a:spcPts val="0"/>
+                </a:spcAft>
+                <a:buNone/>
+              </a:pPr>
+              <a:r>
+                <a:rPr lang="en-US" sz="1800">
+                  <a:solidFill>
+                    <a:srgbClr val="08104D"/>
+                  </a:solidFill>
+                </a:rPr>
+                <a:t>Software Engineer</a:t>
+              </a:r>
+              <a:endParaRPr/>
+            </a:p>
+          </p:txBody>
+        </p:sp>
+      </p:grpSp>
+      <p:grpSp>
+        <p:nvGrpSpPr>
+          <p:cNvPr id="370" name="Google Shape;370;p26"/>
+          <p:cNvGrpSpPr/>
+          <p:nvPr/>
+        </p:nvGrpSpPr>
+        <p:grpSpPr>
+          <a:xfrm>
+            <a:off x="5855553" y="8766370"/>
+            <a:ext cx="3885872" cy="717530"/>
+            <a:chOff x="0" y="-28575"/>
+            <a:chExt cx="5181163" cy="956707"/>
+          </a:xfrm>
+        </p:grpSpPr>
+        <p:sp>
+          <p:nvSpPr>
+            <p:cNvPr id="371" name="Google Shape;371;p26"/>
+            <p:cNvSpPr txBox="1"/>
+            <p:nvPr/>
+          </p:nvSpPr>
+          <p:spPr>
+            <a:xfrm>
+              <a:off x="0" y="-28575"/>
+              <a:ext cx="5181037" cy="516227"/>
+            </a:xfrm>
+            <a:prstGeom prst="rect">
+              <a:avLst/>
+            </a:prstGeom>
+            <a:noFill/>
+            <a:ln>
+              <a:noFill/>
+            </a:ln>
+          </p:spPr>
+          <p:txBody>
+            <a:bodyPr anchorCtr="0" anchor="t" bIns="0" lIns="0" spcFirstLastPara="1" rIns="0" wrap="square" tIns="0">
+              <a:noAutofit/>
+            </a:bodyPr>
+            <a:lstStyle/>
+            <a:p>
+              <a:pPr indent="0" lvl="0" marL="0" marR="0" rtl="0" algn="l">
+                <a:lnSpc>
+                  <a:spcPct val="130000"/>
+                </a:lnSpc>
+                <a:spcBef>
+                  <a:spcPts val="0"/>
+                </a:spcBef>
+                <a:spcAft>
+                  <a:spcPts val="0"/>
+                </a:spcAft>
+                <a:buNone/>
+              </a:pPr>
+              <a:r>
+                <a:rPr b="0" i="0" lang="en-US" sz="2400" u="none" cap="none" strike="noStrike">
+                  <a:solidFill>
+                    <a:srgbClr val="08104D"/>
+                  </a:solidFill>
+                  <a:latin typeface="Arial"/>
+                  <a:ea typeface="Arial"/>
+                  <a:cs typeface="Arial"/>
+                  <a:sym typeface="Arial"/>
+                </a:rPr>
+                <a:t>Tanuj Dhiman</a:t>
+              </a:r>
+              <a:endParaRPr/>
+            </a:p>
+          </p:txBody>
+        </p:sp>
+        <p:sp>
+          <p:nvSpPr>
+            <p:cNvPr id="372" name="Google Shape;372;p26"/>
+            <p:cNvSpPr txBox="1"/>
+            <p:nvPr/>
+          </p:nvSpPr>
+          <p:spPr>
+            <a:xfrm>
+              <a:off x="113863" y="524332"/>
+              <a:ext cx="5067300" cy="403800"/>
+            </a:xfrm>
+            <a:prstGeom prst="rect">
+              <a:avLst/>
+            </a:prstGeom>
+            <a:noFill/>
+            <a:ln>
+              <a:noFill/>
+            </a:ln>
+          </p:spPr>
+          <p:txBody>
+            <a:bodyPr anchorCtr="0" anchor="t" bIns="0" lIns="0" spcFirstLastPara="1" rIns="0" wrap="square" tIns="0">
+              <a:noAutofit/>
+            </a:bodyPr>
+            <a:lstStyle/>
+            <a:p>
+              <a:pPr indent="0" lvl="0" marL="0" marR="0" rtl="0" algn="l">
+                <a:lnSpc>
+                  <a:spcPct val="142000"/>
+                </a:lnSpc>
+                <a:spcBef>
+                  <a:spcPts val="0"/>
+                </a:spcBef>
+                <a:spcAft>
+                  <a:spcPts val="0"/>
+                </a:spcAft>
+                <a:buNone/>
+              </a:pPr>
+              <a:r>
+                <a:rPr lang="en-US" sz="1800">
+                  <a:solidFill>
+                    <a:srgbClr val="08104D"/>
+                  </a:solidFill>
+                </a:rPr>
+                <a:t>Project Manager</a:t>
+              </a:r>
+              <a:endParaRPr/>
+            </a:p>
+          </p:txBody>
+        </p:sp>
+      </p:grpSp>
+      <p:pic>
+        <p:nvPicPr>
+          <p:cNvPr id="373" name="Google Shape;373;p26"/>
+          <p:cNvPicPr preferRelativeResize="0"/>
+          <p:nvPr/>
+        </p:nvPicPr>
+        <p:blipFill rotWithShape="1">
+          <a:blip r:embed="rId12">
+            <a:alphaModFix/>
+          </a:blip>
+          <a:srcRect b="0" l="0" r="0" t="0"/>
+          <a:stretch/>
+        </p:blipFill>
+        <p:spPr>
+          <a:xfrm>
+            <a:off x="14046300" y="4795425"/>
+            <a:ext cx="402015" cy="296725"/>
+          </a:xfrm>
+          <a:prstGeom prst="rect">
+            <a:avLst/>
+          </a:prstGeom>
+          <a:noFill/>
+          <a:ln>
+            <a:noFill/>
+          </a:ln>
+        </p:spPr>
+      </p:pic>
+      <p:pic>
+        <p:nvPicPr>
+          <p:cNvPr id="374" name="Google Shape;374;p26"/>
+          <p:cNvPicPr preferRelativeResize="0"/>
+          <p:nvPr/>
+        </p:nvPicPr>
+        <p:blipFill rotWithShape="1">
+          <a:blip r:embed="rId12">
+            <a:alphaModFix/>
+          </a:blip>
+          <a:srcRect b="0" l="0" r="0" t="0"/>
+          <a:stretch/>
+        </p:blipFill>
+        <p:spPr>
+          <a:xfrm>
+            <a:off x="7950504" y="8839150"/>
+            <a:ext cx="402015" cy="296725"/>
+          </a:xfrm>
+          <a:prstGeom prst="rect">
+            <a:avLst/>
+          </a:prstGeom>
+          <a:noFill/>
+          <a:ln>
+            <a:noFill/>
+          </a:ln>
+        </p:spPr>
+      </p:pic>
+      <p:pic>
+        <p:nvPicPr>
+          <p:cNvPr id="375" name="Google Shape;375;p26"/>
+          <p:cNvPicPr preferRelativeResize="0"/>
+          <p:nvPr/>
+        </p:nvPicPr>
+        <p:blipFill rotWithShape="1">
+          <a:blip r:embed="rId13">
+            <a:alphaModFix/>
+          </a:blip>
+          <a:srcRect b="0" l="0" r="0" t="0"/>
+          <a:stretch/>
+        </p:blipFill>
+        <p:spPr>
+          <a:xfrm>
+            <a:off x="12454568" y="8819575"/>
+            <a:ext cx="431318" cy="316300"/>
+          </a:xfrm>
+          <a:prstGeom prst="rect">
+            <a:avLst/>
+          </a:prstGeom>
+          <a:noFill/>
+          <a:ln>
+            <a:noFill/>
+          </a:ln>
+        </p:spPr>
+      </p:pic>
+      <p:pic>
+        <p:nvPicPr>
+          <p:cNvPr id="376" name="Google Shape;376;p26"/>
+          <p:cNvPicPr preferRelativeResize="0"/>
+          <p:nvPr/>
+        </p:nvPicPr>
+        <p:blipFill rotWithShape="1">
+          <a:blip r:embed="rId14">
+            <a:alphaModFix/>
+          </a:blip>
+          <a:srcRect b="0" l="0" r="0" t="0"/>
+          <a:stretch/>
+        </p:blipFill>
+        <p:spPr>
+          <a:xfrm>
+            <a:off x="10416450" y="4780275"/>
+            <a:ext cx="452075" cy="327033"/>
+          </a:xfrm>
+          <a:prstGeom prst="rect">
+            <a:avLst/>
+          </a:prstGeom>
+          <a:noFill/>
+          <a:ln>
+            <a:noFill/>
+          </a:ln>
+        </p:spPr>
+      </p:pic>
+      <p:grpSp>
+        <p:nvGrpSpPr>
+          <p:cNvPr id="377" name="Google Shape;377;p26"/>
+          <p:cNvGrpSpPr/>
+          <p:nvPr/>
+        </p:nvGrpSpPr>
+        <p:grpSpPr>
+          <a:xfrm>
+            <a:off x="11958201" y="4773975"/>
+            <a:ext cx="5280526" cy="717525"/>
+            <a:chOff x="-1859621" y="-28586"/>
+            <a:chExt cx="7040701" cy="956700"/>
+          </a:xfrm>
+        </p:grpSpPr>
+        <p:sp>
+          <p:nvSpPr>
+            <p:cNvPr id="378" name="Google Shape;378;p26"/>
             <p:cNvSpPr txBox="1"/>
             <p:nvPr/>
           </p:nvSpPr>
@@ -19170,7 +19512,7 @@
         </p:sp>
         <p:sp>
           <p:nvSpPr>
-            <p:cNvPr id="365" name="Google Shape;365;p26"/>
+            <p:cNvPr id="379" name="Google Shape;379;p26"/>
             <p:cNvSpPr txBox="1"/>
             <p:nvPr/>
           </p:nvSpPr>
@@ -19218,351 +19560,9 @@
           </p:txBody>
         </p:sp>
       </p:grpSp>
-      <p:grpSp>
-        <p:nvGrpSpPr>
-          <p:cNvPr id="366" name="Google Shape;366;p26"/>
-          <p:cNvGrpSpPr/>
-          <p:nvPr/>
-        </p:nvGrpSpPr>
-        <p:grpSpPr>
-          <a:xfrm>
-            <a:off x="1209273" y="8766370"/>
-            <a:ext cx="3885777" cy="717602"/>
-            <a:chOff x="0" y="-28575"/>
-            <a:chExt cx="5181037" cy="956802"/>
-          </a:xfrm>
-        </p:grpSpPr>
-        <p:sp>
-          <p:nvSpPr>
-            <p:cNvPr id="367" name="Google Shape;367;p26"/>
-            <p:cNvSpPr txBox="1"/>
-            <p:nvPr/>
-          </p:nvSpPr>
-          <p:spPr>
-            <a:xfrm>
-              <a:off x="0" y="-28575"/>
-              <a:ext cx="5181037" cy="516227"/>
-            </a:xfrm>
-            <a:prstGeom prst="rect">
-              <a:avLst/>
-            </a:prstGeom>
-            <a:noFill/>
-            <a:ln>
-              <a:noFill/>
-            </a:ln>
-          </p:spPr>
-          <p:txBody>
-            <a:bodyPr anchorCtr="0" anchor="t" bIns="0" lIns="0" spcFirstLastPara="1" rIns="0" wrap="square" tIns="0">
-              <a:noAutofit/>
-            </a:bodyPr>
-            <a:lstStyle/>
-            <a:p>
-              <a:pPr indent="0" lvl="0" marL="0" marR="0" rtl="0" algn="l">
-                <a:lnSpc>
-                  <a:spcPct val="130000"/>
-                </a:lnSpc>
-                <a:spcBef>
-                  <a:spcPts val="0"/>
-                </a:spcBef>
-                <a:spcAft>
-                  <a:spcPts val="0"/>
-                </a:spcAft>
-                <a:buNone/>
-              </a:pPr>
-              <a:r>
-                <a:rPr b="0" i="0" lang="en-US" sz="2400" u="none" cap="none" strike="noStrike">
-                  <a:solidFill>
-                    <a:srgbClr val="08104D"/>
-                  </a:solidFill>
-                  <a:latin typeface="Arial"/>
-                  <a:ea typeface="Arial"/>
-                  <a:cs typeface="Arial"/>
-                  <a:sym typeface="Arial"/>
-                </a:rPr>
-                <a:t>Franklyn Ogbonna</a:t>
-              </a:r>
-              <a:endParaRPr/>
-            </a:p>
-          </p:txBody>
-        </p:sp>
-        <p:sp>
-          <p:nvSpPr>
-            <p:cNvPr id="368" name="Google Shape;368;p26"/>
-            <p:cNvSpPr txBox="1"/>
-            <p:nvPr/>
-          </p:nvSpPr>
-          <p:spPr>
-            <a:xfrm>
-              <a:off x="0" y="524322"/>
-              <a:ext cx="5181037" cy="403905"/>
-            </a:xfrm>
-            <a:prstGeom prst="rect">
-              <a:avLst/>
-            </a:prstGeom>
-            <a:noFill/>
-            <a:ln>
-              <a:noFill/>
-            </a:ln>
-          </p:spPr>
-          <p:txBody>
-            <a:bodyPr anchorCtr="0" anchor="t" bIns="0" lIns="0" spcFirstLastPara="1" rIns="0" wrap="square" tIns="0">
-              <a:noAutofit/>
-            </a:bodyPr>
-            <a:lstStyle/>
-            <a:p>
-              <a:pPr indent="0" lvl="0" marL="0" marR="0" rtl="0" algn="l">
-                <a:lnSpc>
-                  <a:spcPct val="142000"/>
-                </a:lnSpc>
-                <a:spcBef>
-                  <a:spcPts val="0"/>
-                </a:spcBef>
-                <a:spcAft>
-                  <a:spcPts val="0"/>
-                </a:spcAft>
-                <a:buNone/>
-              </a:pPr>
-              <a:r>
-                <a:rPr lang="en-US" sz="1800">
-                  <a:solidFill>
-                    <a:srgbClr val="08104D"/>
-                  </a:solidFill>
-                </a:rPr>
-                <a:t>Software Engineer</a:t>
-              </a:r>
-              <a:endParaRPr/>
-            </a:p>
-          </p:txBody>
-        </p:sp>
-      </p:grpSp>
-      <p:grpSp>
-        <p:nvGrpSpPr>
-          <p:cNvPr id="369" name="Google Shape;369;p26"/>
-          <p:cNvGrpSpPr/>
-          <p:nvPr/>
-        </p:nvGrpSpPr>
-        <p:grpSpPr>
-          <a:xfrm>
-            <a:off x="5398353" y="8766370"/>
-            <a:ext cx="3885872" cy="717530"/>
-            <a:chOff x="0" y="-28575"/>
-            <a:chExt cx="5181163" cy="956707"/>
-          </a:xfrm>
-        </p:grpSpPr>
-        <p:sp>
-          <p:nvSpPr>
-            <p:cNvPr id="370" name="Google Shape;370;p26"/>
-            <p:cNvSpPr txBox="1"/>
-            <p:nvPr/>
-          </p:nvSpPr>
-          <p:spPr>
-            <a:xfrm>
-              <a:off x="0" y="-28575"/>
-              <a:ext cx="5181037" cy="516227"/>
-            </a:xfrm>
-            <a:prstGeom prst="rect">
-              <a:avLst/>
-            </a:prstGeom>
-            <a:noFill/>
-            <a:ln>
-              <a:noFill/>
-            </a:ln>
-          </p:spPr>
-          <p:txBody>
-            <a:bodyPr anchorCtr="0" anchor="t" bIns="0" lIns="0" spcFirstLastPara="1" rIns="0" wrap="square" tIns="0">
-              <a:noAutofit/>
-            </a:bodyPr>
-            <a:lstStyle/>
-            <a:p>
-              <a:pPr indent="0" lvl="0" marL="0" marR="0" rtl="0" algn="l">
-                <a:lnSpc>
-                  <a:spcPct val="130000"/>
-                </a:lnSpc>
-                <a:spcBef>
-                  <a:spcPts val="0"/>
-                </a:spcBef>
-                <a:spcAft>
-                  <a:spcPts val="0"/>
-                </a:spcAft>
-                <a:buNone/>
-              </a:pPr>
-              <a:r>
-                <a:rPr b="0" i="0" lang="en-US" sz="2400" u="none" cap="none" strike="noStrike">
-                  <a:solidFill>
-                    <a:srgbClr val="08104D"/>
-                  </a:solidFill>
-                  <a:latin typeface="Arial"/>
-                  <a:ea typeface="Arial"/>
-                  <a:cs typeface="Arial"/>
-                  <a:sym typeface="Arial"/>
-                </a:rPr>
-                <a:t>Tanuj Dhiman</a:t>
-              </a:r>
-              <a:endParaRPr/>
-            </a:p>
-          </p:txBody>
-        </p:sp>
-        <p:sp>
-          <p:nvSpPr>
-            <p:cNvPr id="371" name="Google Shape;371;p26"/>
-            <p:cNvSpPr txBox="1"/>
-            <p:nvPr/>
-          </p:nvSpPr>
-          <p:spPr>
-            <a:xfrm>
-              <a:off x="113863" y="524332"/>
-              <a:ext cx="5067300" cy="403800"/>
-            </a:xfrm>
-            <a:prstGeom prst="rect">
-              <a:avLst/>
-            </a:prstGeom>
-            <a:noFill/>
-            <a:ln>
-              <a:noFill/>
-            </a:ln>
-          </p:spPr>
-          <p:txBody>
-            <a:bodyPr anchorCtr="0" anchor="t" bIns="0" lIns="0" spcFirstLastPara="1" rIns="0" wrap="square" tIns="0">
-              <a:noAutofit/>
-            </a:bodyPr>
-            <a:lstStyle/>
-            <a:p>
-              <a:pPr indent="0" lvl="0" marL="0" marR="0" rtl="0" algn="l">
-                <a:lnSpc>
-                  <a:spcPct val="142000"/>
-                </a:lnSpc>
-                <a:spcBef>
-                  <a:spcPts val="0"/>
-                </a:spcBef>
-                <a:spcAft>
-                  <a:spcPts val="0"/>
-                </a:spcAft>
-                <a:buNone/>
-              </a:pPr>
-              <a:r>
-                <a:rPr lang="en-US" sz="1800">
-                  <a:solidFill>
-                    <a:srgbClr val="08104D"/>
-                  </a:solidFill>
-                </a:rPr>
-                <a:t>Project Manager</a:t>
-              </a:r>
-              <a:endParaRPr/>
-            </a:p>
-          </p:txBody>
-        </p:sp>
-      </p:grpSp>
       <p:pic>
         <p:nvPicPr>
-          <p:cNvPr id="372" name="Google Shape;372;p26"/>
-          <p:cNvPicPr preferRelativeResize="0"/>
-          <p:nvPr/>
-        </p:nvPicPr>
-        <p:blipFill rotWithShape="1">
-          <a:blip r:embed="rId12">
-            <a:alphaModFix/>
-          </a:blip>
-          <a:srcRect b="0" l="0" r="0" t="0"/>
-          <a:stretch/>
-        </p:blipFill>
-        <p:spPr>
-          <a:xfrm>
-            <a:off x="13665296" y="4795425"/>
-            <a:ext cx="542000" cy="296725"/>
-          </a:xfrm>
-          <a:prstGeom prst="rect">
-            <a:avLst/>
-          </a:prstGeom>
-          <a:noFill/>
-          <a:ln>
-            <a:noFill/>
-          </a:ln>
-        </p:spPr>
-      </p:pic>
-      <p:pic>
-        <p:nvPicPr>
-          <p:cNvPr id="373" name="Google Shape;373;p26"/>
-          <p:cNvPicPr preferRelativeResize="0"/>
-          <p:nvPr/>
-        </p:nvPicPr>
-        <p:blipFill rotWithShape="1">
-          <a:blip r:embed="rId12">
-            <a:alphaModFix/>
-          </a:blip>
-          <a:srcRect b="0" l="0" r="0" t="0"/>
-          <a:stretch/>
-        </p:blipFill>
-        <p:spPr>
-          <a:xfrm>
-            <a:off x="7493304" y="8839150"/>
-            <a:ext cx="402015" cy="296725"/>
-          </a:xfrm>
-          <a:prstGeom prst="rect">
-            <a:avLst/>
-          </a:prstGeom>
-          <a:noFill/>
-          <a:ln>
-            <a:noFill/>
-          </a:ln>
-        </p:spPr>
-      </p:pic>
-      <p:pic>
-        <p:nvPicPr>
-          <p:cNvPr id="374" name="Google Shape;374;p26"/>
-          <p:cNvPicPr preferRelativeResize="0"/>
-          <p:nvPr/>
-        </p:nvPicPr>
-        <p:blipFill rotWithShape="1">
-          <a:blip r:embed="rId13">
-            <a:alphaModFix/>
-          </a:blip>
-          <a:srcRect b="0" l="0" r="0" t="0"/>
-          <a:stretch/>
-        </p:blipFill>
-        <p:spPr>
-          <a:xfrm>
-            <a:off x="11997368" y="8819575"/>
-            <a:ext cx="431318" cy="316300"/>
-          </a:xfrm>
-          <a:prstGeom prst="rect">
-            <a:avLst/>
-          </a:prstGeom>
-          <a:noFill/>
-          <a:ln>
-            <a:noFill/>
-          </a:ln>
-        </p:spPr>
-      </p:pic>
-      <p:pic>
-        <p:nvPicPr>
-          <p:cNvPr id="375" name="Google Shape;375;p26"/>
-          <p:cNvPicPr preferRelativeResize="0"/>
-          <p:nvPr/>
-        </p:nvPicPr>
-        <p:blipFill rotWithShape="1">
-          <a:blip r:embed="rId14">
-            <a:alphaModFix/>
-          </a:blip>
-          <a:srcRect b="0" l="0" r="0" t="0"/>
-          <a:stretch/>
-        </p:blipFill>
-        <p:spPr>
-          <a:xfrm>
-            <a:off x="10035450" y="4780275"/>
-            <a:ext cx="452075" cy="327033"/>
-          </a:xfrm>
-          <a:prstGeom prst="rect">
-            <a:avLst/>
-          </a:prstGeom>
-          <a:noFill/>
-          <a:ln>
-            <a:noFill/>
-          </a:ln>
-        </p:spPr>
-      </p:pic>
-      <p:pic>
-        <p:nvPicPr>
-          <p:cNvPr id="376" name="Google Shape;376;p26"/>
+          <p:cNvPr id="380" name="Google Shape;380;p26"/>
           <p:cNvPicPr preferRelativeResize="0"/>
           <p:nvPr/>
         </p:nvPicPr>
@@ -19575,7 +19575,7 @@
         </p:blipFill>
         <p:spPr>
           <a:xfrm>
-            <a:off x="3817421" y="8844575"/>
+            <a:off x="4274621" y="8844575"/>
             <a:ext cx="398110" cy="291300"/>
           </a:xfrm>
           <a:prstGeom prst="rect">
@@ -19589,7 +19589,7 @@
       </p:pic>
       <p:pic>
         <p:nvPicPr>
-          <p:cNvPr id="377" name="Google Shape;377;p26"/>
+          <p:cNvPr id="381" name="Google Shape;381;p26"/>
           <p:cNvPicPr preferRelativeResize="0"/>
           <p:nvPr/>
         </p:nvPicPr>
@@ -19602,7 +19602,7 @@
         </p:blipFill>
         <p:spPr>
           <a:xfrm>
-            <a:off x="15369575" y="8766375"/>
+            <a:off x="15826775" y="8766375"/>
             <a:ext cx="542000" cy="275927"/>
           </a:xfrm>
           <a:prstGeom prst="rect">
@@ -19616,13 +19616,13 @@
       </p:pic>
       <p:grpSp>
         <p:nvGrpSpPr>
-          <p:cNvPr id="378" name="Google Shape;378;p26"/>
+          <p:cNvPr id="382" name="Google Shape;382;p26"/>
           <p:cNvGrpSpPr/>
           <p:nvPr/>
         </p:nvGrpSpPr>
         <p:grpSpPr>
           <a:xfrm>
-            <a:off x="172700" y="4773975"/>
+            <a:off x="553700" y="4773975"/>
             <a:ext cx="4472776" cy="717525"/>
             <a:chOff x="-1595552" y="-28586"/>
             <a:chExt cx="5963702" cy="956700"/>
@@ -19630,7 +19630,7 @@
         </p:grpSpPr>
         <p:sp>
           <p:nvSpPr>
-            <p:cNvPr id="379" name="Google Shape;379;p26"/>
+            <p:cNvPr id="383" name="Google Shape;383;p26"/>
             <p:cNvSpPr txBox="1"/>
             <p:nvPr/>
           </p:nvSpPr>
@@ -19683,7 +19683,7 @@
         </p:sp>
         <p:sp>
           <p:nvSpPr>
-            <p:cNvPr id="380" name="Google Shape;380;p26"/>
+            <p:cNvPr id="384" name="Google Shape;384;p26"/>
             <p:cNvSpPr txBox="1"/>
             <p:nvPr/>
           </p:nvSpPr>
@@ -19749,7 +19749,7 @@
       </p:grpSp>
       <p:sp>
         <p:nvSpPr>
-          <p:cNvPr id="381" name="Google Shape;381;p26"/>
+          <p:cNvPr id="385" name="Google Shape;385;p26"/>
           <p:cNvSpPr txBox="1"/>
           <p:nvPr/>
         </p:nvSpPr>
@@ -19798,13 +19798,13 @@
       </p:sp>
       <p:grpSp>
         <p:nvGrpSpPr>
-          <p:cNvPr id="382" name="Google Shape;382;p26"/>
+          <p:cNvPr id="386" name="Google Shape;386;p26"/>
           <p:cNvGrpSpPr/>
           <p:nvPr/>
         </p:nvGrpSpPr>
         <p:grpSpPr>
           <a:xfrm>
-            <a:off x="4362675" y="4722650"/>
+            <a:off x="4743675" y="4722650"/>
             <a:ext cx="4326975" cy="717500"/>
             <a:chOff x="-588290" y="-28560"/>
             <a:chExt cx="5769300" cy="956667"/>
@@ -19812,7 +19812,7 @@
         </p:grpSpPr>
         <p:sp>
           <p:nvSpPr>
-            <p:cNvPr id="383" name="Google Shape;383;p26"/>
+            <p:cNvPr id="387" name="Google Shape;387;p26"/>
             <p:cNvSpPr txBox="1"/>
             <p:nvPr/>
           </p:nvSpPr>
@@ -19865,7 +19865,7 @@
         </p:sp>
         <p:sp>
           <p:nvSpPr>
-            <p:cNvPr id="384" name="Google Shape;384;p26"/>
+            <p:cNvPr id="388" name="Google Shape;388;p26"/>
             <p:cNvSpPr txBox="1"/>
             <p:nvPr/>
           </p:nvSpPr>
@@ -19906,7 +19906,7 @@
                     <a:srgbClr val="08104D"/>
                   </a:solidFill>
                 </a:rPr>
-                <a:t>Business Member</a:t>
+                <a:t>Data Analyst &amp; Web Developer </a:t>
               </a:r>
               <a:endParaRPr/>
             </a:p>
@@ -19915,27 +19915,27 @@
       </p:grpSp>
       <p:grpSp>
         <p:nvGrpSpPr>
-          <p:cNvPr id="385" name="Google Shape;385;p26"/>
+          <p:cNvPr id="389" name="Google Shape;389;p26"/>
           <p:cNvGrpSpPr/>
           <p:nvPr/>
         </p:nvGrpSpPr>
         <p:grpSpPr>
           <a:xfrm>
-            <a:off x="7847925" y="4773975"/>
-            <a:ext cx="3241800" cy="717526"/>
-            <a:chOff x="-1412733" y="-28586"/>
+            <a:off x="8228925" y="4773975"/>
+            <a:ext cx="3241800" cy="717525"/>
+            <a:chOff x="-1412732" y="-28586"/>
             <a:chExt cx="4322400" cy="956700"/>
           </a:xfrm>
         </p:grpSpPr>
         <p:sp>
           <p:nvSpPr>
-            <p:cNvPr id="386" name="Google Shape;386;p26"/>
+            <p:cNvPr id="390" name="Google Shape;390;p26"/>
             <p:cNvSpPr txBox="1"/>
             <p:nvPr/>
           </p:nvSpPr>
           <p:spPr>
             <a:xfrm>
-              <a:off x="-1412733" y="-28586"/>
+              <a:off x="-1311133" y="-28586"/>
               <a:ext cx="3252300" cy="516300"/>
             </a:xfrm>
             <a:prstGeom prst="rect">
@@ -19982,7 +19982,7 @@
         </p:sp>
         <p:sp>
           <p:nvSpPr>
-            <p:cNvPr id="387" name="Google Shape;387;p26"/>
+            <p:cNvPr id="391" name="Google Shape;391;p26"/>
             <p:cNvSpPr txBox="1"/>
             <p:nvPr/>
           </p:nvSpPr>
@@ -20032,13 +20032,13 @@
       </p:grpSp>
       <p:grpSp>
         <p:nvGrpSpPr>
-          <p:cNvPr id="388" name="Google Shape;388;p26"/>
+          <p:cNvPr id="392" name="Google Shape;392;p26"/>
           <p:cNvGrpSpPr/>
           <p:nvPr/>
         </p:nvGrpSpPr>
         <p:grpSpPr>
           <a:xfrm>
-            <a:off x="13714870" y="8766375"/>
+            <a:off x="14172070" y="8766375"/>
             <a:ext cx="1769100" cy="717525"/>
             <a:chOff x="203204" y="-28568"/>
             <a:chExt cx="2358800" cy="956700"/>
@@ -20046,7 +20046,7 @@
         </p:grpSpPr>
         <p:sp>
           <p:nvSpPr>
-            <p:cNvPr id="389" name="Google Shape;389;p26"/>
+            <p:cNvPr id="393" name="Google Shape;393;p26"/>
             <p:cNvSpPr txBox="1"/>
             <p:nvPr/>
           </p:nvSpPr>
@@ -20119,7 +20119,7 @@
         </p:sp>
         <p:sp>
           <p:nvSpPr>
-            <p:cNvPr id="390" name="Google Shape;390;p26"/>
+            <p:cNvPr id="394" name="Google Shape;394;p26"/>
             <p:cNvSpPr txBox="1"/>
             <p:nvPr/>
           </p:nvSpPr>
@@ -20169,13 +20169,13 @@
       </p:grpSp>
       <p:grpSp>
         <p:nvGrpSpPr>
-          <p:cNvPr id="391" name="Google Shape;391;p26"/>
+          <p:cNvPr id="395" name="Google Shape;395;p26"/>
           <p:cNvGrpSpPr/>
           <p:nvPr/>
         </p:nvGrpSpPr>
         <p:grpSpPr>
           <a:xfrm>
-            <a:off x="9086140" y="8766370"/>
+            <a:off x="9543340" y="8766370"/>
             <a:ext cx="3241774" cy="717602"/>
             <a:chOff x="0" y="-28575"/>
             <a:chExt cx="4322366" cy="956802"/>
@@ -20183,7 +20183,7 @@
         </p:grpSpPr>
         <p:sp>
           <p:nvSpPr>
-            <p:cNvPr id="392" name="Google Shape;392;p26"/>
+            <p:cNvPr id="396" name="Google Shape;396;p26"/>
             <p:cNvSpPr txBox="1"/>
             <p:nvPr/>
           </p:nvSpPr>
@@ -20236,7 +20236,7 @@
         </p:sp>
         <p:sp>
           <p:nvSpPr>
-            <p:cNvPr id="393" name="Google Shape;393;p26"/>
+            <p:cNvPr id="397" name="Google Shape;397;p26"/>
             <p:cNvSpPr txBox="1"/>
             <p:nvPr/>
           </p:nvSpPr>
@@ -20277,7 +20277,7 @@
                     <a:srgbClr val="08104D"/>
                   </a:solidFill>
                 </a:rPr>
-                <a:t>Data Analysis</a:t>
+                <a:t>GIS &amp; Data Science</a:t>
               </a:r>
               <a:endParaRPr/>
             </a:p>
@@ -20286,7 +20286,7 @@
       </p:grpSp>
       <p:pic>
         <p:nvPicPr>
-          <p:cNvPr id="394" name="Google Shape;394;p26"/>
+          <p:cNvPr id="398" name="Google Shape;398;p26"/>
           <p:cNvPicPr preferRelativeResize="0"/>
           <p:nvPr/>
         </p:nvPicPr>
@@ -20299,7 +20299,7 @@
         </p:blipFill>
         <p:spPr>
           <a:xfrm>
-            <a:off x="1209275" y="2470437"/>
+            <a:off x="1590275" y="2470437"/>
             <a:ext cx="1553925" cy="1672898"/>
           </a:xfrm>
           <a:prstGeom prst="rect">
@@ -20313,7 +20313,7 @@
       </p:pic>
       <p:pic>
         <p:nvPicPr>
-          <p:cNvPr id="395" name="Google Shape;395;p26"/>
+          <p:cNvPr id="399" name="Google Shape;399;p26"/>
           <p:cNvPicPr preferRelativeResize="0"/>
           <p:nvPr/>
         </p:nvPicPr>
@@ -20326,7 +20326,7 @@
         </p:blipFill>
         <p:spPr>
           <a:xfrm>
-            <a:off x="13948975" y="6350452"/>
+            <a:off x="14406175" y="6350452"/>
             <a:ext cx="1494925" cy="1609382"/>
           </a:xfrm>
           <a:prstGeom prst="rect">
@@ -20340,7 +20340,7 @@
       </p:pic>
       <p:pic>
         <p:nvPicPr>
-          <p:cNvPr id="396" name="Google Shape;396;p26"/>
+          <p:cNvPr id="400" name="Google Shape;400;p26"/>
           <p:cNvPicPr preferRelativeResize="0"/>
           <p:nvPr/>
         </p:nvPicPr>
@@ -20354,7 +20354,7 @@
         </p:blipFill>
         <p:spPr>
           <a:xfrm>
-            <a:off x="5960075" y="6419276"/>
+            <a:off x="6417275" y="6419276"/>
             <a:ext cx="1582499" cy="1525275"/>
           </a:xfrm>
           <a:prstGeom prst="rect">
@@ -20368,7 +20368,7 @@
       </p:pic>
       <p:pic>
         <p:nvPicPr>
-          <p:cNvPr id="397" name="Google Shape;397;p26"/>
+          <p:cNvPr id="401" name="Google Shape;401;p26"/>
           <p:cNvPicPr preferRelativeResize="0"/>
           <p:nvPr/>
         </p:nvPicPr>
@@ -20381,7 +20381,7 @@
         </p:blipFill>
         <p:spPr>
           <a:xfrm>
-            <a:off x="9939025" y="6407225"/>
+            <a:off x="10396225" y="6407225"/>
             <a:ext cx="1582500" cy="1525275"/>
           </a:xfrm>
           <a:prstGeom prst="rect">
@@ -20395,7 +20395,7 @@
       </p:pic>
       <p:pic>
         <p:nvPicPr>
-          <p:cNvPr id="398" name="Google Shape;398;p26"/>
+          <p:cNvPr id="402" name="Google Shape;402;p26"/>
           <p:cNvPicPr preferRelativeResize="0"/>
           <p:nvPr/>
         </p:nvPicPr>
@@ -20409,7 +20409,7 @@
         </p:blipFill>
         <p:spPr>
           <a:xfrm>
-            <a:off x="1447786" y="6363893"/>
+            <a:off x="1904986" y="6363893"/>
             <a:ext cx="1809036" cy="1582500"/>
           </a:xfrm>
           <a:prstGeom prst="rect">
@@ -20423,7 +20423,7 @@
       </p:pic>
       <p:pic>
         <p:nvPicPr>
-          <p:cNvPr id="399" name="Google Shape;399;p26"/>
+          <p:cNvPr id="403" name="Google Shape;403;p26"/>
           <p:cNvPicPr preferRelativeResize="0"/>
           <p:nvPr/>
         </p:nvPicPr>
@@ -20436,7 +20436,7 @@
         </p:blipFill>
         <p:spPr>
           <a:xfrm>
-            <a:off x="11740036" y="2544244"/>
+            <a:off x="12121036" y="2544244"/>
             <a:ext cx="1553925" cy="1525284"/>
           </a:xfrm>
           <a:prstGeom prst="rect">
@@ -20448,15 +20448,66 @@
           </a:ln>
         </p:spPr>
       </p:pic>
+      <p:sp>
+        <p:nvSpPr>
+          <p:cNvPr id="404" name="Google Shape;404;p26"/>
+          <p:cNvSpPr txBox="1"/>
+          <p:nvPr/>
+        </p:nvSpPr>
+        <p:spPr>
+          <a:xfrm>
+            <a:off x="15445775" y="5092150"/>
+            <a:ext cx="1905000" cy="477300"/>
+          </a:xfrm>
+          <a:prstGeom prst="rect">
+            <a:avLst/>
+          </a:prstGeom>
+          <a:noFill/>
+          <a:ln>
+            <a:noFill/>
+          </a:ln>
+        </p:spPr>
+        <p:txBody>
+          <a:bodyPr anchorCtr="0" anchor="t" bIns="91425" lIns="91425" spcFirstLastPara="1" rIns="91425" wrap="square" tIns="91425">
+            <a:noAutofit/>
+          </a:bodyPr>
+          <a:lstStyle/>
+          <a:p>
+            <a:pPr indent="0" lvl="0" marL="0" rtl="0" algn="l">
+              <a:spcBef>
+                <a:spcPts val="0"/>
+              </a:spcBef>
+              <a:spcAft>
+                <a:spcPts val="0"/>
+              </a:spcAft>
+              <a:buNone/>
+            </a:pPr>
+            <a:r>
+              <a:rPr lang="en-US" sz="1800">
+                <a:solidFill>
+                  <a:srgbClr val="08104D"/>
+                </a:solidFill>
+              </a:rPr>
+              <a:t>Lead Mentor</a:t>
+            </a:r>
+            <a:endParaRPr sz="1600">
+              <a:latin typeface="Calibri"/>
+              <a:ea typeface="Calibri"/>
+              <a:cs typeface="Calibri"/>
+              <a:sym typeface="Calibri"/>
+            </a:endParaRPr>
+          </a:p>
+        </p:txBody>
+      </p:sp>
       <p:grpSp>
         <p:nvGrpSpPr>
-          <p:cNvPr id="400" name="Google Shape;400;p26"/>
+          <p:cNvPr id="405" name="Google Shape;405;p26"/>
           <p:cNvGrpSpPr/>
           <p:nvPr/>
         </p:nvGrpSpPr>
         <p:grpSpPr>
           <a:xfrm>
-            <a:off x="14955327" y="2250667"/>
+            <a:off x="15336327" y="2250667"/>
             <a:ext cx="2202268" cy="2356666"/>
             <a:chOff x="0" y="0"/>
             <a:chExt cx="2936358" cy="3142221"/>
@@ -20464,7 +20515,7 @@
         </p:grpSpPr>
         <p:pic>
           <p:nvPicPr>
-            <p:cNvPr id="401" name="Google Shape;401;p26"/>
+            <p:cNvPr id="406" name="Google Shape;406;p26"/>
             <p:cNvPicPr preferRelativeResize="0"/>
             <p:nvPr/>
           </p:nvPicPr>
@@ -20491,7 +20542,7 @@
         </p:pic>
         <p:sp>
           <p:nvSpPr>
-            <p:cNvPr id="402" name="Google Shape;402;p26"/>
+            <p:cNvPr id="407" name="Google Shape;407;p26"/>
             <p:cNvSpPr/>
             <p:nvPr/>
           </p:nvSpPr>
@@ -20586,7 +20637,7 @@
         </p:sp>
         <p:sp>
           <p:nvSpPr>
-            <p:cNvPr id="403" name="Google Shape;403;p26"/>
+            <p:cNvPr id="408" name="Google Shape;408;p26"/>
             <p:cNvSpPr/>
             <p:nvPr/>
           </p:nvSpPr>
@@ -20667,7 +20718,7 @@
         </p:sp>
         <p:pic>
           <p:nvPicPr>
-            <p:cNvPr id="404" name="Google Shape;404;p26"/>
+            <p:cNvPr id="409" name="Google Shape;409;p26"/>
             <p:cNvPicPr preferRelativeResize="0"/>
             <p:nvPr/>
           </p:nvPicPr>
@@ -20695,7 +20746,7 @@
       </p:grpSp>
       <p:pic>
         <p:nvPicPr>
-          <p:cNvPr id="405" name="Google Shape;405;p26"/>
+          <p:cNvPr id="410" name="Google Shape;410;p26"/>
           <p:cNvPicPr preferRelativeResize="0"/>
           <p:nvPr/>
         </p:nvPicPr>
@@ -20708,7 +20759,7 @@
         </p:blipFill>
         <p:spPr>
           <a:xfrm>
-            <a:off x="15260125" y="2437859"/>
+            <a:off x="15641125" y="2437859"/>
             <a:ext cx="1494924" cy="1738056"/>
           </a:xfrm>
           <a:prstGeom prst="rect">
@@ -20722,13 +20773,13 @@
       </p:pic>
       <p:sp>
         <p:nvSpPr>
-          <p:cNvPr id="406" name="Google Shape;406;p26"/>
+          <p:cNvPr id="411" name="Google Shape;411;p26"/>
           <p:cNvSpPr txBox="1"/>
           <p:nvPr/>
         </p:nvSpPr>
         <p:spPr>
           <a:xfrm>
-            <a:off x="15048725" y="4692825"/>
+            <a:off x="15429725" y="4692825"/>
             <a:ext cx="1905000" cy="717600"/>
           </a:xfrm>
           <a:prstGeom prst="rect">
@@ -20780,64 +20831,13 @@
       </p:sp>
       <p:sp>
         <p:nvSpPr>
-          <p:cNvPr id="407" name="Google Shape;407;p26"/>
+          <p:cNvPr id="412" name="Google Shape;412;p26"/>
           <p:cNvSpPr txBox="1"/>
           <p:nvPr/>
         </p:nvSpPr>
         <p:spPr>
           <a:xfrm>
-            <a:off x="15064775" y="5092150"/>
-            <a:ext cx="1905000" cy="477300"/>
-          </a:xfrm>
-          <a:prstGeom prst="rect">
-            <a:avLst/>
-          </a:prstGeom>
-          <a:noFill/>
-          <a:ln>
-            <a:noFill/>
-          </a:ln>
-        </p:spPr>
-        <p:txBody>
-          <a:bodyPr anchorCtr="0" anchor="t" bIns="91425" lIns="91425" spcFirstLastPara="1" rIns="91425" wrap="square" tIns="91425">
-            <a:noAutofit/>
-          </a:bodyPr>
-          <a:lstStyle/>
-          <a:p>
-            <a:pPr indent="0" lvl="0" marL="0" rtl="0" algn="l">
-              <a:spcBef>
-                <a:spcPts val="0"/>
-              </a:spcBef>
-              <a:spcAft>
-                <a:spcPts val="0"/>
-              </a:spcAft>
-              <a:buNone/>
-            </a:pPr>
-            <a:r>
-              <a:rPr lang="en-US" sz="1800">
-                <a:solidFill>
-                  <a:srgbClr val="08104D"/>
-                </a:solidFill>
-              </a:rPr>
-              <a:t>Lead Mentor</a:t>
-            </a:r>
-            <a:endParaRPr sz="1600">
-              <a:latin typeface="Calibri"/>
-              <a:ea typeface="Calibri"/>
-              <a:cs typeface="Calibri"/>
-              <a:sym typeface="Calibri"/>
-            </a:endParaRPr>
-          </a:p>
-        </p:txBody>
-      </p:sp>
-      <p:sp>
-        <p:nvSpPr>
-          <p:cNvPr id="408" name="Google Shape;408;p26"/>
-          <p:cNvSpPr txBox="1"/>
-          <p:nvPr/>
-        </p:nvSpPr>
-        <p:spPr>
-          <a:xfrm>
-            <a:off x="16533575" y="4836375"/>
+            <a:off x="16914575" y="4836375"/>
             <a:ext cx="1264200" cy="717600"/>
           </a:xfrm>
           <a:prstGeom prst="rect">
@@ -20877,7 +20877,7 @@
       </p:sp>
       <p:pic>
         <p:nvPicPr>
-          <p:cNvPr descr="Google (Android 10)" id="409" name="Google Shape;409;p26"/>
+          <p:cNvPr descr="Google (Android 10)" id="413" name="Google Shape;413;p26"/>
           <p:cNvPicPr preferRelativeResize="0"/>
           <p:nvPr/>
         </p:nvPicPr>
@@ -20891,8 +20891,8 @@
         </p:blipFill>
         <p:spPr>
           <a:xfrm>
-            <a:off x="16283975" y="4743850"/>
-            <a:ext cx="504050" cy="474400"/>
+            <a:off x="16588775" y="4743850"/>
+            <a:ext cx="398100" cy="374676"/>
           </a:xfrm>
           <a:prstGeom prst="rect">
             <a:avLst/>
@@ -20912,18 +20912,18 @@
 </file>
 
 <file path=ppt/slides/slide15.xml><?xml version="1.0" encoding="utf-8"?>
-<p:sld xmlns:a="http://schemas.openxmlformats.org/drawingml/2006/main" xmlns:r="http://schemas.openxmlformats.org/officeDocument/2006/relationships" xmlns:mc="http://schemas.openxmlformats.org/markup-compatibility/2006" xmlns:mv="urn:schemas-microsoft-com:mac:vml" xmlns:p="http://schemas.openxmlformats.org/presentationml/2006/main" xmlns:c="http://schemas.openxmlformats.org/drawingml/2006/chart" xmlns:dgm="http://schemas.openxmlformats.org/drawingml/2006/diagram" xmlns:o="urn:schemas-microsoft-com:office:office" xmlns:v="urn:schemas-microsoft-com:vml" xmlns:pvml="urn:schemas-microsoft-com:office:powerpoint" xmlns:com="http://schemas.openxmlformats.org/drawingml/2006/compatibility" xmlns:p14="http://schemas.microsoft.com/office/powerpoint/2010/main" xmlns:p15="http://schemas.microsoft.com/office/powerpoint/2012/main">
+<p:sld xmlns:a="http://schemas.openxmlformats.org/drawingml/2006/main" xmlns:r="http://schemas.openxmlformats.org/officeDocument/2006/relationships" xmlns:mc="http://schemas.openxmlformats.org/markup-compatibility/2006" xmlns:mv="urn:schemas-microsoft-com:mac:vml" xmlns:p="http://schemas.openxmlformats.org/presentationml/2006/main" xmlns:c="http://schemas.openxmlformats.org/drawingml/2006/chart" xmlns:dgm="http://schemas.openxmlformats.org/drawingml/2006/diagram" xmlns:o="urn:schemas-microsoft-com:office:office" xmlns:v="urn:schemas-microsoft-com:vml" xmlns:pvml="urn:schemas-microsoft-com:office:powerpoint" xmlns:com="http://schemas.openxmlformats.org/drawingml/2006/compatibility" xmlns:p14="http://schemas.microsoft.com/office/powerpoint/2010/main" xmlns:p15="http://schemas.microsoft.com/office/powerpoint/2012/main" xmlns:ahyp="http://schemas.microsoft.com/office/drawing/2018/hyperlinkcolor">
   <p:cSld>
     <p:bg>
       <p:bgPr>
         <a:solidFill>
-          <a:srgbClr val="ECF2FE"/>
+          <a:srgbClr val="3241E4"/>
         </a:solidFill>
       </p:bgPr>
     </p:bg>
     <p:spTree>
       <p:nvGrpSpPr>
-        <p:cNvPr id="413" name="Shape 413"/>
+        <p:cNvPr id="417" name="Shape 417"/>
         <p:cNvGrpSpPr/>
         <p:nvPr/>
       </p:nvGrpSpPr>
@@ -20937,390 +20937,7 @@
       </p:grpSpPr>
       <p:sp>
         <p:nvSpPr>
-          <p:cNvPr id="414" name="Google Shape;414;p27"/>
-          <p:cNvSpPr/>
-          <p:nvPr/>
-        </p:nvSpPr>
-        <p:spPr>
-          <a:xfrm rot="10800000">
-            <a:off x="8397516" y="9646207"/>
-            <a:ext cx="1494352" cy="802718"/>
-          </a:xfrm>
-          <a:custGeom>
-            <a:rect b="b" l="l" r="r" t="t"/>
-            <a:pathLst>
-              <a:path extrusionOk="0" h="1264123" w="2353310">
-                <a:moveTo>
-                  <a:pt x="784860" y="1196813"/>
-                </a:moveTo>
-                <a:cubicBezTo>
-                  <a:pt x="905510" y="1237453"/>
-                  <a:pt x="1042670" y="1264123"/>
-                  <a:pt x="1177290" y="1264123"/>
-                </a:cubicBezTo>
-                <a:cubicBezTo>
-                  <a:pt x="1311910" y="1264123"/>
-                  <a:pt x="1441450" y="1241263"/>
-                  <a:pt x="1560830" y="1200623"/>
-                </a:cubicBezTo>
-                <a:cubicBezTo>
-                  <a:pt x="1563370" y="1199353"/>
-                  <a:pt x="1565910" y="1199353"/>
-                  <a:pt x="1568450" y="1198083"/>
-                </a:cubicBezTo>
-                <a:cubicBezTo>
-                  <a:pt x="2016760" y="1035523"/>
-                  <a:pt x="2346960" y="606263"/>
-                  <a:pt x="2353310" y="109551"/>
-                </a:cubicBezTo>
-                <a:lnTo>
-                  <a:pt x="2353310" y="0"/>
-                </a:lnTo>
-                <a:lnTo>
-                  <a:pt x="0" y="0"/>
-                </a:lnTo>
-                <a:lnTo>
-                  <a:pt x="0" y="109516"/>
-                </a:lnTo>
-                <a:cubicBezTo>
-                  <a:pt x="6350" y="608803"/>
-                  <a:pt x="331470" y="1038063"/>
-                  <a:pt x="784860" y="1196813"/>
-                </a:cubicBezTo>
-                <a:close/>
-              </a:path>
-            </a:pathLst>
-          </a:custGeom>
-          <a:solidFill>
-            <a:srgbClr val="3241E4"/>
-          </a:solidFill>
-          <a:ln>
-            <a:noFill/>
-          </a:ln>
-        </p:spPr>
-        <p:txBody>
-          <a:bodyPr anchorCtr="0" anchor="ctr" bIns="91425" lIns="91425" spcFirstLastPara="1" rIns="91425" wrap="square" tIns="91425">
-            <a:noAutofit/>
-          </a:bodyPr>
-          <a:lstStyle/>
-          <a:p>
-            <a:pPr indent="0" lvl="0" marL="0" rtl="0" algn="l">
-              <a:spcBef>
-                <a:spcPts val="0"/>
-              </a:spcBef>
-              <a:spcAft>
-                <a:spcPts val="0"/>
-              </a:spcAft>
-              <a:buNone/>
-            </a:pPr>
-            <a:r>
-              <a:t/>
-            </a:r>
-            <a:endParaRPr/>
-          </a:p>
-        </p:txBody>
-      </p:sp>
-      <p:pic>
-        <p:nvPicPr>
-          <p:cNvPr id="415" name="Google Shape;415;p27"/>
-          <p:cNvPicPr preferRelativeResize="0"/>
-          <p:nvPr/>
-        </p:nvPicPr>
-        <p:blipFill rotWithShape="1">
-          <a:blip r:embed="rId3">
-            <a:alphaModFix/>
-          </a:blip>
-          <a:srcRect b="0" l="0" r="0" t="0"/>
-          <a:stretch/>
-        </p:blipFill>
-        <p:spPr>
-          <a:xfrm rot="-5400000">
-            <a:off x="9004563" y="9805808"/>
-            <a:ext cx="278873" cy="438229"/>
-          </a:xfrm>
-          <a:prstGeom prst="rect">
-            <a:avLst/>
-          </a:prstGeom>
-          <a:noFill/>
-          <a:ln>
-            <a:noFill/>
-          </a:ln>
-        </p:spPr>
-      </p:pic>
-      <p:grpSp>
-        <p:nvGrpSpPr>
-          <p:cNvPr id="416" name="Google Shape;416;p27"/>
-          <p:cNvGrpSpPr/>
-          <p:nvPr/>
-        </p:nvGrpSpPr>
-        <p:grpSpPr>
-          <a:xfrm>
-            <a:off x="857000" y="991050"/>
-            <a:ext cx="16590325" cy="8152500"/>
-            <a:chOff x="857000" y="991050"/>
-            <a:chExt cx="16590325" cy="8152500"/>
-          </a:xfrm>
-        </p:grpSpPr>
-        <p:pic>
-          <p:nvPicPr>
-            <p:cNvPr id="417" name="Google Shape;417;p27"/>
-            <p:cNvPicPr preferRelativeResize="0"/>
-            <p:nvPr/>
-          </p:nvPicPr>
-          <p:blipFill>
-            <a:blip r:embed="rId4">
-              <a:alphaModFix/>
-            </a:blip>
-            <a:stretch>
-              <a:fillRect/>
-            </a:stretch>
-          </p:blipFill>
-          <p:spPr>
-            <a:xfrm>
-              <a:off x="857000" y="991050"/>
-              <a:ext cx="16590325" cy="8152500"/>
-            </a:xfrm>
-            <a:prstGeom prst="rect">
-              <a:avLst/>
-            </a:prstGeom>
-            <a:noFill/>
-            <a:ln>
-              <a:noFill/>
-            </a:ln>
-          </p:spPr>
-        </p:pic>
-        <p:pic>
-          <p:nvPicPr>
-            <p:cNvPr id="418" name="Google Shape;418;p27"/>
-            <p:cNvPicPr preferRelativeResize="0"/>
-            <p:nvPr/>
-          </p:nvPicPr>
-          <p:blipFill>
-            <a:blip r:embed="rId5">
-              <a:alphaModFix/>
-            </a:blip>
-            <a:stretch>
-              <a:fillRect/>
-            </a:stretch>
-          </p:blipFill>
-          <p:spPr>
-            <a:xfrm>
-              <a:off x="9363125" y="6139974"/>
-              <a:ext cx="931100" cy="931100"/>
-            </a:xfrm>
-            <a:prstGeom prst="rect">
-              <a:avLst/>
-            </a:prstGeom>
-            <a:noFill/>
-            <a:ln>
-              <a:noFill/>
-            </a:ln>
-          </p:spPr>
-        </p:pic>
-        <p:pic>
-          <p:nvPicPr>
-            <p:cNvPr id="419" name="Google Shape;419;p27"/>
-            <p:cNvPicPr preferRelativeResize="0"/>
-            <p:nvPr/>
-          </p:nvPicPr>
-          <p:blipFill>
-            <a:blip r:embed="rId5">
-              <a:alphaModFix/>
-            </a:blip>
-            <a:stretch>
-              <a:fillRect/>
-            </a:stretch>
-          </p:blipFill>
-          <p:spPr>
-            <a:xfrm>
-              <a:off x="12005675" y="3994224"/>
-              <a:ext cx="931100" cy="931100"/>
-            </a:xfrm>
-            <a:prstGeom prst="rect">
-              <a:avLst/>
-            </a:prstGeom>
-            <a:noFill/>
-            <a:ln>
-              <a:noFill/>
-            </a:ln>
-          </p:spPr>
-        </p:pic>
-        <p:pic>
-          <p:nvPicPr>
-            <p:cNvPr id="420" name="Google Shape;420;p27"/>
-            <p:cNvPicPr preferRelativeResize="0"/>
-            <p:nvPr/>
-          </p:nvPicPr>
-          <p:blipFill>
-            <a:blip r:embed="rId5">
-              <a:alphaModFix/>
-            </a:blip>
-            <a:stretch>
-              <a:fillRect/>
-            </a:stretch>
-          </p:blipFill>
-          <p:spPr>
-            <a:xfrm>
-              <a:off x="11471175" y="3269824"/>
-              <a:ext cx="931100" cy="931100"/>
-            </a:xfrm>
-            <a:prstGeom prst="rect">
-              <a:avLst/>
-            </a:prstGeom>
-            <a:noFill/>
-            <a:ln>
-              <a:noFill/>
-            </a:ln>
-          </p:spPr>
-        </p:pic>
-        <p:pic>
-          <p:nvPicPr>
-            <p:cNvPr id="421" name="Google Shape;421;p27"/>
-            <p:cNvPicPr preferRelativeResize="0"/>
-            <p:nvPr/>
-          </p:nvPicPr>
-          <p:blipFill>
-            <a:blip r:embed="rId5">
-              <a:alphaModFix/>
-            </a:blip>
-            <a:stretch>
-              <a:fillRect/>
-            </a:stretch>
-          </p:blipFill>
-          <p:spPr>
-            <a:xfrm>
-              <a:off x="8626113" y="2373949"/>
-              <a:ext cx="931100" cy="931100"/>
-            </a:xfrm>
-            <a:prstGeom prst="rect">
-              <a:avLst/>
-            </a:prstGeom>
-            <a:noFill/>
-            <a:ln>
-              <a:noFill/>
-            </a:ln>
-          </p:spPr>
-        </p:pic>
-        <p:pic>
-          <p:nvPicPr>
-            <p:cNvPr id="422" name="Google Shape;422;p27"/>
-            <p:cNvPicPr preferRelativeResize="0"/>
-            <p:nvPr/>
-          </p:nvPicPr>
-          <p:blipFill>
-            <a:blip r:embed="rId5">
-              <a:alphaModFix/>
-            </a:blip>
-            <a:stretch>
-              <a:fillRect/>
-            </a:stretch>
-          </p:blipFill>
-          <p:spPr>
-            <a:xfrm>
-              <a:off x="8924863" y="1442849"/>
-              <a:ext cx="931100" cy="931100"/>
-            </a:xfrm>
-            <a:prstGeom prst="rect">
-              <a:avLst/>
-            </a:prstGeom>
-            <a:noFill/>
-            <a:ln>
-              <a:noFill/>
-            </a:ln>
-          </p:spPr>
-        </p:pic>
-        <p:pic>
-          <p:nvPicPr>
-            <p:cNvPr id="423" name="Google Shape;423;p27"/>
-            <p:cNvPicPr preferRelativeResize="0"/>
-            <p:nvPr/>
-          </p:nvPicPr>
-          <p:blipFill>
-            <a:blip r:embed="rId5">
-              <a:alphaModFix/>
-            </a:blip>
-            <a:stretch>
-              <a:fillRect/>
-            </a:stretch>
-          </p:blipFill>
-          <p:spPr>
-            <a:xfrm>
-              <a:off x="8678450" y="4453024"/>
-              <a:ext cx="931100" cy="931100"/>
-            </a:xfrm>
-            <a:prstGeom prst="rect">
-              <a:avLst/>
-            </a:prstGeom>
-            <a:noFill/>
-            <a:ln>
-              <a:noFill/>
-            </a:ln>
-          </p:spPr>
-        </p:pic>
-        <p:pic>
-          <p:nvPicPr>
-            <p:cNvPr id="424" name="Google Shape;424;p27"/>
-            <p:cNvPicPr preferRelativeResize="0"/>
-            <p:nvPr/>
-          </p:nvPicPr>
-          <p:blipFill>
-            <a:blip r:embed="rId5">
-              <a:alphaModFix/>
-            </a:blip>
-            <a:stretch>
-              <a:fillRect/>
-            </a:stretch>
-          </p:blipFill>
-          <p:spPr>
-            <a:xfrm>
-              <a:off x="8222363" y="2182599"/>
-              <a:ext cx="931100" cy="931100"/>
-            </a:xfrm>
-            <a:prstGeom prst="rect">
-              <a:avLst/>
-            </a:prstGeom>
-            <a:noFill/>
-            <a:ln>
-              <a:noFill/>
-            </a:ln>
-          </p:spPr>
-        </p:pic>
-      </p:grpSp>
-    </p:spTree>
-  </p:cSld>
-  <p:clrMapOvr>
-    <a:masterClrMapping/>
-  </p:clrMapOvr>
-</p:sld>
-</file>
-
-<file path=ppt/slides/slide16.xml><?xml version="1.0" encoding="utf-8"?>
-<p:sld xmlns:a="http://schemas.openxmlformats.org/drawingml/2006/main" xmlns:r="http://schemas.openxmlformats.org/officeDocument/2006/relationships" xmlns:mc="http://schemas.openxmlformats.org/markup-compatibility/2006" xmlns:mv="urn:schemas-microsoft-com:mac:vml" xmlns:p="http://schemas.openxmlformats.org/presentationml/2006/main" xmlns:c="http://schemas.openxmlformats.org/drawingml/2006/chart" xmlns:dgm="http://schemas.openxmlformats.org/drawingml/2006/diagram" xmlns:o="urn:schemas-microsoft-com:office:office" xmlns:v="urn:schemas-microsoft-com:vml" xmlns:pvml="urn:schemas-microsoft-com:office:powerpoint" xmlns:com="http://schemas.openxmlformats.org/drawingml/2006/compatibility" xmlns:p14="http://schemas.microsoft.com/office/powerpoint/2010/main" xmlns:p15="http://schemas.microsoft.com/office/powerpoint/2012/main">
-  <p:cSld>
-    <p:bg>
-      <p:bgPr>
-        <a:solidFill>
-          <a:srgbClr val="EF5D50"/>
-        </a:solidFill>
-      </p:bgPr>
-    </p:bg>
-    <p:spTree>
-      <p:nvGrpSpPr>
-        <p:cNvPr id="428" name="Shape 428"/>
-        <p:cNvGrpSpPr/>
-        <p:nvPr/>
-      </p:nvGrpSpPr>
-      <p:grpSpPr>
-        <a:xfrm>
-          <a:off x="0" y="0"/>
-          <a:ext cx="0" cy="0"/>
-          <a:chOff x="0" y="0"/>
-          <a:chExt cx="0" cy="0"/>
-        </a:xfrm>
-      </p:grpSpPr>
-      <p:sp>
-        <p:nvSpPr>
-          <p:cNvPr id="429" name="Google Shape;429;p28"/>
+          <p:cNvPr id="418" name="Google Shape;418;p27"/>
           <p:cNvSpPr/>
           <p:nvPr/>
         </p:nvSpPr>
@@ -21405,7 +21022,7 @@
       </p:sp>
       <p:pic>
         <p:nvPicPr>
-          <p:cNvPr id="430" name="Google Shape;430;p28"/>
+          <p:cNvPr id="419" name="Google Shape;419;p27"/>
           <p:cNvPicPr preferRelativeResize="0"/>
           <p:nvPr/>
         </p:nvPicPr>
@@ -21432,7 +21049,7 @@
       </p:pic>
       <p:grpSp>
         <p:nvGrpSpPr>
-          <p:cNvPr id="431" name="Google Shape;431;p28"/>
+          <p:cNvPr id="420" name="Google Shape;420;p27"/>
           <p:cNvGrpSpPr/>
           <p:nvPr/>
         </p:nvGrpSpPr>
@@ -21446,7 +21063,7 @@
         </p:grpSpPr>
         <p:sp>
           <p:nvSpPr>
-            <p:cNvPr id="432" name="Google Shape;432;p28"/>
+            <p:cNvPr id="421" name="Google Shape;421;p27"/>
             <p:cNvSpPr txBox="1"/>
             <p:nvPr/>
           </p:nvSpPr>
@@ -21482,20 +21099,20 @@
                 <a:buNone/>
               </a:pPr>
               <a:r>
-                <a:rPr lang="en-US" sz="8000">
+                <a:rPr b="1" lang="en-US" sz="8000">
                   <a:solidFill>
                     <a:srgbClr val="ECF2FE"/>
                   </a:solidFill>
                 </a:rPr>
-                <a:t>References</a:t>
+                <a:t>Thank you</a:t>
               </a:r>
-              <a:endParaRPr sz="8000"/>
+              <a:endParaRPr b="1" sz="8000"/>
             </a:p>
           </p:txBody>
         </p:sp>
         <p:sp>
           <p:nvSpPr>
-            <p:cNvPr id="433" name="Google Shape;433;p28"/>
+            <p:cNvPr id="422" name="Google Shape;422;p27"/>
             <p:cNvSpPr txBox="1"/>
             <p:nvPr/>
           </p:nvSpPr>
@@ -21540,14 +21157,257 @@
       </p:grpSp>
       <p:sp>
         <p:nvSpPr>
-          <p:cNvPr id="434" name="Google Shape;434;p28"/>
+          <p:cNvPr id="423" name="Google Shape;423;p27"/>
+          <p:cNvSpPr/>
+          <p:nvPr/>
+        </p:nvSpPr>
+        <p:spPr>
+          <a:xfrm>
+            <a:off x="3195675" y="3202539"/>
+            <a:ext cx="4341202" cy="4548323"/>
+          </a:xfrm>
+          <a:custGeom>
+            <a:rect b="b" l="l" r="r" t="t"/>
+            <a:pathLst>
+              <a:path extrusionOk="0" h="11514742" w="10990384">
+                <a:moveTo>
+                  <a:pt x="8792" y="5757371"/>
+                </a:moveTo>
+                <a:cubicBezTo>
+                  <a:pt x="0" y="7723318"/>
+                  <a:pt x="1043775" y="9543701"/>
+                  <a:pt x="2744885" y="10529222"/>
+                </a:cubicBezTo>
+                <a:cubicBezTo>
+                  <a:pt x="4445994" y="11514742"/>
+                  <a:pt x="6544389" y="11514742"/>
+                  <a:pt x="8245499" y="10529222"/>
+                </a:cubicBezTo>
+                <a:cubicBezTo>
+                  <a:pt x="9946609" y="9543701"/>
+                  <a:pt x="10990384" y="7723318"/>
+                  <a:pt x="10981592" y="5757371"/>
+                </a:cubicBezTo>
+                <a:cubicBezTo>
+                  <a:pt x="10990384" y="3791424"/>
+                  <a:pt x="9946609" y="1971041"/>
+                  <a:pt x="8245499" y="985520"/>
+                </a:cubicBezTo>
+                <a:cubicBezTo>
+                  <a:pt x="6544389" y="0"/>
+                  <a:pt x="4445994" y="0"/>
+                  <a:pt x="2744885" y="985520"/>
+                </a:cubicBezTo>
+                <a:cubicBezTo>
+                  <a:pt x="1043775" y="1971041"/>
+                  <a:pt x="0" y="3791424"/>
+                  <a:pt x="8792" y="5757371"/>
+                </a:cubicBezTo>
+                <a:close/>
+              </a:path>
+            </a:pathLst>
+          </a:custGeom>
+          <a:solidFill>
+            <a:srgbClr val="ECF2FE"/>
+          </a:solidFill>
+          <a:ln>
+            <a:noFill/>
+          </a:ln>
+        </p:spPr>
+        <p:txBody>
+          <a:bodyPr anchorCtr="0" anchor="ctr" bIns="91425" lIns="91425" spcFirstLastPara="1" rIns="91425" wrap="square" tIns="91425">
+            <a:noAutofit/>
+          </a:bodyPr>
+          <a:lstStyle/>
+          <a:p>
+            <a:pPr indent="0" lvl="0" marL="0" rtl="0" algn="l">
+              <a:spcBef>
+                <a:spcPts val="0"/>
+              </a:spcBef>
+              <a:spcAft>
+                <a:spcPts val="0"/>
+              </a:spcAft>
+              <a:buNone/>
+            </a:pPr>
+            <a:r>
+              <a:t/>
+            </a:r>
+            <a:endParaRPr/>
+          </a:p>
+        </p:txBody>
+      </p:sp>
+      <p:sp>
+        <p:nvSpPr>
+          <p:cNvPr id="424" name="Google Shape;424;p27"/>
+          <p:cNvSpPr/>
+          <p:nvPr/>
+        </p:nvSpPr>
+        <p:spPr>
+          <a:xfrm>
+            <a:off x="10518200" y="3202539"/>
+            <a:ext cx="4341202" cy="4548323"/>
+          </a:xfrm>
+          <a:custGeom>
+            <a:rect b="b" l="l" r="r" t="t"/>
+            <a:pathLst>
+              <a:path extrusionOk="0" h="11514742" w="10990384">
+                <a:moveTo>
+                  <a:pt x="8792" y="5757371"/>
+                </a:moveTo>
+                <a:cubicBezTo>
+                  <a:pt x="0" y="7723318"/>
+                  <a:pt x="1043775" y="9543701"/>
+                  <a:pt x="2744885" y="10529222"/>
+                </a:cubicBezTo>
+                <a:cubicBezTo>
+                  <a:pt x="4445994" y="11514742"/>
+                  <a:pt x="6544389" y="11514742"/>
+                  <a:pt x="8245499" y="10529222"/>
+                </a:cubicBezTo>
+                <a:cubicBezTo>
+                  <a:pt x="9946609" y="9543701"/>
+                  <a:pt x="10990384" y="7723318"/>
+                  <a:pt x="10981592" y="5757371"/>
+                </a:cubicBezTo>
+                <a:cubicBezTo>
+                  <a:pt x="10990384" y="3791424"/>
+                  <a:pt x="9946609" y="1971041"/>
+                  <a:pt x="8245499" y="985520"/>
+                </a:cubicBezTo>
+                <a:cubicBezTo>
+                  <a:pt x="6544389" y="0"/>
+                  <a:pt x="4445994" y="0"/>
+                  <a:pt x="2744885" y="985520"/>
+                </a:cubicBezTo>
+                <a:cubicBezTo>
+                  <a:pt x="1043775" y="1971041"/>
+                  <a:pt x="0" y="3791424"/>
+                  <a:pt x="8792" y="5757371"/>
+                </a:cubicBezTo>
+                <a:close/>
+              </a:path>
+            </a:pathLst>
+          </a:custGeom>
+          <a:solidFill>
+            <a:srgbClr val="ECF2FE"/>
+          </a:solidFill>
+          <a:ln>
+            <a:noFill/>
+          </a:ln>
+        </p:spPr>
+        <p:txBody>
+          <a:bodyPr anchorCtr="0" anchor="ctr" bIns="91425" lIns="91425" spcFirstLastPara="1" rIns="91425" wrap="square" tIns="91425">
+            <a:noAutofit/>
+          </a:bodyPr>
+          <a:lstStyle/>
+          <a:p>
+            <a:pPr indent="0" lvl="0" marL="0" rtl="0" algn="l">
+              <a:spcBef>
+                <a:spcPts val="0"/>
+              </a:spcBef>
+              <a:spcAft>
+                <a:spcPts val="0"/>
+              </a:spcAft>
+              <a:buNone/>
+            </a:pPr>
+            <a:r>
+              <a:t/>
+            </a:r>
+            <a:endParaRPr/>
+          </a:p>
+        </p:txBody>
+      </p:sp>
+      <p:sp>
+        <p:nvSpPr>
+          <p:cNvPr id="425" name="Google Shape;425;p27"/>
+          <p:cNvSpPr/>
+          <p:nvPr/>
+        </p:nvSpPr>
+        <p:spPr>
+          <a:xfrm>
+            <a:off x="6360525" y="3507349"/>
+            <a:ext cx="5412764" cy="5671010"/>
+          </a:xfrm>
+          <a:custGeom>
+            <a:rect b="b" l="l" r="r" t="t"/>
+            <a:pathLst>
+              <a:path extrusionOk="0" h="11514742" w="10990384">
+                <a:moveTo>
+                  <a:pt x="8792" y="5757371"/>
+                </a:moveTo>
+                <a:cubicBezTo>
+                  <a:pt x="0" y="7723318"/>
+                  <a:pt x="1043775" y="9543701"/>
+                  <a:pt x="2744885" y="10529222"/>
+                </a:cubicBezTo>
+                <a:cubicBezTo>
+                  <a:pt x="4445994" y="11514742"/>
+                  <a:pt x="6544389" y="11514742"/>
+                  <a:pt x="8245499" y="10529222"/>
+                </a:cubicBezTo>
+                <a:cubicBezTo>
+                  <a:pt x="9946609" y="9543701"/>
+                  <a:pt x="10990384" y="7723318"/>
+                  <a:pt x="10981592" y="5757371"/>
+                </a:cubicBezTo>
+                <a:cubicBezTo>
+                  <a:pt x="10990384" y="3791424"/>
+                  <a:pt x="9946609" y="1971041"/>
+                  <a:pt x="8245499" y="985520"/>
+                </a:cubicBezTo>
+                <a:cubicBezTo>
+                  <a:pt x="6544389" y="0"/>
+                  <a:pt x="4445994" y="0"/>
+                  <a:pt x="2744885" y="985520"/>
+                </a:cubicBezTo>
+                <a:cubicBezTo>
+                  <a:pt x="1043775" y="1971041"/>
+                  <a:pt x="0" y="3791424"/>
+                  <a:pt x="8792" y="5757371"/>
+                </a:cubicBezTo>
+                <a:close/>
+              </a:path>
+            </a:pathLst>
+          </a:custGeom>
+          <a:solidFill>
+            <a:srgbClr val="EF5D50"/>
+          </a:solidFill>
+          <a:ln>
+            <a:noFill/>
+          </a:ln>
+        </p:spPr>
+        <p:txBody>
+          <a:bodyPr anchorCtr="0" anchor="ctr" bIns="91425" lIns="91425" spcFirstLastPara="1" rIns="91425" wrap="square" tIns="91425">
+            <a:noAutofit/>
+          </a:bodyPr>
+          <a:lstStyle/>
+          <a:p>
+            <a:pPr indent="0" lvl="0" marL="0" rtl="0" algn="l">
+              <a:spcBef>
+                <a:spcPts val="0"/>
+              </a:spcBef>
+              <a:spcAft>
+                <a:spcPts val="0"/>
+              </a:spcAft>
+              <a:buNone/>
+            </a:pPr>
+            <a:r>
+              <a:t/>
+            </a:r>
+            <a:endParaRPr/>
+          </a:p>
+        </p:txBody>
+      </p:sp>
+      <p:sp>
+        <p:nvSpPr>
+          <p:cNvPr id="426" name="Google Shape;426;p27"/>
           <p:cNvSpPr txBox="1"/>
           <p:nvPr/>
         </p:nvSpPr>
         <p:spPr>
           <a:xfrm>
-            <a:off x="2391275" y="3248525"/>
-            <a:ext cx="13319100" cy="5141700"/>
+            <a:off x="2794343" y="5196891"/>
+            <a:ext cx="4500900" cy="907800"/>
           </a:xfrm>
           <a:prstGeom prst="rect">
             <a:avLst/>
@@ -21558,30 +21418,141 @@
           </a:ln>
         </p:spPr>
         <p:txBody>
-          <a:bodyPr anchorCtr="0" anchor="t" bIns="91425" lIns="91425" spcFirstLastPara="1" rIns="91425" wrap="square" tIns="91425">
+          <a:bodyPr anchorCtr="0" anchor="t" bIns="0" lIns="0" spcFirstLastPara="1" rIns="0" wrap="square" tIns="0">
             <a:noAutofit/>
           </a:bodyPr>
           <a:lstStyle/>
           <a:p>
-            <a:pPr indent="-457200" lvl="0" marL="457200" rtl="0" algn="l">
-              <a:spcBef>
-                <a:spcPts val="0"/>
-              </a:spcBef>
-              <a:spcAft>
-                <a:spcPts val="0"/>
-              </a:spcAft>
-              <a:buSzPts val="3600"/>
-              <a:buFont typeface="Calibri"/>
-              <a:buChar char="●"/>
+            <a:pPr indent="0" lvl="0" marL="0" marR="0" rtl="0" algn="ctr">
+              <a:lnSpc>
+                <a:spcPct val="115000"/>
+              </a:lnSpc>
+              <a:spcBef>
+                <a:spcPts val="0"/>
+              </a:spcBef>
+              <a:spcAft>
+                <a:spcPts val="0"/>
+              </a:spcAft>
+              <a:buNone/>
             </a:pPr>
             <a:r>
-              <a:t/>
+              <a:rPr b="1" lang="en-US" sz="4000">
+                <a:solidFill>
+                  <a:srgbClr val="434343"/>
+                </a:solidFill>
+              </a:rPr>
+              <a:t>Sponsors</a:t>
             </a:r>
-            <a:endParaRPr sz="3600">
-              <a:latin typeface="Calibri"/>
-              <a:ea typeface="Calibri"/>
-              <a:cs typeface="Calibri"/>
-              <a:sym typeface="Calibri"/>
+            <a:endParaRPr b="1" sz="4000">
+              <a:solidFill>
+                <a:srgbClr val="434343"/>
+              </a:solidFill>
+            </a:endParaRPr>
+          </a:p>
+        </p:txBody>
+      </p:sp>
+      <p:sp>
+        <p:nvSpPr>
+          <p:cNvPr id="427" name="Google Shape;427;p27"/>
+          <p:cNvSpPr txBox="1"/>
+          <p:nvPr/>
+        </p:nvSpPr>
+        <p:spPr>
+          <a:xfrm>
+            <a:off x="10728555" y="5196891"/>
+            <a:ext cx="4500900" cy="907800"/>
+          </a:xfrm>
+          <a:prstGeom prst="rect">
+            <a:avLst/>
+          </a:prstGeom>
+          <a:noFill/>
+          <a:ln>
+            <a:noFill/>
+          </a:ln>
+        </p:spPr>
+        <p:txBody>
+          <a:bodyPr anchorCtr="0" anchor="t" bIns="0" lIns="0" spcFirstLastPara="1" rIns="0" wrap="square" tIns="0">
+            <a:noAutofit/>
+          </a:bodyPr>
+          <a:lstStyle/>
+          <a:p>
+            <a:pPr indent="0" lvl="0" marL="0" marR="0" rtl="0" algn="ctr">
+              <a:lnSpc>
+                <a:spcPct val="115000"/>
+              </a:lnSpc>
+              <a:spcBef>
+                <a:spcPts val="0"/>
+              </a:spcBef>
+              <a:spcAft>
+                <a:spcPts val="0"/>
+              </a:spcAft>
+              <a:buNone/>
+            </a:pPr>
+            <a:r>
+              <a:rPr b="1" lang="en-US" sz="4000">
+                <a:solidFill>
+                  <a:srgbClr val="434343"/>
+                </a:solidFill>
+              </a:rPr>
+              <a:t>Mentors</a:t>
+            </a:r>
+            <a:endParaRPr b="1" sz="4000">
+              <a:solidFill>
+                <a:srgbClr val="434343"/>
+              </a:solidFill>
+            </a:endParaRPr>
+          </a:p>
+        </p:txBody>
+      </p:sp>
+      <p:sp>
+        <p:nvSpPr>
+          <p:cNvPr id="428" name="Google Shape;428;p27"/>
+          <p:cNvSpPr txBox="1"/>
+          <p:nvPr/>
+        </p:nvSpPr>
+        <p:spPr>
+          <a:xfrm>
+            <a:off x="6703730" y="6041916"/>
+            <a:ext cx="4500900" cy="907800"/>
+          </a:xfrm>
+          <a:prstGeom prst="rect">
+            <a:avLst/>
+          </a:prstGeom>
+          <a:noFill/>
+          <a:ln>
+            <a:noFill/>
+          </a:ln>
+        </p:spPr>
+        <p:txBody>
+          <a:bodyPr anchorCtr="0" anchor="t" bIns="0" lIns="0" spcFirstLastPara="1" rIns="0" wrap="square" tIns="0">
+            <a:noAutofit/>
+          </a:bodyPr>
+          <a:lstStyle/>
+          <a:p>
+            <a:pPr indent="0" lvl="0" marL="0" marR="0" rtl="0" algn="ctr">
+              <a:lnSpc>
+                <a:spcPct val="115000"/>
+              </a:lnSpc>
+              <a:spcBef>
+                <a:spcPts val="0"/>
+              </a:spcBef>
+              <a:spcAft>
+                <a:spcPts val="0"/>
+              </a:spcAft>
+              <a:buNone/>
+            </a:pPr>
+            <a:r>
+              <a:rPr b="1" lang="en-US" sz="4000">
+                <a:solidFill>
+                  <a:srgbClr val="F3F3F3"/>
+                </a:solidFill>
+              </a:rPr>
+              <a:t>Organisers</a:t>
+            </a:r>
+            <a:endParaRPr b="1" sz="4000">
+              <a:solidFill>
+                <a:srgbClr val="F3F3F3"/>
+              </a:solidFill>
             </a:endParaRPr>
           </a:p>
         </p:txBody>
@@ -21594,8 +21565,8 @@
 </p:sld>
 </file>
 
-<file path=ppt/slides/slide2.xml><?xml version="1.0" encoding="utf-8"?>
-<p:sld xmlns:a="http://schemas.openxmlformats.org/drawingml/2006/main" xmlns:r="http://schemas.openxmlformats.org/officeDocument/2006/relationships" xmlns:mc="http://schemas.openxmlformats.org/markup-compatibility/2006" xmlns:mv="urn:schemas-microsoft-com:mac:vml" xmlns:p="http://schemas.openxmlformats.org/presentationml/2006/main" xmlns:c="http://schemas.openxmlformats.org/drawingml/2006/chart" xmlns:dgm="http://schemas.openxmlformats.org/drawingml/2006/diagram" xmlns:o="urn:schemas-microsoft-com:office:office" xmlns:v="urn:schemas-microsoft-com:vml" xmlns:pvml="urn:schemas-microsoft-com:office:powerpoint" xmlns:com="http://schemas.openxmlformats.org/drawingml/2006/compatibility" xmlns:p14="http://schemas.microsoft.com/office/powerpoint/2010/main" xmlns:p15="http://schemas.microsoft.com/office/powerpoint/2012/main">
+<file path=ppt/slides/slide16.xml><?xml version="1.0" encoding="utf-8"?>
+<p:sld xmlns:a="http://schemas.openxmlformats.org/drawingml/2006/main" xmlns:r="http://schemas.openxmlformats.org/officeDocument/2006/relationships" xmlns:mc="http://schemas.openxmlformats.org/markup-compatibility/2006" xmlns:mv="urn:schemas-microsoft-com:mac:vml" xmlns:p="http://schemas.openxmlformats.org/presentationml/2006/main" xmlns:c="http://schemas.openxmlformats.org/drawingml/2006/chart" xmlns:dgm="http://schemas.openxmlformats.org/drawingml/2006/diagram" xmlns:o="urn:schemas-microsoft-com:office:office" xmlns:v="urn:schemas-microsoft-com:vml" xmlns:pvml="urn:schemas-microsoft-com:office:powerpoint" xmlns:com="http://schemas.openxmlformats.org/drawingml/2006/compatibility" xmlns:p14="http://schemas.microsoft.com/office/powerpoint/2010/main" xmlns:p15="http://schemas.microsoft.com/office/powerpoint/2012/main" xmlns:ahyp="http://schemas.microsoft.com/office/drawing/2018/hyperlinkcolor">
   <p:cSld>
     <p:bg>
       <p:bgPr>
@@ -21606,7 +21577,7 @@
     </p:bg>
     <p:spTree>
       <p:nvGrpSpPr>
-        <p:cNvPr id="98" name="Shape 98"/>
+        <p:cNvPr id="432" name="Shape 432"/>
         <p:cNvGrpSpPr/>
         <p:nvPr/>
       </p:nvGrpSpPr>
@@ -21620,7 +21591,7 @@
       </p:grpSpPr>
       <p:sp>
         <p:nvSpPr>
-          <p:cNvPr id="99" name="Google Shape;99;p14"/>
+          <p:cNvPr id="433" name="Google Shape;433;p28"/>
           <p:cNvSpPr/>
           <p:nvPr/>
         </p:nvSpPr>
@@ -21705,6 +21676,515 @@
       </p:sp>
       <p:pic>
         <p:nvPicPr>
+          <p:cNvPr id="434" name="Google Shape;434;p28"/>
+          <p:cNvPicPr preferRelativeResize="0"/>
+          <p:nvPr/>
+        </p:nvPicPr>
+        <p:blipFill rotWithShape="1">
+          <a:blip r:embed="rId3">
+            <a:alphaModFix/>
+          </a:blip>
+          <a:srcRect b="0" l="0" r="0" t="0"/>
+          <a:stretch/>
+        </p:blipFill>
+        <p:spPr>
+          <a:xfrm rot="-5400000">
+            <a:off x="9004563" y="9805808"/>
+            <a:ext cx="278873" cy="438229"/>
+          </a:xfrm>
+          <a:prstGeom prst="rect">
+            <a:avLst/>
+          </a:prstGeom>
+          <a:noFill/>
+          <a:ln>
+            <a:noFill/>
+          </a:ln>
+        </p:spPr>
+      </p:pic>
+      <p:grpSp>
+        <p:nvGrpSpPr>
+          <p:cNvPr id="435" name="Google Shape;435;p28"/>
+          <p:cNvGrpSpPr/>
+          <p:nvPr/>
+        </p:nvGrpSpPr>
+        <p:grpSpPr>
+          <a:xfrm>
+            <a:off x="4818600" y="1229784"/>
+            <a:ext cx="8650800" cy="2277577"/>
+            <a:chOff x="0" y="-66675"/>
+            <a:chExt cx="11534400" cy="3036769"/>
+          </a:xfrm>
+        </p:grpSpPr>
+        <p:sp>
+          <p:nvSpPr>
+            <p:cNvPr id="436" name="Google Shape;436;p28"/>
+            <p:cNvSpPr txBox="1"/>
+            <p:nvPr/>
+          </p:nvSpPr>
+          <p:spPr>
+            <a:xfrm>
+              <a:off x="0" y="-66675"/>
+              <a:ext cx="11534400" cy="1367100"/>
+            </a:xfrm>
+            <a:prstGeom prst="rect">
+              <a:avLst/>
+            </a:prstGeom>
+            <a:noFill/>
+            <a:ln>
+              <a:noFill/>
+            </a:ln>
+          </p:spPr>
+          <p:txBody>
+            <a:bodyPr anchorCtr="0" anchor="t" bIns="0" lIns="0" spcFirstLastPara="1" rIns="0" wrap="square" tIns="0">
+              <a:noAutofit/>
+            </a:bodyPr>
+            <a:lstStyle/>
+            <a:p>
+              <a:pPr indent="0" lvl="0" marL="0" marR="0" rtl="0" algn="ctr">
+                <a:lnSpc>
+                  <a:spcPct val="130004"/>
+                </a:lnSpc>
+                <a:spcBef>
+                  <a:spcPts val="0"/>
+                </a:spcBef>
+                <a:spcAft>
+                  <a:spcPts val="0"/>
+                </a:spcAft>
+                <a:buNone/>
+              </a:pPr>
+              <a:r>
+                <a:rPr lang="en-US" sz="8000">
+                  <a:solidFill>
+                    <a:srgbClr val="ECF2FE"/>
+                  </a:solidFill>
+                </a:rPr>
+                <a:t>References</a:t>
+              </a:r>
+              <a:endParaRPr sz="8000"/>
+            </a:p>
+          </p:txBody>
+        </p:sp>
+        <p:sp>
+          <p:nvSpPr>
+            <p:cNvPr id="437" name="Google Shape;437;p28"/>
+            <p:cNvSpPr txBox="1"/>
+            <p:nvPr/>
+          </p:nvSpPr>
+          <p:spPr>
+            <a:xfrm>
+              <a:off x="0" y="1759894"/>
+              <a:ext cx="11534400" cy="1210200"/>
+            </a:xfrm>
+            <a:prstGeom prst="rect">
+              <a:avLst/>
+            </a:prstGeom>
+            <a:noFill/>
+            <a:ln>
+              <a:noFill/>
+            </a:ln>
+          </p:spPr>
+          <p:txBody>
+            <a:bodyPr anchorCtr="0" anchor="t" bIns="0" lIns="0" spcFirstLastPara="1" rIns="0" wrap="square" tIns="0">
+              <a:noAutofit/>
+            </a:bodyPr>
+            <a:lstStyle/>
+            <a:p>
+              <a:pPr indent="0" lvl="0" marL="0" marR="0" rtl="0" algn="ctr">
+                <a:lnSpc>
+                  <a:spcPct val="142016"/>
+                </a:lnSpc>
+                <a:spcBef>
+                  <a:spcPts val="0"/>
+                </a:spcBef>
+                <a:spcAft>
+                  <a:spcPts val="0"/>
+                </a:spcAft>
+                <a:buNone/>
+              </a:pPr>
+              <a:r>
+                <a:t/>
+              </a:r>
+              <a:endParaRPr/>
+            </a:p>
+          </p:txBody>
+        </p:sp>
+      </p:grpSp>
+      <p:sp>
+        <p:nvSpPr>
+          <p:cNvPr id="438" name="Google Shape;438;p28"/>
+          <p:cNvSpPr txBox="1"/>
+          <p:nvPr/>
+        </p:nvSpPr>
+        <p:spPr>
+          <a:xfrm>
+            <a:off x="2391275" y="3248525"/>
+            <a:ext cx="13319100" cy="6235800"/>
+          </a:xfrm>
+          <a:prstGeom prst="rect">
+            <a:avLst/>
+          </a:prstGeom>
+          <a:noFill/>
+          <a:ln>
+            <a:noFill/>
+          </a:ln>
+        </p:spPr>
+        <p:txBody>
+          <a:bodyPr anchorCtr="0" anchor="t" bIns="91425" lIns="91425" spcFirstLastPara="1" rIns="91425" wrap="square" tIns="91425">
+            <a:noAutofit/>
+          </a:bodyPr>
+          <a:lstStyle/>
+          <a:p>
+            <a:pPr indent="-457200" lvl="0" marL="457200" rtl="0" algn="l">
+              <a:spcBef>
+                <a:spcPts val="0"/>
+              </a:spcBef>
+              <a:spcAft>
+                <a:spcPts val="0"/>
+              </a:spcAft>
+              <a:buClr>
+                <a:srgbClr val="F3F3F3"/>
+              </a:buClr>
+              <a:buSzPts val="3600"/>
+              <a:buFont typeface="Calibri"/>
+              <a:buChar char="●"/>
+            </a:pPr>
+            <a:r>
+              <a:rPr lang="en-US" sz="3600">
+                <a:solidFill>
+                  <a:srgbClr val="F3F3F3"/>
+                </a:solidFill>
+                <a:latin typeface="Calibri"/>
+                <a:ea typeface="Calibri"/>
+                <a:cs typeface="Calibri"/>
+                <a:sym typeface="Calibri"/>
+              </a:rPr>
+              <a:t>Github link : https://github.com/mahavir9008/Predictive_Algorthim_Challnage</a:t>
+            </a:r>
+            <a:endParaRPr sz="3600">
+              <a:latin typeface="Calibri"/>
+              <a:ea typeface="Calibri"/>
+              <a:cs typeface="Calibri"/>
+              <a:sym typeface="Calibri"/>
+            </a:endParaRPr>
+          </a:p>
+          <a:p>
+            <a:pPr indent="-457200" lvl="0" marL="457200" rtl="0" algn="l">
+              <a:spcBef>
+                <a:spcPts val="0"/>
+              </a:spcBef>
+              <a:spcAft>
+                <a:spcPts val="0"/>
+              </a:spcAft>
+              <a:buClr>
+                <a:srgbClr val="F3F3F3"/>
+              </a:buClr>
+              <a:buSzPts val="3600"/>
+              <a:buFont typeface="Calibri"/>
+              <a:buChar char="●"/>
+            </a:pPr>
+            <a:r>
+              <a:rPr lang="en-US" sz="3600">
+                <a:solidFill>
+                  <a:srgbClr val="F3F3F3"/>
+                </a:solidFill>
+                <a:latin typeface="Calibri"/>
+                <a:ea typeface="Calibri"/>
+                <a:cs typeface="Calibri"/>
+                <a:sym typeface="Calibri"/>
+              </a:rPr>
+              <a:t>YouTube link : </a:t>
+            </a:r>
+            <a:r>
+              <a:rPr lang="en-US" sz="3600" u="sng">
+                <a:solidFill>
+                  <a:srgbClr val="F3F3F3"/>
+                </a:solidFill>
+                <a:latin typeface="Calibri"/>
+                <a:ea typeface="Calibri"/>
+                <a:cs typeface="Calibri"/>
+                <a:sym typeface="Calibri"/>
+                <a:hlinkClick r:id="rId4"/>
+              </a:rPr>
+              <a:t>https://www.youtube.com/watch?v=z0XIHs87Zws&amp;feature=youtu.be</a:t>
+            </a:r>
+            <a:endParaRPr sz="3600">
+              <a:solidFill>
+                <a:srgbClr val="F3F3F3"/>
+              </a:solidFill>
+              <a:latin typeface="Calibri"/>
+              <a:ea typeface="Calibri"/>
+              <a:cs typeface="Calibri"/>
+              <a:sym typeface="Calibri"/>
+            </a:endParaRPr>
+          </a:p>
+          <a:p>
+            <a:pPr indent="-457200" lvl="0" marL="457200" rtl="0" algn="l">
+              <a:spcBef>
+                <a:spcPts val="0"/>
+              </a:spcBef>
+              <a:spcAft>
+                <a:spcPts val="0"/>
+              </a:spcAft>
+              <a:buClr>
+                <a:srgbClr val="F3F3F3"/>
+              </a:buClr>
+              <a:buSzPts val="3600"/>
+              <a:buFont typeface="Calibri"/>
+              <a:buChar char="●"/>
+            </a:pPr>
+            <a:r>
+              <a:rPr lang="en-US" sz="3600">
+                <a:solidFill>
+                  <a:srgbClr val="F3F3F3"/>
+                </a:solidFill>
+                <a:latin typeface="Calibri"/>
+                <a:ea typeface="Calibri"/>
+                <a:cs typeface="Calibri"/>
+                <a:sym typeface="Calibri"/>
+              </a:rPr>
+              <a:t>Oracle link : </a:t>
+            </a:r>
+            <a:r>
+              <a:rPr lang="en-US" sz="3600" u="sng">
+                <a:solidFill>
+                  <a:schemeClr val="hlink"/>
+                </a:solidFill>
+                <a:latin typeface="Calibri"/>
+                <a:ea typeface="Calibri"/>
+                <a:cs typeface="Calibri"/>
+                <a:sym typeface="Calibri"/>
+                <a:hlinkClick r:id="rId5"/>
+              </a:rPr>
+              <a:t>https://apex.oracle.com/pls/apex/buildwithai/r/us-covid19/us-covid19-report?session=103878657963762</a:t>
+            </a:r>
+            <a:endParaRPr sz="3600">
+              <a:solidFill>
+                <a:srgbClr val="F3F3F3"/>
+              </a:solidFill>
+              <a:latin typeface="Calibri"/>
+              <a:ea typeface="Calibri"/>
+              <a:cs typeface="Calibri"/>
+              <a:sym typeface="Calibri"/>
+            </a:endParaRPr>
+          </a:p>
+          <a:p>
+            <a:pPr indent="-457200" lvl="1" marL="914400" rtl="0" algn="l">
+              <a:spcBef>
+                <a:spcPts val="0"/>
+              </a:spcBef>
+              <a:spcAft>
+                <a:spcPts val="0"/>
+              </a:spcAft>
+              <a:buClr>
+                <a:srgbClr val="F3F3F3"/>
+              </a:buClr>
+              <a:buSzPts val="3600"/>
+              <a:buFont typeface="Calibri"/>
+              <a:buChar char="○"/>
+            </a:pPr>
+            <a:r>
+              <a:rPr lang="en-US" sz="3600">
+                <a:solidFill>
+                  <a:srgbClr val="F3F3F3"/>
+                </a:solidFill>
+                <a:latin typeface="Calibri"/>
+                <a:ea typeface="Calibri"/>
+                <a:cs typeface="Calibri"/>
+                <a:sym typeface="Calibri"/>
+              </a:rPr>
+              <a:t>Username : dummy</a:t>
+            </a:r>
+            <a:endParaRPr sz="3600">
+              <a:solidFill>
+                <a:srgbClr val="F3F3F3"/>
+              </a:solidFill>
+              <a:latin typeface="Calibri"/>
+              <a:ea typeface="Calibri"/>
+              <a:cs typeface="Calibri"/>
+              <a:sym typeface="Calibri"/>
+            </a:endParaRPr>
+          </a:p>
+          <a:p>
+            <a:pPr indent="-457200" lvl="1" marL="914400" rtl="0" algn="l">
+              <a:spcBef>
+                <a:spcPts val="0"/>
+              </a:spcBef>
+              <a:spcAft>
+                <a:spcPts val="0"/>
+              </a:spcAft>
+              <a:buClr>
+                <a:srgbClr val="F3F3F3"/>
+              </a:buClr>
+              <a:buSzPts val="3600"/>
+              <a:buFont typeface="Calibri"/>
+              <a:buChar char="○"/>
+            </a:pPr>
+            <a:r>
+              <a:rPr lang="en-US" sz="3600">
+                <a:solidFill>
+                  <a:srgbClr val="F3F3F3"/>
+                </a:solidFill>
+                <a:latin typeface="Calibri"/>
+                <a:ea typeface="Calibri"/>
+                <a:cs typeface="Calibri"/>
+                <a:sym typeface="Calibri"/>
+              </a:rPr>
+              <a:t>Password : buildwithai123</a:t>
+            </a:r>
+            <a:endParaRPr sz="3600">
+              <a:solidFill>
+                <a:srgbClr val="F3F3F3"/>
+              </a:solidFill>
+              <a:latin typeface="Calibri"/>
+              <a:ea typeface="Calibri"/>
+              <a:cs typeface="Calibri"/>
+              <a:sym typeface="Calibri"/>
+            </a:endParaRPr>
+          </a:p>
+          <a:p>
+            <a:pPr indent="0" lvl="0" marL="457200" rtl="0" algn="l">
+              <a:spcBef>
+                <a:spcPts val="0"/>
+              </a:spcBef>
+              <a:spcAft>
+                <a:spcPts val="0"/>
+              </a:spcAft>
+              <a:buNone/>
+            </a:pPr>
+            <a:r>
+              <a:t/>
+            </a:r>
+            <a:endParaRPr sz="3600">
+              <a:solidFill>
+                <a:srgbClr val="F3F3F3"/>
+              </a:solidFill>
+              <a:latin typeface="Calibri"/>
+              <a:ea typeface="Calibri"/>
+              <a:cs typeface="Calibri"/>
+              <a:sym typeface="Calibri"/>
+            </a:endParaRPr>
+          </a:p>
+        </p:txBody>
+      </p:sp>
+    </p:spTree>
+  </p:cSld>
+  <p:clrMapOvr>
+    <a:masterClrMapping/>
+  </p:clrMapOvr>
+</p:sld>
+</file>
+
+<file path=ppt/slides/slide2.xml><?xml version="1.0" encoding="utf-8"?>
+<p:sld xmlns:a="http://schemas.openxmlformats.org/drawingml/2006/main" xmlns:r="http://schemas.openxmlformats.org/officeDocument/2006/relationships" xmlns:mc="http://schemas.openxmlformats.org/markup-compatibility/2006" xmlns:mv="urn:schemas-microsoft-com:mac:vml" xmlns:p="http://schemas.openxmlformats.org/presentationml/2006/main" xmlns:c="http://schemas.openxmlformats.org/drawingml/2006/chart" xmlns:dgm="http://schemas.openxmlformats.org/drawingml/2006/diagram" xmlns:o="urn:schemas-microsoft-com:office:office" xmlns:v="urn:schemas-microsoft-com:vml" xmlns:pvml="urn:schemas-microsoft-com:office:powerpoint" xmlns:com="http://schemas.openxmlformats.org/drawingml/2006/compatibility" xmlns:p14="http://schemas.microsoft.com/office/powerpoint/2010/main" xmlns:p15="http://schemas.microsoft.com/office/powerpoint/2012/main" xmlns:ahyp="http://schemas.microsoft.com/office/drawing/2018/hyperlinkcolor">
+  <p:cSld>
+    <p:bg>
+      <p:bgPr>
+        <a:solidFill>
+          <a:srgbClr val="EF5D50"/>
+        </a:solidFill>
+      </p:bgPr>
+    </p:bg>
+    <p:spTree>
+      <p:nvGrpSpPr>
+        <p:cNvPr id="98" name="Shape 98"/>
+        <p:cNvGrpSpPr/>
+        <p:nvPr/>
+      </p:nvGrpSpPr>
+      <p:grpSpPr>
+        <a:xfrm>
+          <a:off x="0" y="0"/>
+          <a:ext cx="0" cy="0"/>
+          <a:chOff x="0" y="0"/>
+          <a:chExt cx="0" cy="0"/>
+        </a:xfrm>
+      </p:grpSpPr>
+      <p:sp>
+        <p:nvSpPr>
+          <p:cNvPr id="99" name="Google Shape;99;p14"/>
+          <p:cNvSpPr/>
+          <p:nvPr/>
+        </p:nvSpPr>
+        <p:spPr>
+          <a:xfrm rot="10800000">
+            <a:off x="8397516" y="9484282"/>
+            <a:ext cx="1494352" cy="802718"/>
+          </a:xfrm>
+          <a:custGeom>
+            <a:rect b="b" l="l" r="r" t="t"/>
+            <a:pathLst>
+              <a:path extrusionOk="0" h="1264123" w="2353310">
+                <a:moveTo>
+                  <a:pt x="784860" y="1196813"/>
+                </a:moveTo>
+                <a:cubicBezTo>
+                  <a:pt x="905510" y="1237453"/>
+                  <a:pt x="1042670" y="1264123"/>
+                  <a:pt x="1177290" y="1264123"/>
+                </a:cubicBezTo>
+                <a:cubicBezTo>
+                  <a:pt x="1311910" y="1264123"/>
+                  <a:pt x="1441450" y="1241263"/>
+                  <a:pt x="1560830" y="1200623"/>
+                </a:cubicBezTo>
+                <a:cubicBezTo>
+                  <a:pt x="1563370" y="1199353"/>
+                  <a:pt x="1565910" y="1199353"/>
+                  <a:pt x="1568450" y="1198083"/>
+                </a:cubicBezTo>
+                <a:cubicBezTo>
+                  <a:pt x="2016760" y="1035523"/>
+                  <a:pt x="2346960" y="606263"/>
+                  <a:pt x="2353310" y="109551"/>
+                </a:cubicBezTo>
+                <a:lnTo>
+                  <a:pt x="2353310" y="0"/>
+                </a:lnTo>
+                <a:lnTo>
+                  <a:pt x="0" y="0"/>
+                </a:lnTo>
+                <a:lnTo>
+                  <a:pt x="0" y="109516"/>
+                </a:lnTo>
+                <a:cubicBezTo>
+                  <a:pt x="6350" y="608803"/>
+                  <a:pt x="331470" y="1038063"/>
+                  <a:pt x="784860" y="1196813"/>
+                </a:cubicBezTo>
+                <a:close/>
+              </a:path>
+            </a:pathLst>
+          </a:custGeom>
+          <a:solidFill>
+            <a:srgbClr val="ECF2FE"/>
+          </a:solidFill>
+          <a:ln>
+            <a:noFill/>
+          </a:ln>
+        </p:spPr>
+        <p:txBody>
+          <a:bodyPr anchorCtr="0" anchor="ctr" bIns="91425" lIns="91425" spcFirstLastPara="1" rIns="91425" wrap="square" tIns="91425">
+            <a:noAutofit/>
+          </a:bodyPr>
+          <a:lstStyle/>
+          <a:p>
+            <a:pPr indent="0" lvl="0" marL="0" rtl="0" algn="l">
+              <a:spcBef>
+                <a:spcPts val="0"/>
+              </a:spcBef>
+              <a:spcAft>
+                <a:spcPts val="0"/>
+              </a:spcAft>
+              <a:buNone/>
+            </a:pPr>
+            <a:r>
+              <a:t/>
+            </a:r>
+            <a:endParaRPr/>
+          </a:p>
+        </p:txBody>
+      </p:sp>
+      <p:pic>
+        <p:nvPicPr>
           <p:cNvPr id="100" name="Google Shape;100;p14"/>
           <p:cNvPicPr preferRelativeResize="0"/>
           <p:nvPr/>
@@ -22065,182 +22545,6 @@
               </a:rPr>
               <a:t>Inaccessibility of data derived decision making tool</a:t>
             </a:r>
-            <a:endParaRPr sz="3300">
-              <a:solidFill>
-                <a:srgbClr val="F3F3F3"/>
-              </a:solidFill>
-            </a:endParaRPr>
-          </a:p>
-          <a:p>
-            <a:pPr indent="0" lvl="0" marL="457200" rtl="0" algn="l">
-              <a:lnSpc>
-                <a:spcPct val="142000"/>
-              </a:lnSpc>
-              <a:spcBef>
-                <a:spcPts val="0"/>
-              </a:spcBef>
-              <a:spcAft>
-                <a:spcPts val="0"/>
-              </a:spcAft>
-              <a:buNone/>
-            </a:pPr>
-            <a:r>
-              <a:t/>
-            </a:r>
-            <a:endParaRPr sz="3300">
-              <a:solidFill>
-                <a:srgbClr val="F3F3F3"/>
-              </a:solidFill>
-            </a:endParaRPr>
-          </a:p>
-          <a:p>
-            <a:pPr indent="0" lvl="0" marL="457200" rtl="0" algn="l">
-              <a:lnSpc>
-                <a:spcPct val="142000"/>
-              </a:lnSpc>
-              <a:spcBef>
-                <a:spcPts val="0"/>
-              </a:spcBef>
-              <a:spcAft>
-                <a:spcPts val="0"/>
-              </a:spcAft>
-              <a:buNone/>
-            </a:pPr>
-            <a:r>
-              <a:t/>
-            </a:r>
-            <a:endParaRPr sz="3300">
-              <a:solidFill>
-                <a:srgbClr val="F3F3F3"/>
-              </a:solidFill>
-            </a:endParaRPr>
-          </a:p>
-          <a:p>
-            <a:pPr indent="457200" lvl="0" marL="457200" rtl="0" algn="l">
-              <a:lnSpc>
-                <a:spcPct val="142000"/>
-              </a:lnSpc>
-              <a:spcBef>
-                <a:spcPts val="0"/>
-              </a:spcBef>
-              <a:spcAft>
-                <a:spcPts val="0"/>
-              </a:spcAft>
-              <a:buNone/>
-            </a:pPr>
-            <a:r>
-              <a:t/>
-            </a:r>
-            <a:endParaRPr sz="3300">
-              <a:solidFill>
-                <a:srgbClr val="F3F3F3"/>
-              </a:solidFill>
-            </a:endParaRPr>
-          </a:p>
-          <a:p>
-            <a:pPr indent="0" lvl="0" marL="0" rtl="0" algn="l">
-              <a:lnSpc>
-                <a:spcPct val="142000"/>
-              </a:lnSpc>
-              <a:spcBef>
-                <a:spcPts val="0"/>
-              </a:spcBef>
-              <a:spcAft>
-                <a:spcPts val="0"/>
-              </a:spcAft>
-              <a:buNone/>
-            </a:pPr>
-            <a:r>
-              <a:t/>
-            </a:r>
-            <a:endParaRPr sz="3300">
-              <a:solidFill>
-                <a:srgbClr val="F3F3F3"/>
-              </a:solidFill>
-            </a:endParaRPr>
-          </a:p>
-          <a:p>
-            <a:pPr indent="0" lvl="0" marL="0" marR="0" rtl="0" algn="l">
-              <a:lnSpc>
-                <a:spcPct val="142000"/>
-              </a:lnSpc>
-              <a:spcBef>
-                <a:spcPts val="0"/>
-              </a:spcBef>
-              <a:spcAft>
-                <a:spcPts val="0"/>
-              </a:spcAft>
-              <a:buNone/>
-            </a:pPr>
-            <a:r>
-              <a:t/>
-            </a:r>
-            <a:endParaRPr sz="4000">
-              <a:solidFill>
-                <a:srgbClr val="F3F3F3"/>
-              </a:solidFill>
-            </a:endParaRPr>
-          </a:p>
-          <a:p>
-            <a:pPr indent="0" lvl="0" marL="0" marR="0" rtl="0" algn="l">
-              <a:lnSpc>
-                <a:spcPct val="142000"/>
-              </a:lnSpc>
-              <a:spcBef>
-                <a:spcPts val="0"/>
-              </a:spcBef>
-              <a:spcAft>
-                <a:spcPts val="0"/>
-              </a:spcAft>
-              <a:buNone/>
-            </a:pPr>
-            <a:r>
-              <a:t/>
-            </a:r>
-            <a:endParaRPr b="1" sz="4000">
-              <a:solidFill>
-                <a:srgbClr val="F3F3F3"/>
-              </a:solidFill>
-            </a:endParaRPr>
-          </a:p>
-          <a:p>
-            <a:pPr indent="0" lvl="0" marL="0" marR="0" rtl="0" algn="l">
-              <a:lnSpc>
-                <a:spcPct val="142000"/>
-              </a:lnSpc>
-              <a:spcBef>
-                <a:spcPts val="0"/>
-              </a:spcBef>
-              <a:spcAft>
-                <a:spcPts val="0"/>
-              </a:spcAft>
-              <a:buNone/>
-            </a:pPr>
-            <a:r>
-              <a:t/>
-            </a:r>
-            <a:endParaRPr b="1" sz="4000">
-              <a:solidFill>
-                <a:srgbClr val="F3F3F3"/>
-              </a:solidFill>
-            </a:endParaRPr>
-          </a:p>
-          <a:p>
-            <a:pPr indent="0" lvl="0" marL="0" marR="0" rtl="0" algn="l">
-              <a:lnSpc>
-                <a:spcPct val="142000"/>
-              </a:lnSpc>
-              <a:spcBef>
-                <a:spcPts val="0"/>
-              </a:spcBef>
-              <a:spcAft>
-                <a:spcPts val="0"/>
-              </a:spcAft>
-              <a:buNone/>
-            </a:pPr>
-            <a:r>
-              <a:t/>
-            </a:r>
             <a:endParaRPr sz="4000">
               <a:solidFill>
                 <a:srgbClr val="F3F3F3"/>
@@ -22258,7 +22562,7 @@
 </file>
 
 <file path=ppt/slides/slide3.xml><?xml version="1.0" encoding="utf-8"?>
-<p:sld xmlns:a="http://schemas.openxmlformats.org/drawingml/2006/main" xmlns:r="http://schemas.openxmlformats.org/officeDocument/2006/relationships" xmlns:mc="http://schemas.openxmlformats.org/markup-compatibility/2006" xmlns:mv="urn:schemas-microsoft-com:mac:vml" xmlns:p="http://schemas.openxmlformats.org/presentationml/2006/main" xmlns:c="http://schemas.openxmlformats.org/drawingml/2006/chart" xmlns:dgm="http://schemas.openxmlformats.org/drawingml/2006/diagram" xmlns:o="urn:schemas-microsoft-com:office:office" xmlns:v="urn:schemas-microsoft-com:vml" xmlns:pvml="urn:schemas-microsoft-com:office:powerpoint" xmlns:com="http://schemas.openxmlformats.org/drawingml/2006/compatibility" xmlns:p14="http://schemas.microsoft.com/office/powerpoint/2010/main" xmlns:p15="http://schemas.microsoft.com/office/powerpoint/2012/main">
+<p:sld xmlns:a="http://schemas.openxmlformats.org/drawingml/2006/main" xmlns:r="http://schemas.openxmlformats.org/officeDocument/2006/relationships" xmlns:mc="http://schemas.openxmlformats.org/markup-compatibility/2006" xmlns:mv="urn:schemas-microsoft-com:mac:vml" xmlns:p="http://schemas.openxmlformats.org/presentationml/2006/main" xmlns:c="http://schemas.openxmlformats.org/drawingml/2006/chart" xmlns:dgm="http://schemas.openxmlformats.org/drawingml/2006/diagram" xmlns:o="urn:schemas-microsoft-com:office:office" xmlns:v="urn:schemas-microsoft-com:vml" xmlns:pvml="urn:schemas-microsoft-com:office:powerpoint" xmlns:com="http://schemas.openxmlformats.org/drawingml/2006/compatibility" xmlns:p14="http://schemas.microsoft.com/office/powerpoint/2010/main" xmlns:p15="http://schemas.microsoft.com/office/powerpoint/2012/main" xmlns:ahyp="http://schemas.microsoft.com/office/drawing/2018/hyperlinkcolor">
   <p:cSld>
     <p:bg>
       <p:bgPr>
@@ -23319,7 +23623,7 @@
 </file>
 
 <file path=ppt/slides/slide4.xml><?xml version="1.0" encoding="utf-8"?>
-<p:sld xmlns:a="http://schemas.openxmlformats.org/drawingml/2006/main" xmlns:r="http://schemas.openxmlformats.org/officeDocument/2006/relationships" xmlns:mc="http://schemas.openxmlformats.org/markup-compatibility/2006" xmlns:mv="urn:schemas-microsoft-com:mac:vml" xmlns:p="http://schemas.openxmlformats.org/presentationml/2006/main" xmlns:c="http://schemas.openxmlformats.org/drawingml/2006/chart" xmlns:dgm="http://schemas.openxmlformats.org/drawingml/2006/diagram" xmlns:o="urn:schemas-microsoft-com:office:office" xmlns:v="urn:schemas-microsoft-com:vml" xmlns:pvml="urn:schemas-microsoft-com:office:powerpoint" xmlns:com="http://schemas.openxmlformats.org/drawingml/2006/compatibility" xmlns:p14="http://schemas.microsoft.com/office/powerpoint/2010/main" xmlns:p15="http://schemas.microsoft.com/office/powerpoint/2012/main">
+<p:sld xmlns:a="http://schemas.openxmlformats.org/drawingml/2006/main" xmlns:r="http://schemas.openxmlformats.org/officeDocument/2006/relationships" xmlns:mc="http://schemas.openxmlformats.org/markup-compatibility/2006" xmlns:mv="urn:schemas-microsoft-com:mac:vml" xmlns:p="http://schemas.openxmlformats.org/presentationml/2006/main" xmlns:c="http://schemas.openxmlformats.org/drawingml/2006/chart" xmlns:dgm="http://schemas.openxmlformats.org/drawingml/2006/diagram" xmlns:o="urn:schemas-microsoft-com:office:office" xmlns:v="urn:schemas-microsoft-com:vml" xmlns:pvml="urn:schemas-microsoft-com:office:powerpoint" xmlns:com="http://schemas.openxmlformats.org/drawingml/2006/compatibility" xmlns:p14="http://schemas.microsoft.com/office/powerpoint/2010/main" xmlns:p15="http://schemas.microsoft.com/office/powerpoint/2012/main" xmlns:ahyp="http://schemas.microsoft.com/office/drawing/2018/hyperlinkcolor">
   <p:cSld>
     <p:bg>
       <p:bgPr>
@@ -23987,7 +24291,7 @@
 </file>
 
 <file path=ppt/slides/slide5.xml><?xml version="1.0" encoding="utf-8"?>
-<p:sld xmlns:a="http://schemas.openxmlformats.org/drawingml/2006/main" xmlns:r="http://schemas.openxmlformats.org/officeDocument/2006/relationships" xmlns:mc="http://schemas.openxmlformats.org/markup-compatibility/2006" xmlns:mv="urn:schemas-microsoft-com:mac:vml" xmlns:p="http://schemas.openxmlformats.org/presentationml/2006/main" xmlns:c="http://schemas.openxmlformats.org/drawingml/2006/chart" xmlns:dgm="http://schemas.openxmlformats.org/drawingml/2006/diagram" xmlns:o="urn:schemas-microsoft-com:office:office" xmlns:v="urn:schemas-microsoft-com:vml" xmlns:pvml="urn:schemas-microsoft-com:office:powerpoint" xmlns:com="http://schemas.openxmlformats.org/drawingml/2006/compatibility" xmlns:p14="http://schemas.microsoft.com/office/powerpoint/2010/main" xmlns:p15="http://schemas.microsoft.com/office/powerpoint/2012/main">
+<p:sld xmlns:a="http://schemas.openxmlformats.org/drawingml/2006/main" xmlns:r="http://schemas.openxmlformats.org/officeDocument/2006/relationships" xmlns:mc="http://schemas.openxmlformats.org/markup-compatibility/2006" xmlns:mv="urn:schemas-microsoft-com:mac:vml" xmlns:p="http://schemas.openxmlformats.org/presentationml/2006/main" xmlns:c="http://schemas.openxmlformats.org/drawingml/2006/chart" xmlns:dgm="http://schemas.openxmlformats.org/drawingml/2006/diagram" xmlns:o="urn:schemas-microsoft-com:office:office" xmlns:v="urn:schemas-microsoft-com:vml" xmlns:pvml="urn:schemas-microsoft-com:office:powerpoint" xmlns:com="http://schemas.openxmlformats.org/drawingml/2006/compatibility" xmlns:p14="http://schemas.microsoft.com/office/powerpoint/2010/main" xmlns:p15="http://schemas.microsoft.com/office/powerpoint/2012/main" xmlns:ahyp="http://schemas.microsoft.com/office/drawing/2018/hyperlinkcolor">
   <p:cSld>
     <p:bg>
       <p:bgPr>
@@ -24212,7 +24516,7 @@
 </file>
 
 <file path=ppt/slides/slide6.xml><?xml version="1.0" encoding="utf-8"?>
-<p:sld xmlns:a="http://schemas.openxmlformats.org/drawingml/2006/main" xmlns:r="http://schemas.openxmlformats.org/officeDocument/2006/relationships" xmlns:mc="http://schemas.openxmlformats.org/markup-compatibility/2006" xmlns:mv="urn:schemas-microsoft-com:mac:vml" xmlns:p="http://schemas.openxmlformats.org/presentationml/2006/main" xmlns:c="http://schemas.openxmlformats.org/drawingml/2006/chart" xmlns:dgm="http://schemas.openxmlformats.org/drawingml/2006/diagram" xmlns:o="urn:schemas-microsoft-com:office:office" xmlns:v="urn:schemas-microsoft-com:vml" xmlns:pvml="urn:schemas-microsoft-com:office:powerpoint" xmlns:com="http://schemas.openxmlformats.org/drawingml/2006/compatibility" xmlns:p14="http://schemas.microsoft.com/office/powerpoint/2010/main" xmlns:p15="http://schemas.microsoft.com/office/powerpoint/2012/main">
+<p:sld xmlns:a="http://schemas.openxmlformats.org/drawingml/2006/main" xmlns:r="http://schemas.openxmlformats.org/officeDocument/2006/relationships" xmlns:mc="http://schemas.openxmlformats.org/markup-compatibility/2006" xmlns:mv="urn:schemas-microsoft-com:mac:vml" xmlns:p="http://schemas.openxmlformats.org/presentationml/2006/main" xmlns:c="http://schemas.openxmlformats.org/drawingml/2006/chart" xmlns:dgm="http://schemas.openxmlformats.org/drawingml/2006/diagram" xmlns:o="urn:schemas-microsoft-com:office:office" xmlns:v="urn:schemas-microsoft-com:vml" xmlns:pvml="urn:schemas-microsoft-com:office:powerpoint" xmlns:com="http://schemas.openxmlformats.org/drawingml/2006/compatibility" xmlns:p14="http://schemas.microsoft.com/office/powerpoint/2010/main" xmlns:p15="http://schemas.microsoft.com/office/powerpoint/2012/main" xmlns:ahyp="http://schemas.microsoft.com/office/drawing/2018/hyperlinkcolor">
   <p:cSld>
     <p:bg>
       <p:bgPr>
@@ -24363,8 +24667,8 @@
         </p:blipFill>
         <p:spPr>
           <a:xfrm>
-            <a:off x="140350" y="2849800"/>
-            <a:ext cx="17995250" cy="6111375"/>
+            <a:off x="2401000" y="1787550"/>
+            <a:ext cx="6667500" cy="7620000"/>
           </a:xfrm>
           <a:prstGeom prst="rect">
             <a:avLst/>
@@ -24375,15 +24679,43 @@
           </a:ln>
         </p:spPr>
       </p:pic>
+      <p:pic>
+        <p:nvPicPr>
+          <p:cNvPr id="158" name="Google Shape;158;p18"/>
+          <p:cNvPicPr preferRelativeResize="0"/>
+          <p:nvPr/>
+        </p:nvPicPr>
+        <p:blipFill>
+          <a:blip r:embed="rId5">
+            <a:alphaModFix/>
+          </a:blip>
+          <a:stretch>
+            <a:fillRect/>
+          </a:stretch>
+        </p:blipFill>
+        <p:spPr>
+          <a:xfrm>
+            <a:off x="9220900" y="1787550"/>
+            <a:ext cx="6667500" cy="7620000"/>
+          </a:xfrm>
+          <a:prstGeom prst="rect">
+            <a:avLst/>
+          </a:prstGeom>
+          <a:noFill/>
+          <a:ln>
+            <a:noFill/>
+          </a:ln>
+        </p:spPr>
+      </p:pic>
       <p:sp>
         <p:nvSpPr>
-          <p:cNvPr id="158" name="Google Shape;158;p18"/>
+          <p:cNvPr id="159" name="Google Shape;159;p18"/>
           <p:cNvSpPr txBox="1"/>
           <p:nvPr/>
         </p:nvSpPr>
         <p:spPr>
           <a:xfrm>
-            <a:off x="521350" y="820900"/>
+            <a:off x="859550" y="304800"/>
             <a:ext cx="17194200" cy="1266900"/>
           </a:xfrm>
           <a:prstGeom prst="rect">
@@ -24417,10 +24749,18 @@
               <a:buNone/>
             </a:pPr>
             <a:r>
-              <a:rPr b="1" lang="en-US" sz="8000"/>
-              <a:t>WHO - USA Corona statistics</a:t>
+              <a:rPr b="1" lang="en-US" sz="7200">
+                <a:solidFill>
+                  <a:srgbClr val="434343"/>
+                </a:solidFill>
+              </a:rPr>
+              <a:t>Prediction from July 27th - Aug 15th</a:t>
             </a:r>
-            <a:endParaRPr b="1"/>
+            <a:endParaRPr b="1" sz="7200">
+              <a:solidFill>
+                <a:srgbClr val="434343"/>
+              </a:solidFill>
+            </a:endParaRPr>
           </a:p>
         </p:txBody>
       </p:sp>
@@ -24433,7 +24773,7 @@
 </file>
 
 <file path=ppt/slides/slide7.xml><?xml version="1.0" encoding="utf-8"?>
-<p:sld xmlns:a="http://schemas.openxmlformats.org/drawingml/2006/main" xmlns:r="http://schemas.openxmlformats.org/officeDocument/2006/relationships" xmlns:mc="http://schemas.openxmlformats.org/markup-compatibility/2006" xmlns:mv="urn:schemas-microsoft-com:mac:vml" xmlns:p="http://schemas.openxmlformats.org/presentationml/2006/main" xmlns:c="http://schemas.openxmlformats.org/drawingml/2006/chart" xmlns:dgm="http://schemas.openxmlformats.org/drawingml/2006/diagram" xmlns:o="urn:schemas-microsoft-com:office:office" xmlns:v="urn:schemas-microsoft-com:vml" xmlns:pvml="urn:schemas-microsoft-com:office:powerpoint" xmlns:com="http://schemas.openxmlformats.org/drawingml/2006/compatibility" xmlns:p14="http://schemas.microsoft.com/office/powerpoint/2010/main" xmlns:p15="http://schemas.microsoft.com/office/powerpoint/2012/main">
+<p:sld xmlns:a="http://schemas.openxmlformats.org/drawingml/2006/main" xmlns:r="http://schemas.openxmlformats.org/officeDocument/2006/relationships" xmlns:mc="http://schemas.openxmlformats.org/markup-compatibility/2006" xmlns:mv="urn:schemas-microsoft-com:mac:vml" xmlns:p="http://schemas.openxmlformats.org/presentationml/2006/main" xmlns:c="http://schemas.openxmlformats.org/drawingml/2006/chart" xmlns:dgm="http://schemas.openxmlformats.org/drawingml/2006/diagram" xmlns:o="urn:schemas-microsoft-com:office:office" xmlns:v="urn:schemas-microsoft-com:vml" xmlns:pvml="urn:schemas-microsoft-com:office:powerpoint" xmlns:com="http://schemas.openxmlformats.org/drawingml/2006/compatibility" xmlns:p14="http://schemas.microsoft.com/office/powerpoint/2010/main" xmlns:p15="http://schemas.microsoft.com/office/powerpoint/2012/main" xmlns:ahyp="http://schemas.microsoft.com/office/drawing/2018/hyperlinkcolor">
   <p:cSld>
     <p:bg>
       <p:bgPr>
@@ -24444,7 +24784,7 @@
     </p:bg>
     <p:spTree>
       <p:nvGrpSpPr>
-        <p:cNvPr id="162" name="Shape 162"/>
+        <p:cNvPr id="163" name="Shape 163"/>
         <p:cNvGrpSpPr/>
         <p:nvPr/>
       </p:nvGrpSpPr>
@@ -24458,7 +24798,7 @@
       </p:grpSpPr>
       <p:sp>
         <p:nvSpPr>
-          <p:cNvPr id="163" name="Google Shape;163;p19"/>
+          <p:cNvPr id="164" name="Google Shape;164;p19"/>
           <p:cNvSpPr/>
           <p:nvPr/>
         </p:nvSpPr>
@@ -24543,7 +24883,7 @@
       </p:sp>
       <p:pic>
         <p:nvPicPr>
-          <p:cNvPr id="164" name="Google Shape;164;p19"/>
+          <p:cNvPr id="165" name="Google Shape;165;p19"/>
           <p:cNvPicPr preferRelativeResize="0"/>
           <p:nvPr/>
         </p:nvPicPr>
@@ -24568,6 +24908,149 @@
           </a:ln>
         </p:spPr>
       </p:pic>
+      <p:pic>
+        <p:nvPicPr>
+          <p:cNvPr id="166" name="Google Shape;166;p19"/>
+          <p:cNvPicPr preferRelativeResize="0"/>
+          <p:nvPr/>
+        </p:nvPicPr>
+        <p:blipFill>
+          <a:blip r:embed="rId4">
+            <a:alphaModFix/>
+          </a:blip>
+          <a:stretch>
+            <a:fillRect/>
+          </a:stretch>
+        </p:blipFill>
+        <p:spPr>
+          <a:xfrm>
+            <a:off x="140350" y="2849800"/>
+            <a:ext cx="17995250" cy="6111375"/>
+          </a:xfrm>
+          <a:prstGeom prst="rect">
+            <a:avLst/>
+          </a:prstGeom>
+          <a:noFill/>
+          <a:ln>
+            <a:noFill/>
+          </a:ln>
+        </p:spPr>
+      </p:pic>
+      <p:sp>
+        <p:nvSpPr>
+          <p:cNvPr id="167" name="Google Shape;167;p19"/>
+          <p:cNvSpPr txBox="1"/>
+          <p:nvPr/>
+        </p:nvSpPr>
+        <p:spPr>
+          <a:xfrm>
+            <a:off x="521350" y="820900"/>
+            <a:ext cx="17194200" cy="1266900"/>
+          </a:xfrm>
+          <a:prstGeom prst="rect">
+            <a:avLst/>
+          </a:prstGeom>
+          <a:noFill/>
+          <a:ln>
+            <a:noFill/>
+          </a:ln>
+        </p:spPr>
+        <p:txBody>
+          <a:bodyPr anchorCtr="0" anchor="t" bIns="0" lIns="0" spcFirstLastPara="1" rIns="0" wrap="square" tIns="0">
+            <a:noAutofit/>
+          </a:bodyPr>
+          <a:lstStyle/>
+          <a:p>
+            <a:pPr indent="0" lvl="0" marL="0" rtl="0" algn="ctr">
+              <a:lnSpc>
+                <a:spcPct val="130000"/>
+              </a:lnSpc>
+              <a:spcBef>
+                <a:spcPts val="0"/>
+              </a:spcBef>
+              <a:spcAft>
+                <a:spcPts val="0"/>
+              </a:spcAft>
+              <a:buClr>
+                <a:schemeClr val="dk1"/>
+              </a:buClr>
+              <a:buFont typeface="Arial"/>
+              <a:buNone/>
+            </a:pPr>
+            <a:r>
+              <a:rPr b="1" lang="en-US" sz="8000">
+                <a:solidFill>
+                  <a:srgbClr val="F3F3F3"/>
+                </a:solidFill>
+              </a:rPr>
+              <a:t>WHO - USA Corona statistics</a:t>
+            </a:r>
+            <a:endParaRPr b="1">
+              <a:solidFill>
+                <a:srgbClr val="F3F3F3"/>
+              </a:solidFill>
+            </a:endParaRPr>
+          </a:p>
+        </p:txBody>
+      </p:sp>
+      <p:sp>
+        <p:nvSpPr>
+          <p:cNvPr id="168" name="Google Shape;168;p19"/>
+          <p:cNvSpPr txBox="1"/>
+          <p:nvPr/>
+        </p:nvSpPr>
+        <p:spPr>
+          <a:xfrm>
+            <a:off x="12635600" y="8961163"/>
+            <a:ext cx="6300600" cy="225600"/>
+          </a:xfrm>
+          <a:prstGeom prst="rect">
+            <a:avLst/>
+          </a:prstGeom>
+          <a:noFill/>
+          <a:ln>
+            <a:noFill/>
+          </a:ln>
+        </p:spPr>
+        <p:txBody>
+          <a:bodyPr anchorCtr="0" anchor="t" bIns="91425" lIns="91425" spcFirstLastPara="1" rIns="91425" wrap="square" tIns="91425">
+            <a:noAutofit/>
+          </a:bodyPr>
+          <a:lstStyle/>
+          <a:p>
+            <a:pPr indent="0" lvl="0" marL="0" rtl="0" algn="l">
+              <a:spcBef>
+                <a:spcPts val="0"/>
+              </a:spcBef>
+              <a:spcAft>
+                <a:spcPts val="0"/>
+              </a:spcAft>
+              <a:buNone/>
+            </a:pPr>
+            <a:r>
+              <a:rPr lang="en-US">
+                <a:solidFill>
+                  <a:srgbClr val="F3F3F3"/>
+                </a:solidFill>
+                <a:latin typeface="Calibri"/>
+                <a:ea typeface="Calibri"/>
+                <a:cs typeface="Calibri"/>
+                <a:sym typeface="Calibri"/>
+              </a:rPr>
+              <a:t>Source : https://covid19.who.int/region/amro/country/us</a:t>
+            </a:r>
+            <a:endParaRPr>
+              <a:solidFill>
+                <a:srgbClr val="F3F3F3"/>
+              </a:solidFill>
+              <a:latin typeface="Calibri"/>
+              <a:ea typeface="Calibri"/>
+              <a:cs typeface="Calibri"/>
+              <a:sym typeface="Calibri"/>
+            </a:endParaRPr>
+          </a:p>
+        </p:txBody>
+      </p:sp>
     </p:spTree>
   </p:cSld>
   <p:clrMapOvr>
@@ -24577,7 +25060,7 @@
 </file>
 
 <file path=ppt/slides/slide8.xml><?xml version="1.0" encoding="utf-8"?>
-<p:sld xmlns:a="http://schemas.openxmlformats.org/drawingml/2006/main" xmlns:r="http://schemas.openxmlformats.org/officeDocument/2006/relationships" xmlns:mc="http://schemas.openxmlformats.org/markup-compatibility/2006" xmlns:mv="urn:schemas-microsoft-com:mac:vml" xmlns:p="http://schemas.openxmlformats.org/presentationml/2006/main" xmlns:c="http://schemas.openxmlformats.org/drawingml/2006/chart" xmlns:dgm="http://schemas.openxmlformats.org/drawingml/2006/diagram" xmlns:o="urn:schemas-microsoft-com:office:office" xmlns:v="urn:schemas-microsoft-com:vml" xmlns:pvml="urn:schemas-microsoft-com:office:powerpoint" xmlns:com="http://schemas.openxmlformats.org/drawingml/2006/compatibility" xmlns:p14="http://schemas.microsoft.com/office/powerpoint/2010/main" xmlns:p15="http://schemas.microsoft.com/office/powerpoint/2012/main">
+<p:sld xmlns:a="http://schemas.openxmlformats.org/drawingml/2006/main" xmlns:r="http://schemas.openxmlformats.org/officeDocument/2006/relationships" xmlns:mc="http://schemas.openxmlformats.org/markup-compatibility/2006" xmlns:mv="urn:schemas-microsoft-com:mac:vml" xmlns:p="http://schemas.openxmlformats.org/presentationml/2006/main" xmlns:c="http://schemas.openxmlformats.org/drawingml/2006/chart" xmlns:dgm="http://schemas.openxmlformats.org/drawingml/2006/diagram" xmlns:o="urn:schemas-microsoft-com:office:office" xmlns:v="urn:schemas-microsoft-com:vml" xmlns:pvml="urn:schemas-microsoft-com:office:powerpoint" xmlns:com="http://schemas.openxmlformats.org/drawingml/2006/compatibility" xmlns:p14="http://schemas.microsoft.com/office/powerpoint/2010/main" xmlns:p15="http://schemas.microsoft.com/office/powerpoint/2012/main" xmlns:ahyp="http://schemas.microsoft.com/office/drawing/2018/hyperlinkcolor">
   <p:cSld>
     <p:bg>
       <p:bgPr>
@@ -24588,7 +25071,7 @@
     </p:bg>
     <p:spTree>
       <p:nvGrpSpPr>
-        <p:cNvPr id="168" name="Shape 168"/>
+        <p:cNvPr id="172" name="Shape 172"/>
         <p:cNvGrpSpPr/>
         <p:nvPr/>
       </p:nvGrpSpPr>
@@ -24602,7 +25085,7 @@
       </p:grpSpPr>
       <p:sp>
         <p:nvSpPr>
-          <p:cNvPr id="169" name="Google Shape;169;p20"/>
+          <p:cNvPr id="173" name="Google Shape;173;p20"/>
           <p:cNvSpPr/>
           <p:nvPr/>
         </p:nvSpPr>
@@ -24687,7 +25170,7 @@
       </p:sp>
       <p:pic>
         <p:nvPicPr>
-          <p:cNvPr id="170" name="Google Shape;170;p20"/>
+          <p:cNvPr id="174" name="Google Shape;174;p20"/>
           <p:cNvPicPr preferRelativeResize="0"/>
           <p:nvPr/>
         </p:nvPicPr>
@@ -24714,7 +25197,7 @@
       </p:pic>
       <p:sp>
         <p:nvSpPr>
-          <p:cNvPr id="171" name="Google Shape;171;p20"/>
+          <p:cNvPr id="175" name="Google Shape;175;p20"/>
           <p:cNvSpPr/>
           <p:nvPr/>
         </p:nvSpPr>
@@ -24795,7 +25278,7 @@
       </p:sp>
       <p:sp>
         <p:nvSpPr>
-          <p:cNvPr id="172" name="Google Shape;172;p20"/>
+          <p:cNvPr id="176" name="Google Shape;176;p20"/>
           <p:cNvSpPr txBox="1"/>
           <p:nvPr/>
         </p:nvSpPr>
@@ -24844,7 +25327,7 @@
       </p:sp>
       <p:grpSp>
         <p:nvGrpSpPr>
-          <p:cNvPr id="173" name="Google Shape;173;p20"/>
+          <p:cNvPr id="177" name="Google Shape;177;p20"/>
           <p:cNvGrpSpPr/>
           <p:nvPr/>
         </p:nvGrpSpPr>
@@ -24858,7 +25341,7 @@
         </p:grpSpPr>
         <p:sp>
           <p:nvSpPr>
-            <p:cNvPr id="174" name="Google Shape;174;p20"/>
+            <p:cNvPr id="178" name="Google Shape;178;p20"/>
             <p:cNvSpPr txBox="1"/>
             <p:nvPr/>
           </p:nvSpPr>
@@ -24933,7 +25416,7 @@
         </p:sp>
         <p:sp>
           <p:nvSpPr>
-            <p:cNvPr id="175" name="Google Shape;175;p20"/>
+            <p:cNvPr id="179" name="Google Shape;179;p20"/>
             <p:cNvSpPr txBox="1"/>
             <p:nvPr/>
           </p:nvSpPr>
@@ -24986,7 +25469,7 @@
       </p:grpSp>
       <p:grpSp>
         <p:nvGrpSpPr>
-          <p:cNvPr id="176" name="Google Shape;176;p20"/>
+          <p:cNvPr id="180" name="Google Shape;180;p20"/>
           <p:cNvGrpSpPr/>
           <p:nvPr/>
         </p:nvGrpSpPr>
@@ -25000,7 +25483,7 @@
         </p:grpSpPr>
         <p:sp>
           <p:nvSpPr>
-            <p:cNvPr id="177" name="Google Shape;177;p20"/>
+            <p:cNvPr id="181" name="Google Shape;181;p20"/>
             <p:cNvSpPr txBox="1"/>
             <p:nvPr/>
           </p:nvSpPr>
@@ -25053,7 +25536,7 @@
         </p:sp>
         <p:sp>
           <p:nvSpPr>
-            <p:cNvPr id="178" name="Google Shape;178;p20"/>
+            <p:cNvPr id="182" name="Google Shape;182;p20"/>
             <p:cNvSpPr txBox="1"/>
             <p:nvPr/>
           </p:nvSpPr>
@@ -25115,7 +25598,7 @@
       </p:grpSp>
       <p:grpSp>
         <p:nvGrpSpPr>
-          <p:cNvPr id="179" name="Google Shape;179;p20"/>
+          <p:cNvPr id="183" name="Google Shape;183;p20"/>
           <p:cNvGrpSpPr/>
           <p:nvPr/>
         </p:nvGrpSpPr>
@@ -25129,7 +25612,7 @@
         </p:grpSpPr>
         <p:sp>
           <p:nvSpPr>
-            <p:cNvPr id="180" name="Google Shape;180;p20"/>
+            <p:cNvPr id="184" name="Google Shape;184;p20"/>
             <p:cNvSpPr txBox="1"/>
             <p:nvPr/>
           </p:nvSpPr>
@@ -25178,7 +25661,7 @@
         </p:sp>
         <p:sp>
           <p:nvSpPr>
-            <p:cNvPr id="181" name="Google Shape;181;p20"/>
+            <p:cNvPr id="185" name="Google Shape;185;p20"/>
             <p:cNvSpPr txBox="1"/>
             <p:nvPr/>
           </p:nvSpPr>
@@ -25231,7 +25714,7 @@
       </p:grpSp>
       <p:sp>
         <p:nvSpPr>
-          <p:cNvPr id="182" name="Google Shape;182;p20"/>
+          <p:cNvPr id="186" name="Google Shape;186;p20"/>
           <p:cNvSpPr/>
           <p:nvPr/>
         </p:nvSpPr>
@@ -25312,7 +25795,7 @@
       </p:sp>
       <p:sp>
         <p:nvSpPr>
-          <p:cNvPr id="183" name="Google Shape;183;p20"/>
+          <p:cNvPr id="187" name="Google Shape;187;p20"/>
           <p:cNvSpPr/>
           <p:nvPr/>
         </p:nvSpPr>
@@ -25393,7 +25876,7 @@
       </p:sp>
       <p:pic>
         <p:nvPicPr>
-          <p:cNvPr id="184" name="Google Shape;184;p20"/>
+          <p:cNvPr id="188" name="Google Shape;188;p20"/>
           <p:cNvPicPr preferRelativeResize="0"/>
           <p:nvPr/>
         </p:nvPicPr>
@@ -25421,7 +25904,7 @@
       </p:pic>
       <p:pic>
         <p:nvPicPr>
-          <p:cNvPr id="185" name="Google Shape;185;p20"/>
+          <p:cNvPr id="189" name="Google Shape;189;p20"/>
           <p:cNvPicPr preferRelativeResize="0"/>
           <p:nvPr/>
         </p:nvPicPr>
@@ -25449,7 +25932,7 @@
       </p:pic>
       <p:pic>
         <p:nvPicPr>
-          <p:cNvPr id="186" name="Google Shape;186;p20"/>
+          <p:cNvPr id="190" name="Google Shape;190;p20"/>
           <p:cNvPicPr preferRelativeResize="0"/>
           <p:nvPr/>
         </p:nvPicPr>
@@ -25484,7 +25967,7 @@
 </file>
 
 <file path=ppt/slides/slide9.xml><?xml version="1.0" encoding="utf-8"?>
-<p:sld xmlns:a="http://schemas.openxmlformats.org/drawingml/2006/main" xmlns:r="http://schemas.openxmlformats.org/officeDocument/2006/relationships" xmlns:mc="http://schemas.openxmlformats.org/markup-compatibility/2006" xmlns:mv="urn:schemas-microsoft-com:mac:vml" xmlns:p="http://schemas.openxmlformats.org/presentationml/2006/main" xmlns:c="http://schemas.openxmlformats.org/drawingml/2006/chart" xmlns:dgm="http://schemas.openxmlformats.org/drawingml/2006/diagram" xmlns:o="urn:schemas-microsoft-com:office:office" xmlns:v="urn:schemas-microsoft-com:vml" xmlns:pvml="urn:schemas-microsoft-com:office:powerpoint" xmlns:com="http://schemas.openxmlformats.org/drawingml/2006/compatibility" xmlns:p14="http://schemas.microsoft.com/office/powerpoint/2010/main" xmlns:p15="http://schemas.microsoft.com/office/powerpoint/2012/main">
+<p:sld xmlns:a="http://schemas.openxmlformats.org/drawingml/2006/main" xmlns:r="http://schemas.openxmlformats.org/officeDocument/2006/relationships" xmlns:mc="http://schemas.openxmlformats.org/markup-compatibility/2006" xmlns:mv="urn:schemas-microsoft-com:mac:vml" xmlns:p="http://schemas.openxmlformats.org/presentationml/2006/main" xmlns:c="http://schemas.openxmlformats.org/drawingml/2006/chart" xmlns:dgm="http://schemas.openxmlformats.org/drawingml/2006/diagram" xmlns:o="urn:schemas-microsoft-com:office:office" xmlns:v="urn:schemas-microsoft-com:vml" xmlns:pvml="urn:schemas-microsoft-com:office:powerpoint" xmlns:com="http://schemas.openxmlformats.org/drawingml/2006/compatibility" xmlns:p14="http://schemas.microsoft.com/office/powerpoint/2010/main" xmlns:p15="http://schemas.microsoft.com/office/powerpoint/2012/main" xmlns:ahyp="http://schemas.microsoft.com/office/drawing/2018/hyperlinkcolor">
   <p:cSld>
     <p:bg>
       <p:bgPr>
@@ -25495,7 +25978,7 @@
     </p:bg>
     <p:spTree>
       <p:nvGrpSpPr>
-        <p:cNvPr id="190" name="Shape 190"/>
+        <p:cNvPr id="194" name="Shape 194"/>
         <p:cNvGrpSpPr/>
         <p:nvPr/>
       </p:nvGrpSpPr>
@@ -25509,7 +25992,7 @@
       </p:grpSpPr>
       <p:sp>
         <p:nvSpPr>
-          <p:cNvPr id="191" name="Google Shape;191;p21"/>
+          <p:cNvPr id="195" name="Google Shape;195;p21"/>
           <p:cNvSpPr/>
           <p:nvPr/>
         </p:nvSpPr>
@@ -25594,7 +26077,7 @@
       </p:sp>
       <p:pic>
         <p:nvPicPr>
-          <p:cNvPr id="192" name="Google Shape;192;p21"/>
+          <p:cNvPr id="196" name="Google Shape;196;p21"/>
           <p:cNvPicPr preferRelativeResize="0"/>
           <p:nvPr/>
         </p:nvPicPr>
@@ -25621,7 +26104,7 @@
       </p:pic>
       <p:sp>
         <p:nvSpPr>
-          <p:cNvPr id="193" name="Google Shape;193;p21"/>
+          <p:cNvPr id="197" name="Google Shape;197;p21"/>
           <p:cNvSpPr txBox="1"/>
           <p:nvPr/>
         </p:nvSpPr>
@@ -25670,7 +26153,7 @@
       </p:sp>
       <p:grpSp>
         <p:nvGrpSpPr>
-          <p:cNvPr id="194" name="Google Shape;194;p21"/>
+          <p:cNvPr id="198" name="Google Shape;198;p21"/>
           <p:cNvGrpSpPr/>
           <p:nvPr/>
         </p:nvGrpSpPr>
@@ -25684,7 +26167,7 @@
         </p:grpSpPr>
         <p:sp>
           <p:nvSpPr>
-            <p:cNvPr id="195" name="Google Shape;195;p21"/>
+            <p:cNvPr id="199" name="Google Shape;199;p21"/>
             <p:cNvSpPr txBox="1"/>
             <p:nvPr/>
           </p:nvSpPr>
@@ -25764,7 +26247,7 @@
         </p:sp>
         <p:sp>
           <p:nvSpPr>
-            <p:cNvPr id="196" name="Google Shape;196;p21"/>
+            <p:cNvPr id="200" name="Google Shape;200;p21"/>
             <p:cNvSpPr txBox="1"/>
             <p:nvPr/>
           </p:nvSpPr>
@@ -25844,7 +26327,7 @@
         </p:sp>
         <p:sp>
           <p:nvSpPr>
-            <p:cNvPr id="197" name="Google Shape;197;p21"/>
+            <p:cNvPr id="201" name="Google Shape;201;p21"/>
             <p:cNvSpPr txBox="1"/>
             <p:nvPr/>
           </p:nvSpPr>
@@ -25924,7 +26407,7 @@
         </p:sp>
         <p:sp>
           <p:nvSpPr>
-            <p:cNvPr id="198" name="Google Shape;198;p21"/>
+            <p:cNvPr id="202" name="Google Shape;202;p21"/>
             <p:cNvSpPr txBox="1"/>
             <p:nvPr/>
           </p:nvSpPr>
@@ -26004,7 +26487,7 @@
         </p:sp>
         <p:sp>
           <p:nvSpPr>
-            <p:cNvPr id="199" name="Google Shape;199;p21"/>
+            <p:cNvPr id="203" name="Google Shape;203;p21"/>
             <p:cNvSpPr txBox="1"/>
             <p:nvPr/>
           </p:nvSpPr>
@@ -26084,7 +26567,7 @@
         </p:sp>
         <p:sp>
           <p:nvSpPr>
-            <p:cNvPr id="200" name="Google Shape;200;p21"/>
+            <p:cNvPr id="204" name="Google Shape;204;p21"/>
             <p:cNvSpPr txBox="1"/>
             <p:nvPr/>
           </p:nvSpPr>
@@ -26164,7 +26647,7 @@
         </p:sp>
         <p:sp>
           <p:nvSpPr>
-            <p:cNvPr id="201" name="Google Shape;201;p21"/>
+            <p:cNvPr id="205" name="Google Shape;205;p21"/>
             <p:cNvSpPr txBox="1"/>
             <p:nvPr/>
           </p:nvSpPr>
@@ -26244,7 +26727,7 @@
         </p:sp>
         <p:sp>
           <p:nvSpPr>
-            <p:cNvPr id="202" name="Google Shape;202;p21"/>
+            <p:cNvPr id="206" name="Google Shape;206;p21"/>
             <p:cNvSpPr txBox="1"/>
             <p:nvPr/>
           </p:nvSpPr>
@@ -26324,7 +26807,7 @@
         </p:sp>
         <p:sp>
           <p:nvSpPr>
-            <p:cNvPr id="203" name="Google Shape;203;p21"/>
+            <p:cNvPr id="207" name="Google Shape;207;p21"/>
             <p:cNvSpPr txBox="1"/>
             <p:nvPr/>
           </p:nvSpPr>
@@ -26404,7 +26887,7 @@
         </p:sp>
         <p:grpSp>
           <p:nvGrpSpPr>
-            <p:cNvPr id="204" name="Google Shape;204;p21"/>
+            <p:cNvPr id="208" name="Google Shape;208;p21"/>
             <p:cNvGrpSpPr/>
             <p:nvPr/>
           </p:nvGrpSpPr>
@@ -26418,7 +26901,7 @@
           </p:grpSpPr>
           <p:sp>
             <p:nvSpPr>
-              <p:cNvPr id="205" name="Google Shape;205;p21"/>
+              <p:cNvPr id="209" name="Google Shape;209;p21"/>
               <p:cNvSpPr/>
               <p:nvPr/>
             </p:nvSpPr>
@@ -26477,7 +26960,7 @@
           </p:sp>
           <p:sp>
             <p:nvSpPr>
-              <p:cNvPr id="206" name="Google Shape;206;p21"/>
+              <p:cNvPr id="210" name="Google Shape;210;p21"/>
               <p:cNvSpPr/>
               <p:nvPr/>
             </p:nvSpPr>
@@ -26536,7 +27019,7 @@
           </p:sp>
           <p:sp>
             <p:nvSpPr>
-              <p:cNvPr id="207" name="Google Shape;207;p21"/>
+              <p:cNvPr id="211" name="Google Shape;211;p21"/>
               <p:cNvSpPr/>
               <p:nvPr/>
             </p:nvSpPr>
@@ -26595,7 +27078,7 @@
           </p:sp>
           <p:sp>
             <p:nvSpPr>
-              <p:cNvPr id="208" name="Google Shape;208;p21"/>
+              <p:cNvPr id="212" name="Google Shape;212;p21"/>
               <p:cNvSpPr/>
               <p:nvPr/>
             </p:nvSpPr>
@@ -26654,7 +27137,7 @@
           </p:sp>
           <p:sp>
             <p:nvSpPr>
-              <p:cNvPr id="209" name="Google Shape;209;p21"/>
+              <p:cNvPr id="213" name="Google Shape;213;p21"/>
               <p:cNvSpPr/>
               <p:nvPr/>
             </p:nvSpPr>
@@ -26713,7 +27196,7 @@
           </p:sp>
           <p:sp>
             <p:nvSpPr>
-              <p:cNvPr id="210" name="Google Shape;210;p21"/>
+              <p:cNvPr id="214" name="Google Shape;214;p21"/>
               <p:cNvSpPr/>
               <p:nvPr/>
             </p:nvSpPr>
@@ -26772,7 +27255,7 @@
           </p:sp>
           <p:sp>
             <p:nvSpPr>
-              <p:cNvPr id="211" name="Google Shape;211;p21"/>
+              <p:cNvPr id="215" name="Google Shape;215;p21"/>
               <p:cNvSpPr/>
               <p:nvPr/>
             </p:nvSpPr>
@@ -26831,7 +27314,7 @@
           </p:sp>
           <p:sp>
             <p:nvSpPr>
-              <p:cNvPr id="212" name="Google Shape;212;p21"/>
+              <p:cNvPr id="216" name="Google Shape;216;p21"/>
               <p:cNvSpPr/>
               <p:nvPr/>
             </p:nvSpPr>
@@ -26890,7 +27373,7 @@
           </p:sp>
           <p:sp>
             <p:nvSpPr>
-              <p:cNvPr id="213" name="Google Shape;213;p21"/>
+              <p:cNvPr id="217" name="Google Shape;217;p21"/>
               <p:cNvSpPr/>
               <p:nvPr/>
             </p:nvSpPr>
@@ -26949,7 +27432,7 @@
           </p:sp>
           <p:sp>
             <p:nvSpPr>
-              <p:cNvPr id="214" name="Google Shape;214;p21"/>
+              <p:cNvPr id="218" name="Google Shape;218;p21"/>
               <p:cNvSpPr/>
               <p:nvPr/>
             </p:nvSpPr>
@@ -27010,7 +27493,7 @@
       </p:grpSp>
       <p:sp>
         <p:nvSpPr>
-          <p:cNvPr id="215" name="Google Shape;215;p21"/>
+          <p:cNvPr id="219" name="Google Shape;219;p21"/>
           <p:cNvSpPr txBox="1"/>
           <p:nvPr/>
         </p:nvSpPr>

--- a/Predection CTRL.pptx
+++ b/Predection CTRL.pptx
@@ -21892,20 +21892,7 @@
                 <a:cs typeface="Calibri"/>
                 <a:sym typeface="Calibri"/>
               </a:rPr>
-              <a:t>YouTube link : </a:t>
-            </a:r>
-            <a:r>
-              <a:rPr lang="en-US" sz="3600" u="sng">
-                <a:solidFill>
-                  <a:srgbClr val="F3F3F3"/>
-                </a:solidFill>
-                <a:latin typeface="Calibri"/>
-                <a:ea typeface="Calibri"/>
-                <a:cs typeface="Calibri"/>
-                <a:sym typeface="Calibri"/>
-                <a:hlinkClick r:id="rId4"/>
-              </a:rPr>
-              <a:t>https://www.youtube.com/watch?v=z0XIHs87Zws&amp;feature=youtu.be</a:t>
+              <a:t>YouTube link : https://www.youtube.com/watch?v=RwUVMNVht2g&amp;feature=youtu.be</a:t>
             </a:r>
             <a:endParaRPr sz="3600">
               <a:solidFill>
@@ -21953,7 +21940,7 @@
                 <a:ea typeface="Calibri"/>
                 <a:cs typeface="Calibri"/>
                 <a:sym typeface="Calibri"/>
-                <a:hlinkClick r:id="rId5"/>
+                <a:hlinkClick r:id="rId4"/>
               </a:rPr>
               <a:t>https://apex.oracle.com/pls/apex/buildwithai/r/us-covid19/us-covid19-report?session=103878657963762</a:t>
             </a:r>
